--- a/teaching/25F-2110/slides/2110-topic 6-Splay Tree.pptx
+++ b/teaching/25F-2110/slides/2110-topic 6-Splay Tree.pptx
@@ -5,39 +5,40 @@
     <p:sldMasterId id="2147483660" r:id="rId1"/>
   </p:sldMasterIdLst>
   <p:notesMasterIdLst>
-    <p:notesMasterId r:id="rId29"/>
+    <p:notesMasterId r:id="rId30"/>
   </p:notesMasterIdLst>
   <p:handoutMasterIdLst>
-    <p:handoutMasterId r:id="rId30"/>
+    <p:handoutMasterId r:id="rId31"/>
   </p:handoutMasterIdLst>
   <p:sldIdLst>
     <p:sldId id="256" r:id="rId2"/>
     <p:sldId id="358" r:id="rId3"/>
-    <p:sldId id="512" r:id="rId4"/>
-    <p:sldId id="513" r:id="rId5"/>
-    <p:sldId id="514" r:id="rId6"/>
-    <p:sldId id="515" r:id="rId7"/>
-    <p:sldId id="516" r:id="rId8"/>
-    <p:sldId id="517" r:id="rId9"/>
-    <p:sldId id="518" r:id="rId10"/>
-    <p:sldId id="519" r:id="rId11"/>
-    <p:sldId id="520" r:id="rId12"/>
-    <p:sldId id="521" r:id="rId13"/>
-    <p:sldId id="522" r:id="rId14"/>
-    <p:sldId id="523" r:id="rId15"/>
-    <p:sldId id="524" r:id="rId16"/>
-    <p:sldId id="525" r:id="rId17"/>
-    <p:sldId id="526" r:id="rId18"/>
-    <p:sldId id="527" r:id="rId19"/>
-    <p:sldId id="528" r:id="rId20"/>
-    <p:sldId id="529" r:id="rId21"/>
-    <p:sldId id="530" r:id="rId22"/>
-    <p:sldId id="531" r:id="rId23"/>
-    <p:sldId id="532" r:id="rId24"/>
-    <p:sldId id="533" r:id="rId25"/>
-    <p:sldId id="534" r:id="rId26"/>
-    <p:sldId id="535" r:id="rId27"/>
-    <p:sldId id="536" r:id="rId28"/>
+    <p:sldId id="537" r:id="rId4"/>
+    <p:sldId id="512" r:id="rId5"/>
+    <p:sldId id="513" r:id="rId6"/>
+    <p:sldId id="514" r:id="rId7"/>
+    <p:sldId id="515" r:id="rId8"/>
+    <p:sldId id="516" r:id="rId9"/>
+    <p:sldId id="517" r:id="rId10"/>
+    <p:sldId id="518" r:id="rId11"/>
+    <p:sldId id="519" r:id="rId12"/>
+    <p:sldId id="520" r:id="rId13"/>
+    <p:sldId id="521" r:id="rId14"/>
+    <p:sldId id="522" r:id="rId15"/>
+    <p:sldId id="523" r:id="rId16"/>
+    <p:sldId id="524" r:id="rId17"/>
+    <p:sldId id="525" r:id="rId18"/>
+    <p:sldId id="526" r:id="rId19"/>
+    <p:sldId id="527" r:id="rId20"/>
+    <p:sldId id="528" r:id="rId21"/>
+    <p:sldId id="529" r:id="rId22"/>
+    <p:sldId id="530" r:id="rId23"/>
+    <p:sldId id="531" r:id="rId24"/>
+    <p:sldId id="532" r:id="rId25"/>
+    <p:sldId id="533" r:id="rId26"/>
+    <p:sldId id="534" r:id="rId27"/>
+    <p:sldId id="535" r:id="rId28"/>
+    <p:sldId id="536" r:id="rId29"/>
   </p:sldIdLst>
   <p:sldSz cx="9144000" cy="6858000" type="screen4x3"/>
   <p:notesSz cx="7315200" cy="9601200"/>
@@ -241,7 +242,7 @@
           <a:p>
             <a:fld id="{F4148CA8-9278-4B40-937F-6E3C2BF581C1}" type="datetimeFigureOut">
               <a:rPr lang="en-US" smtClean="0"/>
-              <a:t>8/14/25</a:t>
+              <a:t>10/6/25</a:t>
             </a:fld>
             <a:endParaRPr lang="en-US"/>
           </a:p>
@@ -423,7 +424,7 @@
             <a:fld id="{34DB6FDB-1F14-42DA-810B-CC9ECC19F56C}" type="datetimeFigureOut">
               <a:rPr lang="en-US" smtClean="0"/>
               <a:pPr/>
-              <a:t>8/14/25</a:t>
+              <a:t>10/6/25</a:t>
             </a:fld>
             <a:endParaRPr lang="en-US" dirty="0"/>
           </a:p>
@@ -917,7 +918,7 @@
           <a:p>
             <a:fld id="{D0F8C723-035A-4CB3-9C59-1A88DFA1EAFE}" type="datetimeFigureOut">
               <a:rPr lang="en-US" smtClean="0"/>
-              <a:t>8/14/25</a:t>
+              <a:t>10/6/25</a:t>
             </a:fld>
             <a:endParaRPr lang="en-US"/>
           </a:p>
@@ -1211,7 +1212,7 @@
           <a:p>
             <a:fld id="{D0F8C723-035A-4CB3-9C59-1A88DFA1EAFE}" type="datetimeFigureOut">
               <a:rPr lang="en-US" smtClean="0"/>
-              <a:t>8/14/25</a:t>
+              <a:t>10/6/25</a:t>
             </a:fld>
             <a:endParaRPr lang="en-US"/>
           </a:p>
@@ -1415,7 +1416,7 @@
           <a:p>
             <a:fld id="{D0F8C723-035A-4CB3-9C59-1A88DFA1EAFE}" type="datetimeFigureOut">
               <a:rPr lang="en-US" smtClean="0"/>
-              <a:t>8/14/25</a:t>
+              <a:t>10/6/25</a:t>
             </a:fld>
             <a:endParaRPr lang="en-US"/>
           </a:p>
@@ -1942,7 +1943,7 @@
           <a:p>
             <a:fld id="{D0F8C723-035A-4CB3-9C59-1A88DFA1EAFE}" type="datetimeFigureOut">
               <a:rPr lang="en-US" smtClean="0"/>
-              <a:t>8/14/25</a:t>
+              <a:t>10/6/25</a:t>
             </a:fld>
             <a:endParaRPr lang="en-US"/>
           </a:p>
@@ -2197,7 +2198,7 @@
           <a:p>
             <a:fld id="{D0F8C723-035A-4CB3-9C59-1A88DFA1EAFE}" type="datetimeFigureOut">
               <a:rPr lang="en-US" smtClean="0"/>
-              <a:t>8/14/25</a:t>
+              <a:t>10/6/25</a:t>
             </a:fld>
             <a:endParaRPr lang="en-US"/>
           </a:p>
@@ -2588,7 +2589,7 @@
           <a:p>
             <a:fld id="{D0F8C723-035A-4CB3-9C59-1A88DFA1EAFE}" type="datetimeFigureOut">
               <a:rPr lang="en-US" smtClean="0"/>
-              <a:t>8/14/25</a:t>
+              <a:t>10/6/25</a:t>
             </a:fld>
             <a:endParaRPr lang="en-US"/>
           </a:p>
@@ -2730,7 +2731,7 @@
           <a:p>
             <a:fld id="{D0F8C723-035A-4CB3-9C59-1A88DFA1EAFE}" type="datetimeFigureOut">
               <a:rPr lang="en-US" smtClean="0"/>
-              <a:t>8/14/25</a:t>
+              <a:t>10/6/25</a:t>
             </a:fld>
             <a:endParaRPr lang="en-US"/>
           </a:p>
@@ -2849,7 +2850,7 @@
           <a:p>
             <a:fld id="{D0F8C723-035A-4CB3-9C59-1A88DFA1EAFE}" type="datetimeFigureOut">
               <a:rPr lang="en-US" smtClean="0"/>
-              <a:t>8/14/25</a:t>
+              <a:t>10/6/25</a:t>
             </a:fld>
             <a:endParaRPr lang="en-US"/>
           </a:p>
@@ -3150,7 +3151,7 @@
           <a:p>
             <a:fld id="{D0F8C723-035A-4CB3-9C59-1A88DFA1EAFE}" type="datetimeFigureOut">
               <a:rPr lang="en-US" smtClean="0"/>
-              <a:t>8/14/25</a:t>
+              <a:t>10/6/25</a:t>
             </a:fld>
             <a:endParaRPr lang="en-US"/>
           </a:p>
@@ -3431,7 +3432,7 @@
           <a:p>
             <a:fld id="{D0F8C723-035A-4CB3-9C59-1A88DFA1EAFE}" type="datetimeFigureOut">
               <a:rPr lang="en-US" smtClean="0"/>
-              <a:t>8/14/25</a:t>
+              <a:t>10/6/25</a:t>
             </a:fld>
             <a:endParaRPr lang="en-US"/>
           </a:p>
@@ -4402,7 +4403,7 @@
                 </a:solidFill>
                 <a:latin typeface="Comic Sans MS" panose="030F0902030302020204" pitchFamily="66" charset="0"/>
               </a:rPr>
-              <a:t>Access (LR, RL) Grandchild</a:t>
+              <a:t>Access (LL, RR) Grandchild</a:t>
             </a:r>
           </a:p>
         </p:txBody>
@@ -4450,12 +4451,42 @@
           </a:fontRef>
         </p:style>
       </p:cxnSp>
+      <p:pic>
+        <p:nvPicPr>
+          <p:cNvPr id="5" name="Picture 4">
+            <a:extLst>
+              <a:ext uri="{FF2B5EF4-FFF2-40B4-BE49-F238E27FC236}">
+                <a16:creationId xmlns:a16="http://schemas.microsoft.com/office/drawing/2014/main" id="{EDA1F883-8E58-4D31-9272-87DF065EAAD5}"/>
+              </a:ext>
+            </a:extLst>
+          </p:cNvPr>
+          <p:cNvPicPr>
+            <a:picLocks noChangeAspect="1"/>
+          </p:cNvPicPr>
+          <p:nvPr/>
+        </p:nvPicPr>
+        <p:blipFill>
+          <a:blip r:embed="rId2"/>
+          <a:stretch>
+            <a:fillRect/>
+          </a:stretch>
+        </p:blipFill>
+        <p:spPr>
+          <a:xfrm>
+            <a:off x="577214" y="1746175"/>
+            <a:ext cx="7989570" cy="4033249"/>
+          </a:xfrm>
+          <a:prstGeom prst="rect">
+            <a:avLst/>
+          </a:prstGeom>
+        </p:spPr>
+      </p:pic>
       <p:sp>
         <p:nvSpPr>
-          <p:cNvPr id="9" name="Rectangle 3">
+          <p:cNvPr id="2" name="Rectangle 3">
             <a:extLst>
               <a:ext uri="{FF2B5EF4-FFF2-40B4-BE49-F238E27FC236}">
-                <a16:creationId xmlns:a16="http://schemas.microsoft.com/office/drawing/2014/main" id="{C9BA43C0-27C4-4A58-9D1F-7EDEA597D291}"/>
+                <a16:creationId xmlns:a16="http://schemas.microsoft.com/office/drawing/2014/main" id="{362BA5A0-9FCA-8AA8-9C5A-45AC75DF588A}"/>
               </a:ext>
             </a:extLst>
           </p:cNvPr>
@@ -4706,40 +4737,10 @@
           </a:p>
         </p:txBody>
       </p:sp>
-      <p:pic>
-        <p:nvPicPr>
-          <p:cNvPr id="4" name="Picture 3">
-            <a:extLst>
-              <a:ext uri="{FF2B5EF4-FFF2-40B4-BE49-F238E27FC236}">
-                <a16:creationId xmlns:a16="http://schemas.microsoft.com/office/drawing/2014/main" id="{4E18A2B2-0596-4F86-B703-ADC19342CFD2}"/>
-              </a:ext>
-            </a:extLst>
-          </p:cNvPr>
-          <p:cNvPicPr>
-            <a:picLocks noChangeAspect="1"/>
-          </p:cNvPicPr>
-          <p:nvPr/>
-        </p:nvPicPr>
-        <p:blipFill>
-          <a:blip r:embed="rId2"/>
-          <a:stretch>
-            <a:fillRect/>
-          </a:stretch>
-        </p:blipFill>
-        <p:spPr>
-          <a:xfrm>
-            <a:off x="457200" y="1685346"/>
-            <a:ext cx="8229599" cy="3480601"/>
-          </a:xfrm>
-          <a:prstGeom prst="rect">
-            <a:avLst/>
-          </a:prstGeom>
-        </p:spPr>
-      </p:pic>
     </p:spTree>
     <p:extLst>
       <p:ext uri="{BB962C8B-B14F-4D97-AF65-F5344CB8AC3E}">
-        <p14:creationId xmlns:p14="http://schemas.microsoft.com/office/powerpoint/2010/main" val="3976331293"/>
+        <p14:creationId xmlns:p14="http://schemas.microsoft.com/office/powerpoint/2010/main" val="851797071"/>
       </p:ext>
     </p:extLst>
   </p:cSld>
@@ -4819,7 +4820,7 @@
                 </a:solidFill>
                 <a:latin typeface="Comic Sans MS" panose="030F0902030302020204" pitchFamily="66" charset="0"/>
               </a:rPr>
-              <a:t>Splay Operations: Find</a:t>
+              <a:t>Access (LR, RL) Grandchild</a:t>
             </a:r>
           </a:p>
         </p:txBody>
@@ -4869,10 +4870,10 @@
       </p:cxnSp>
       <p:sp>
         <p:nvSpPr>
-          <p:cNvPr id="7" name="Rectangle 3">
+          <p:cNvPr id="9" name="Rectangle 3">
             <a:extLst>
               <a:ext uri="{FF2B5EF4-FFF2-40B4-BE49-F238E27FC236}">
-                <a16:creationId xmlns:a16="http://schemas.microsoft.com/office/drawing/2014/main" id="{E129D549-AC45-49D3-A146-5BD7108E071F}"/>
+                <a16:creationId xmlns:a16="http://schemas.microsoft.com/office/drawing/2014/main" id="{C9BA43C0-27C4-4A58-9D1F-7EDEA597D291}"/>
               </a:ext>
             </a:extLst>
           </p:cNvPr>
@@ -4883,8 +4884,8 @@
         </p:nvSpPr>
         <p:spPr bwMode="auto">
           <a:xfrm>
-            <a:off x="228600" y="1069474"/>
-            <a:ext cx="8229600" cy="1354852"/>
+            <a:off x="228600" y="1045123"/>
+            <a:ext cx="8229600" cy="537587"/>
           </a:xfrm>
           <a:prstGeom prst="rect">
             <a:avLst/>
@@ -5089,7 +5090,10 @@
             </a:lvl9pPr>
           </a:lstStyle>
           <a:p>
-            <a:pPr marL="533400" marR="0" lvl="0" indent="-533400" algn="l" defTabSz="914400" rtl="0" eaLnBrk="1" fontAlgn="base" latinLnBrk="0" hangingPunct="1">
+            <a:pPr marL="0" marR="0" lvl="0" indent="0" algn="l" defTabSz="914400" rtl="0" eaLnBrk="1" fontAlgn="base" latinLnBrk="0" hangingPunct="1">
+              <a:lnSpc>
+                <a:spcPct val="120000"/>
+              </a:lnSpc>
               <a:spcBef>
                 <a:spcPct val="20000"/>
               </a:spcBef>
@@ -5098,8 +5102,7 @@
               </a:spcAft>
               <a:buClrTx/>
               <a:buSzTx/>
-              <a:buFontTx/>
-              <a:buChar char="•"/>
+              <a:buNone/>
               <a:tabLst/>
               <a:defRPr/>
             </a:pPr>
@@ -5116,61 +5119,45 @@
                 <a:uFillTx/>
                 <a:latin typeface="Comic Sans MS" panose="030F0902030302020204" pitchFamily="66" charset="0"/>
               </a:rPr>
-              <a:t>Find the node in normal BST manner</a:t>
-            </a:r>
-          </a:p>
-          <a:p>
-            <a:pPr marL="533400" marR="0" lvl="0" indent="-533400" algn="l" defTabSz="914400" rtl="0" eaLnBrk="1" fontAlgn="base" latinLnBrk="0" hangingPunct="1">
-              <a:spcBef>
-                <a:spcPct val="20000"/>
-              </a:spcBef>
-              <a:spcAft>
-                <a:spcPct val="0"/>
-              </a:spcAft>
-              <a:buClrTx/>
-              <a:buSzTx/>
-              <a:buFontTx/>
-              <a:buChar char="•"/>
-              <a:tabLst/>
-              <a:defRPr/>
-            </a:pPr>
-            <a:r>
-              <a:rPr kumimoji="0" lang="en-US" altLang="en-US" sz="2400" u="none" strike="noStrike" kern="1200" cap="none" spc="0" normalizeH="0" baseline="0" noProof="0" dirty="0">
-                <a:ln>
-                  <a:noFill/>
-                </a:ln>
-                <a:solidFill>
-                  <a:schemeClr val="tx1"/>
-                </a:solidFill>
-                <a:effectLst/>
-                <a:uLnTx/>
-                <a:uFillTx/>
-                <a:latin typeface="Comic Sans MS" panose="030F0902030302020204" pitchFamily="66" charset="0"/>
-              </a:rPr>
-              <a:t>Splay the node to the root </a:t>
-            </a:r>
-            <a:r>
-              <a:rPr kumimoji="0" lang="en-US" altLang="en-US" sz="2200" u="none" strike="noStrike" kern="1200" cap="none" spc="0" normalizeH="0" baseline="0" noProof="0" dirty="0">
-                <a:ln>
-                  <a:noFill/>
-                </a:ln>
-                <a:solidFill>
-                  <a:schemeClr val="tx1"/>
-                </a:solidFill>
-                <a:effectLst/>
-                <a:uLnTx/>
-                <a:uFillTx/>
-                <a:latin typeface="Comic Sans MS" panose="030F0902030302020204" pitchFamily="66" charset="0"/>
-              </a:rPr>
-              <a:t>Are not perfectly balanced all the time</a:t>
+              <a:t>Zig-Zag</a:t>
             </a:r>
           </a:p>
         </p:txBody>
       </p:sp>
+      <p:pic>
+        <p:nvPicPr>
+          <p:cNvPr id="4" name="Picture 3">
+            <a:extLst>
+              <a:ext uri="{FF2B5EF4-FFF2-40B4-BE49-F238E27FC236}">
+                <a16:creationId xmlns:a16="http://schemas.microsoft.com/office/drawing/2014/main" id="{4E18A2B2-0596-4F86-B703-ADC19342CFD2}"/>
+              </a:ext>
+            </a:extLst>
+          </p:cNvPr>
+          <p:cNvPicPr>
+            <a:picLocks noChangeAspect="1"/>
+          </p:cNvPicPr>
+          <p:nvPr/>
+        </p:nvPicPr>
+        <p:blipFill>
+          <a:blip r:embed="rId2"/>
+          <a:stretch>
+            <a:fillRect/>
+          </a:stretch>
+        </p:blipFill>
+        <p:spPr>
+          <a:xfrm>
+            <a:off x="457200" y="1685346"/>
+            <a:ext cx="8229599" cy="3480601"/>
+          </a:xfrm>
+          <a:prstGeom prst="rect">
+            <a:avLst/>
+          </a:prstGeom>
+        </p:spPr>
+      </p:pic>
     </p:spTree>
     <p:extLst>
       <p:ext uri="{BB962C8B-B14F-4D97-AF65-F5344CB8AC3E}">
-        <p14:creationId xmlns:p14="http://schemas.microsoft.com/office/powerpoint/2010/main" val="1815323848"/>
+        <p14:creationId xmlns:p14="http://schemas.microsoft.com/office/powerpoint/2010/main" val="3976331293"/>
       </p:ext>
     </p:extLst>
   </p:cSld>
@@ -5250,7 +5237,7 @@
                 </a:solidFill>
                 <a:latin typeface="Comic Sans MS" panose="030F0902030302020204" pitchFamily="66" charset="0"/>
               </a:rPr>
-              <a:t>Splaying Example</a:t>
+              <a:t>Splay Operations: Find</a:t>
             </a:r>
           </a:p>
         </p:txBody>
@@ -5314,8 +5301,8 @@
         </p:nvSpPr>
         <p:spPr bwMode="auto">
           <a:xfrm>
-            <a:off x="228600" y="1047171"/>
-            <a:ext cx="8229600" cy="510501"/>
+            <a:off x="228600" y="1069474"/>
+            <a:ext cx="8229600" cy="1354852"/>
           </a:xfrm>
           <a:prstGeom prst="rect">
             <a:avLst/>
@@ -5520,10 +5507,7 @@
             </a:lvl9pPr>
           </a:lstStyle>
           <a:p>
-            <a:pPr marL="0" marR="0" lvl="0" indent="0" algn="l" defTabSz="914400" rtl="0" eaLnBrk="1" fontAlgn="base" latinLnBrk="0" hangingPunct="1">
-              <a:lnSpc>
-                <a:spcPct val="120000"/>
-              </a:lnSpc>
+            <a:pPr marL="533400" marR="0" lvl="0" indent="-533400" algn="l" defTabSz="914400" rtl="0" eaLnBrk="1" fontAlgn="base" latinLnBrk="0" hangingPunct="1">
               <a:spcBef>
                 <a:spcPct val="20000"/>
               </a:spcBef>
@@ -5532,7 +5516,8 @@
               </a:spcAft>
               <a:buClrTx/>
               <a:buSzTx/>
-              <a:buNone/>
+              <a:buFontTx/>
+              <a:buChar char="•"/>
               <a:tabLst/>
               <a:defRPr/>
             </a:pPr>
@@ -5549,45 +5534,61 @@
                 <a:uFillTx/>
                 <a:latin typeface="Comic Sans MS" panose="030F0902030302020204" pitchFamily="66" charset="0"/>
               </a:rPr>
-              <a:t>Find(6)</a:t>
+              <a:t>Find the node in normal BST manner</a:t>
+            </a:r>
+          </a:p>
+          <a:p>
+            <a:pPr marL="533400" marR="0" lvl="0" indent="-533400" algn="l" defTabSz="914400" rtl="0" eaLnBrk="1" fontAlgn="base" latinLnBrk="0" hangingPunct="1">
+              <a:spcBef>
+                <a:spcPct val="20000"/>
+              </a:spcBef>
+              <a:spcAft>
+                <a:spcPct val="0"/>
+              </a:spcAft>
+              <a:buClrTx/>
+              <a:buSzTx/>
+              <a:buFontTx/>
+              <a:buChar char="•"/>
+              <a:tabLst/>
+              <a:defRPr/>
+            </a:pPr>
+            <a:r>
+              <a:rPr kumimoji="0" lang="en-US" altLang="en-US" sz="2400" u="none" strike="noStrike" kern="1200" cap="none" spc="0" normalizeH="0" baseline="0" noProof="0" dirty="0">
+                <a:ln>
+                  <a:noFill/>
+                </a:ln>
+                <a:solidFill>
+                  <a:schemeClr val="tx1"/>
+                </a:solidFill>
+                <a:effectLst/>
+                <a:uLnTx/>
+                <a:uFillTx/>
+                <a:latin typeface="Comic Sans MS" panose="030F0902030302020204" pitchFamily="66" charset="0"/>
+              </a:rPr>
+              <a:t>Splay the node to the root </a:t>
+            </a:r>
+            <a:r>
+              <a:rPr kumimoji="0" lang="en-US" altLang="en-US" sz="2200" u="none" strike="noStrike" kern="1200" cap="none" spc="0" normalizeH="0" baseline="0" noProof="0" dirty="0">
+                <a:ln>
+                  <a:noFill/>
+                </a:ln>
+                <a:solidFill>
+                  <a:schemeClr val="tx1"/>
+                </a:solidFill>
+                <a:effectLst/>
+                <a:uLnTx/>
+                <a:uFillTx/>
+                <a:latin typeface="Comic Sans MS" panose="030F0902030302020204" pitchFamily="66" charset="0"/>
+              </a:rPr>
+              <a:t>Are not perfectly balanced all the time</a:t>
             </a:r>
           </a:p>
         </p:txBody>
       </p:sp>
-      <p:pic>
-        <p:nvPicPr>
-          <p:cNvPr id="4" name="Picture 3">
-            <a:extLst>
-              <a:ext uri="{FF2B5EF4-FFF2-40B4-BE49-F238E27FC236}">
-                <a16:creationId xmlns:a16="http://schemas.microsoft.com/office/drawing/2014/main" id="{AE3BF3DA-B464-44D8-BAF5-4D8BE1CE5456}"/>
-              </a:ext>
-            </a:extLst>
-          </p:cNvPr>
-          <p:cNvPicPr>
-            <a:picLocks noChangeAspect="1"/>
-          </p:cNvPicPr>
-          <p:nvPr/>
-        </p:nvPicPr>
-        <p:blipFill>
-          <a:blip r:embed="rId2"/>
-          <a:stretch>
-            <a:fillRect/>
-          </a:stretch>
-        </p:blipFill>
-        <p:spPr>
-          <a:xfrm>
-            <a:off x="1539000" y="1690287"/>
-            <a:ext cx="6065997" cy="4225227"/>
-          </a:xfrm>
-          <a:prstGeom prst="rect">
-            <a:avLst/>
-          </a:prstGeom>
-        </p:spPr>
-      </p:pic>
     </p:spTree>
     <p:extLst>
       <p:ext uri="{BB962C8B-B14F-4D97-AF65-F5344CB8AC3E}">
-        <p14:creationId xmlns:p14="http://schemas.microsoft.com/office/powerpoint/2010/main" val="3986207057"/>
+        <p14:creationId xmlns:p14="http://schemas.microsoft.com/office/powerpoint/2010/main" val="1815323848"/>
       </p:ext>
     </p:extLst>
   </p:cSld>
@@ -5731,7 +5732,7 @@
         </p:nvSpPr>
         <p:spPr bwMode="auto">
           <a:xfrm>
-            <a:off x="228600" y="1047495"/>
+            <a:off x="228600" y="1047171"/>
             <a:ext cx="8229600" cy="510501"/>
           </a:xfrm>
           <a:prstGeom prst="rect">
@@ -5966,17 +5967,17 @@
                 <a:uFillTx/>
                 <a:latin typeface="Comic Sans MS" panose="030F0902030302020204" pitchFamily="66" charset="0"/>
               </a:rPr>
-              <a:t>… still splaying …</a:t>
+              <a:t>Find(6)</a:t>
             </a:r>
           </a:p>
         </p:txBody>
       </p:sp>
       <p:pic>
         <p:nvPicPr>
-          <p:cNvPr id="9" name="Picture 8">
+          <p:cNvPr id="4" name="Picture 3">
             <a:extLst>
               <a:ext uri="{FF2B5EF4-FFF2-40B4-BE49-F238E27FC236}">
-                <a16:creationId xmlns:a16="http://schemas.microsoft.com/office/drawing/2014/main" id="{D0C31FCF-346B-432A-B8F3-6059880F2D32}"/>
+                <a16:creationId xmlns:a16="http://schemas.microsoft.com/office/drawing/2014/main" id="{AE3BF3DA-B464-44D8-BAF5-4D8BE1CE5456}"/>
               </a:ext>
             </a:extLst>
           </p:cNvPr>
@@ -5993,8 +5994,8 @@
         </p:blipFill>
         <p:spPr>
           <a:xfrm>
-            <a:off x="1608104" y="1663004"/>
-            <a:ext cx="5470592" cy="4611786"/>
+            <a:off x="1539000" y="1690287"/>
+            <a:ext cx="6065997" cy="4225227"/>
           </a:xfrm>
           <a:prstGeom prst="rect">
             <a:avLst/>
@@ -6004,7 +6005,7 @@
     </p:spTree>
     <p:extLst>
       <p:ext uri="{BB962C8B-B14F-4D97-AF65-F5344CB8AC3E}">
-        <p14:creationId xmlns:p14="http://schemas.microsoft.com/office/powerpoint/2010/main" val="3209218738"/>
+        <p14:creationId xmlns:p14="http://schemas.microsoft.com/office/powerpoint/2010/main" val="3986207057"/>
       </p:ext>
     </p:extLst>
   </p:cSld>
@@ -6148,7 +6149,7 @@
         </p:nvSpPr>
         <p:spPr bwMode="auto">
           <a:xfrm>
-            <a:off x="228600" y="1047981"/>
+            <a:off x="228600" y="1047495"/>
             <a:ext cx="8229600" cy="510501"/>
           </a:xfrm>
           <a:prstGeom prst="rect">
@@ -6383,17 +6384,17 @@
                 <a:uFillTx/>
                 <a:latin typeface="Comic Sans MS" panose="030F0902030302020204" pitchFamily="66" charset="0"/>
               </a:rPr>
-              <a:t>… 6 splayed out!</a:t>
+              <a:t>… still splaying …</a:t>
             </a:r>
           </a:p>
         </p:txBody>
       </p:sp>
       <p:pic>
         <p:nvPicPr>
-          <p:cNvPr id="4" name="Picture 3">
+          <p:cNvPr id="9" name="Picture 8">
             <a:extLst>
               <a:ext uri="{FF2B5EF4-FFF2-40B4-BE49-F238E27FC236}">
-                <a16:creationId xmlns:a16="http://schemas.microsoft.com/office/drawing/2014/main" id="{1AA1777D-6282-48BB-B7F0-0FE0350E791F}"/>
+                <a16:creationId xmlns:a16="http://schemas.microsoft.com/office/drawing/2014/main" id="{D0C31FCF-346B-432A-B8F3-6059880F2D32}"/>
               </a:ext>
             </a:extLst>
           </p:cNvPr>
@@ -6410,8 +6411,8 @@
         </p:blipFill>
         <p:spPr>
           <a:xfrm>
-            <a:off x="1883091" y="1663976"/>
-            <a:ext cx="5377815" cy="3741446"/>
+            <a:off x="1608104" y="1663004"/>
+            <a:ext cx="5470592" cy="4611786"/>
           </a:xfrm>
           <a:prstGeom prst="rect">
             <a:avLst/>
@@ -6421,7 +6422,7 @@
     </p:spTree>
     <p:extLst>
       <p:ext uri="{BB962C8B-B14F-4D97-AF65-F5344CB8AC3E}">
-        <p14:creationId xmlns:p14="http://schemas.microsoft.com/office/powerpoint/2010/main" val="883975593"/>
+        <p14:creationId xmlns:p14="http://schemas.microsoft.com/office/powerpoint/2010/main" val="3209218738"/>
       </p:ext>
     </p:extLst>
   </p:cSld>
@@ -6565,8 +6566,8 @@
         </p:nvSpPr>
         <p:spPr bwMode="auto">
           <a:xfrm>
-            <a:off x="228600" y="1030008"/>
-            <a:ext cx="8229600" cy="1166782"/>
+            <a:off x="228600" y="1047981"/>
+            <a:ext cx="8229600" cy="510501"/>
           </a:xfrm>
           <a:prstGeom prst="rect">
             <a:avLst/>
@@ -6800,50 +6801,17 @@
                 <a:uFillTx/>
                 <a:latin typeface="Comic Sans MS" panose="030F0902030302020204" pitchFamily="66" charset="0"/>
               </a:rPr>
-              <a:t>Find (4)</a:t>
-            </a:r>
-          </a:p>
-          <a:p>
-            <a:pPr marL="0" marR="0" lvl="0" indent="0" algn="l" defTabSz="914400" rtl="0" eaLnBrk="1" fontAlgn="base" latinLnBrk="0" hangingPunct="1">
-              <a:lnSpc>
-                <a:spcPct val="120000"/>
-              </a:lnSpc>
-              <a:spcBef>
-                <a:spcPct val="20000"/>
-              </a:spcBef>
-              <a:spcAft>
-                <a:spcPct val="0"/>
-              </a:spcAft>
-              <a:buClrTx/>
-              <a:buSzTx/>
-              <a:buNone/>
-              <a:tabLst/>
-              <a:defRPr/>
-            </a:pPr>
-            <a:r>
-              <a:rPr kumimoji="0" lang="en-US" altLang="en-US" sz="2400" u="none" strike="noStrike" kern="1200" cap="none" spc="0" normalizeH="0" baseline="0" noProof="0" dirty="0">
-                <a:ln>
-                  <a:noFill/>
-                </a:ln>
-                <a:solidFill>
-                  <a:schemeClr val="tx1"/>
-                </a:solidFill>
-                <a:effectLst/>
-                <a:uLnTx/>
-                <a:uFillTx/>
-                <a:latin typeface="Comic Sans MS" panose="030F0902030302020204" pitchFamily="66" charset="0"/>
-              </a:rPr>
-              <a:t>Splay it Again!</a:t>
+              <a:t>… 6 splayed out!</a:t>
             </a:r>
           </a:p>
         </p:txBody>
       </p:sp>
       <p:pic>
         <p:nvPicPr>
-          <p:cNvPr id="9" name="Picture 8">
+          <p:cNvPr id="4" name="Picture 3">
             <a:extLst>
               <a:ext uri="{FF2B5EF4-FFF2-40B4-BE49-F238E27FC236}">
-                <a16:creationId xmlns:a16="http://schemas.microsoft.com/office/drawing/2014/main" id="{9BD66423-2365-4FF1-900E-EF9F31A253EA}"/>
+                <a16:creationId xmlns:a16="http://schemas.microsoft.com/office/drawing/2014/main" id="{1AA1777D-6282-48BB-B7F0-0FE0350E791F}"/>
               </a:ext>
             </a:extLst>
           </p:cNvPr>
@@ -6860,8 +6828,8 @@
         </p:blipFill>
         <p:spPr>
           <a:xfrm>
-            <a:off x="1715451" y="2123076"/>
-            <a:ext cx="5713095" cy="4066160"/>
+            <a:off x="1883091" y="1663976"/>
+            <a:ext cx="5377815" cy="3741446"/>
           </a:xfrm>
           <a:prstGeom prst="rect">
             <a:avLst/>
@@ -6871,7 +6839,7 @@
     </p:spTree>
     <p:extLst>
       <p:ext uri="{BB962C8B-B14F-4D97-AF65-F5344CB8AC3E}">
-        <p14:creationId xmlns:p14="http://schemas.microsoft.com/office/powerpoint/2010/main" val="117177690"/>
+        <p14:creationId xmlns:p14="http://schemas.microsoft.com/office/powerpoint/2010/main" val="883975593"/>
       </p:ext>
     </p:extLst>
   </p:cSld>
@@ -7015,8 +6983,8 @@
         </p:nvSpPr>
         <p:spPr bwMode="auto">
           <a:xfrm>
-            <a:off x="239751" y="1024869"/>
-            <a:ext cx="8229600" cy="510501"/>
+            <a:off x="228600" y="1030008"/>
+            <a:ext cx="8229600" cy="1166782"/>
           </a:xfrm>
           <a:prstGeom prst="rect">
             <a:avLst/>
@@ -7250,17 +7218,50 @@
                 <a:uFillTx/>
                 <a:latin typeface="Comic Sans MS" panose="030F0902030302020204" pitchFamily="66" charset="0"/>
               </a:rPr>
-              <a:t>… 4 splayed out!</a:t>
+              <a:t>Find (4)</a:t>
+            </a:r>
+          </a:p>
+          <a:p>
+            <a:pPr marL="0" marR="0" lvl="0" indent="0" algn="l" defTabSz="914400" rtl="0" eaLnBrk="1" fontAlgn="base" latinLnBrk="0" hangingPunct="1">
+              <a:lnSpc>
+                <a:spcPct val="120000"/>
+              </a:lnSpc>
+              <a:spcBef>
+                <a:spcPct val="20000"/>
+              </a:spcBef>
+              <a:spcAft>
+                <a:spcPct val="0"/>
+              </a:spcAft>
+              <a:buClrTx/>
+              <a:buSzTx/>
+              <a:buNone/>
+              <a:tabLst/>
+              <a:defRPr/>
+            </a:pPr>
+            <a:r>
+              <a:rPr kumimoji="0" lang="en-US" altLang="en-US" sz="2400" u="none" strike="noStrike" kern="1200" cap="none" spc="0" normalizeH="0" baseline="0" noProof="0" dirty="0">
+                <a:ln>
+                  <a:noFill/>
+                </a:ln>
+                <a:solidFill>
+                  <a:schemeClr val="tx1"/>
+                </a:solidFill>
+                <a:effectLst/>
+                <a:uLnTx/>
+                <a:uFillTx/>
+                <a:latin typeface="Comic Sans MS" panose="030F0902030302020204" pitchFamily="66" charset="0"/>
+              </a:rPr>
+              <a:t>Splay it Again!</a:t>
             </a:r>
           </a:p>
         </p:txBody>
       </p:sp>
       <p:pic>
         <p:nvPicPr>
-          <p:cNvPr id="4" name="Picture 3">
+          <p:cNvPr id="9" name="Picture 8">
             <a:extLst>
               <a:ext uri="{FF2B5EF4-FFF2-40B4-BE49-F238E27FC236}">
-                <a16:creationId xmlns:a16="http://schemas.microsoft.com/office/drawing/2014/main" id="{7803D116-D6E6-44D0-A987-55F8B9B7C3F7}"/>
+                <a16:creationId xmlns:a16="http://schemas.microsoft.com/office/drawing/2014/main" id="{9BD66423-2365-4FF1-900E-EF9F31A253EA}"/>
               </a:ext>
             </a:extLst>
           </p:cNvPr>
@@ -7277,8 +7278,8 @@
         </p:blipFill>
         <p:spPr>
           <a:xfrm>
-            <a:off x="1722118" y="1662356"/>
-            <a:ext cx="5699761" cy="4043268"/>
+            <a:off x="1715451" y="2123076"/>
+            <a:ext cx="5713095" cy="4066160"/>
           </a:xfrm>
           <a:prstGeom prst="rect">
             <a:avLst/>
@@ -7288,7 +7289,7 @@
     </p:spTree>
     <p:extLst>
       <p:ext uri="{BB962C8B-B14F-4D97-AF65-F5344CB8AC3E}">
-        <p14:creationId xmlns:p14="http://schemas.microsoft.com/office/powerpoint/2010/main" val="2830569310"/>
+        <p14:creationId xmlns:p14="http://schemas.microsoft.com/office/powerpoint/2010/main" val="117177690"/>
       </p:ext>
     </p:extLst>
   </p:cSld>
@@ -7368,6 +7369,423 @@
                 </a:solidFill>
                 <a:latin typeface="Comic Sans MS" panose="030F0902030302020204" pitchFamily="66" charset="0"/>
               </a:rPr>
+              <a:t>Splaying Example</a:t>
+            </a:r>
+          </a:p>
+        </p:txBody>
+      </p:sp>
+      <p:cxnSp>
+        <p:nvCxnSpPr>
+          <p:cNvPr id="8" name="Straight Connector 7">
+            <a:extLst>
+              <a:ext uri="{FF2B5EF4-FFF2-40B4-BE49-F238E27FC236}">
+                <a16:creationId xmlns:a16="http://schemas.microsoft.com/office/drawing/2014/main" id="{CE2FFFAB-39EF-4ACC-9EF6-A3A1475FC4D4}"/>
+              </a:ext>
+            </a:extLst>
+          </p:cNvPr>
+          <p:cNvCxnSpPr>
+            <a:cxnSpLocks/>
+          </p:cNvCxnSpPr>
+          <p:nvPr/>
+        </p:nvCxnSpPr>
+        <p:spPr>
+          <a:xfrm>
+            <a:off x="228600" y="942486"/>
+            <a:ext cx="8686800" cy="0"/>
+          </a:xfrm>
+          <a:prstGeom prst="line">
+            <a:avLst/>
+          </a:prstGeom>
+          <a:ln w="38100">
+            <a:solidFill>
+              <a:srgbClr val="007B3B"/>
+            </a:solidFill>
+          </a:ln>
+        </p:spPr>
+        <p:style>
+          <a:lnRef idx="1">
+            <a:schemeClr val="accent1"/>
+          </a:lnRef>
+          <a:fillRef idx="0">
+            <a:schemeClr val="accent1"/>
+          </a:fillRef>
+          <a:effectRef idx="0">
+            <a:schemeClr val="accent1"/>
+          </a:effectRef>
+          <a:fontRef idx="minor">
+            <a:schemeClr val="tx1"/>
+          </a:fontRef>
+        </p:style>
+      </p:cxnSp>
+      <p:sp>
+        <p:nvSpPr>
+          <p:cNvPr id="7" name="Rectangle 3">
+            <a:extLst>
+              <a:ext uri="{FF2B5EF4-FFF2-40B4-BE49-F238E27FC236}">
+                <a16:creationId xmlns:a16="http://schemas.microsoft.com/office/drawing/2014/main" id="{E129D549-AC45-49D3-A146-5BD7108E071F}"/>
+              </a:ext>
+            </a:extLst>
+          </p:cNvPr>
+          <p:cNvSpPr txBox="1">
+            <a:spLocks noChangeArrowheads="1"/>
+          </p:cNvSpPr>
+          <p:nvPr/>
+        </p:nvSpPr>
+        <p:spPr bwMode="auto">
+          <a:xfrm>
+            <a:off x="239751" y="1024869"/>
+            <a:ext cx="8229600" cy="510501"/>
+          </a:xfrm>
+          <a:prstGeom prst="rect">
+            <a:avLst/>
+          </a:prstGeom>
+          <a:noFill/>
+          <a:ln>
+            <a:noFill/>
+          </a:ln>
+          <a:effectLst/>
+          <a:extLst>
+            <a:ext uri="{909E8E84-426E-40DD-AFC4-6F175D3DCCD1}">
+              <a14:hiddenFill xmlns:a14="http://schemas.microsoft.com/office/drawing/2010/main">
+                <a:solidFill>
+                  <a:schemeClr val="accent1"/>
+                </a:solidFill>
+              </a14:hiddenFill>
+            </a:ext>
+            <a:ext uri="{91240B29-F687-4F45-9708-019B960494DF}">
+              <a14:hiddenLine xmlns:a14="http://schemas.microsoft.com/office/drawing/2010/main" w="9525">
+                <a:solidFill>
+                  <a:schemeClr val="tx1"/>
+                </a:solidFill>
+                <a:miter lim="800000"/>
+                <a:headEnd/>
+                <a:tailEnd/>
+              </a14:hiddenLine>
+            </a:ext>
+            <a:ext uri="{AF507438-7753-43E0-B8FC-AC1667EBCBE1}">
+              <a14:hiddenEffects xmlns:a14="http://schemas.microsoft.com/office/drawing/2010/main">
+                <a:effectLst>
+                  <a:outerShdw dist="35921" dir="2700000" algn="ctr" rotWithShape="0">
+                    <a:schemeClr val="bg2"/>
+                  </a:outerShdw>
+                </a:effectLst>
+              </a14:hiddenEffects>
+            </a:ext>
+          </a:extLst>
+        </p:spPr>
+        <p:txBody>
+          <a:bodyPr vert="horz" wrap="square" lIns="91440" tIns="45720" rIns="91440" bIns="45720" numCol="1" anchor="t" anchorCtr="0" compatLnSpc="1">
+            <a:prstTxWarp prst="textNoShape">
+              <a:avLst/>
+            </a:prstTxWarp>
+          </a:bodyPr>
+          <a:lstStyle>
+            <a:lvl1pPr marL="342900" indent="-342900" algn="l" rtl="0" fontAlgn="base">
+              <a:spcBef>
+                <a:spcPct val="20000"/>
+              </a:spcBef>
+              <a:spcAft>
+                <a:spcPct val="0"/>
+              </a:spcAft>
+              <a:buChar char="•"/>
+              <a:defRPr sz="2800" kern="1200">
+                <a:solidFill>
+                  <a:schemeClr val="accent2"/>
+                </a:solidFill>
+                <a:latin typeface="+mn-lt"/>
+                <a:ea typeface="+mn-ea"/>
+                <a:cs typeface="+mn-cs"/>
+              </a:defRPr>
+            </a:lvl1pPr>
+            <a:lvl2pPr marL="742950" indent="-285750" algn="l" rtl="0" fontAlgn="base">
+              <a:spcBef>
+                <a:spcPct val="20000"/>
+              </a:spcBef>
+              <a:spcAft>
+                <a:spcPct val="0"/>
+              </a:spcAft>
+              <a:buChar char="–"/>
+              <a:defRPr sz="2400" kern="1200">
+                <a:solidFill>
+                  <a:schemeClr val="tx1"/>
+                </a:solidFill>
+                <a:latin typeface="+mn-lt"/>
+                <a:ea typeface="+mn-ea"/>
+                <a:cs typeface="+mn-cs"/>
+              </a:defRPr>
+            </a:lvl2pPr>
+            <a:lvl3pPr marL="1143000" indent="-228600" algn="l" rtl="0" fontAlgn="base">
+              <a:spcBef>
+                <a:spcPct val="20000"/>
+              </a:spcBef>
+              <a:spcAft>
+                <a:spcPct val="0"/>
+              </a:spcAft>
+              <a:buChar char="•"/>
+              <a:defRPr sz="2000" kern="1200">
+                <a:solidFill>
+                  <a:schemeClr val="accent2"/>
+                </a:solidFill>
+                <a:latin typeface="+mn-lt"/>
+                <a:ea typeface="+mn-ea"/>
+                <a:cs typeface="+mn-cs"/>
+              </a:defRPr>
+            </a:lvl3pPr>
+            <a:lvl4pPr marL="1600200" indent="-228600" algn="l" rtl="0" fontAlgn="base">
+              <a:spcBef>
+                <a:spcPct val="20000"/>
+              </a:spcBef>
+              <a:spcAft>
+                <a:spcPct val="0"/>
+              </a:spcAft>
+              <a:buChar char="–"/>
+              <a:defRPr kern="1200">
+                <a:solidFill>
+                  <a:schemeClr val="tx1"/>
+                </a:solidFill>
+                <a:latin typeface="+mn-lt"/>
+                <a:ea typeface="+mn-ea"/>
+                <a:cs typeface="+mn-cs"/>
+              </a:defRPr>
+            </a:lvl4pPr>
+            <a:lvl5pPr marL="2057400" indent="-228600" algn="l" rtl="0" fontAlgn="base">
+              <a:spcBef>
+                <a:spcPct val="20000"/>
+              </a:spcBef>
+              <a:spcAft>
+                <a:spcPct val="0"/>
+              </a:spcAft>
+              <a:buChar char="»"/>
+              <a:defRPr sz="1600" kern="1200">
+                <a:solidFill>
+                  <a:schemeClr val="tx1"/>
+                </a:solidFill>
+                <a:latin typeface="+mn-lt"/>
+                <a:ea typeface="+mn-ea"/>
+                <a:cs typeface="+mn-cs"/>
+              </a:defRPr>
+            </a:lvl5pPr>
+            <a:lvl6pPr marL="2514600" indent="-228600" algn="l" defTabSz="914400" rtl="0" eaLnBrk="1" latinLnBrk="0" hangingPunct="1">
+              <a:lnSpc>
+                <a:spcPct val="90000"/>
+              </a:lnSpc>
+              <a:spcBef>
+                <a:spcPts val="500"/>
+              </a:spcBef>
+              <a:buFont typeface="Arial" panose="020B0604020202020204" pitchFamily="34" charset="0"/>
+              <a:buChar char="•"/>
+              <a:defRPr sz="1800" kern="1200">
+                <a:solidFill>
+                  <a:schemeClr val="tx1"/>
+                </a:solidFill>
+                <a:latin typeface="+mn-lt"/>
+                <a:ea typeface="+mn-ea"/>
+                <a:cs typeface="+mn-cs"/>
+              </a:defRPr>
+            </a:lvl6pPr>
+            <a:lvl7pPr marL="2971800" indent="-228600" algn="l" defTabSz="914400" rtl="0" eaLnBrk="1" latinLnBrk="0" hangingPunct="1">
+              <a:lnSpc>
+                <a:spcPct val="90000"/>
+              </a:lnSpc>
+              <a:spcBef>
+                <a:spcPts val="500"/>
+              </a:spcBef>
+              <a:buFont typeface="Arial" panose="020B0604020202020204" pitchFamily="34" charset="0"/>
+              <a:buChar char="•"/>
+              <a:defRPr sz="1800" kern="1200">
+                <a:solidFill>
+                  <a:schemeClr val="tx1"/>
+                </a:solidFill>
+                <a:latin typeface="+mn-lt"/>
+                <a:ea typeface="+mn-ea"/>
+                <a:cs typeface="+mn-cs"/>
+              </a:defRPr>
+            </a:lvl7pPr>
+            <a:lvl8pPr marL="3429000" indent="-228600" algn="l" defTabSz="914400" rtl="0" eaLnBrk="1" latinLnBrk="0" hangingPunct="1">
+              <a:lnSpc>
+                <a:spcPct val="90000"/>
+              </a:lnSpc>
+              <a:spcBef>
+                <a:spcPts val="500"/>
+              </a:spcBef>
+              <a:buFont typeface="Arial" panose="020B0604020202020204" pitchFamily="34" charset="0"/>
+              <a:buChar char="•"/>
+              <a:defRPr sz="1800" kern="1200">
+                <a:solidFill>
+                  <a:schemeClr val="tx1"/>
+                </a:solidFill>
+                <a:latin typeface="+mn-lt"/>
+                <a:ea typeface="+mn-ea"/>
+                <a:cs typeface="+mn-cs"/>
+              </a:defRPr>
+            </a:lvl8pPr>
+            <a:lvl9pPr marL="3886200" indent="-228600" algn="l" defTabSz="914400" rtl="0" eaLnBrk="1" latinLnBrk="0" hangingPunct="1">
+              <a:lnSpc>
+                <a:spcPct val="90000"/>
+              </a:lnSpc>
+              <a:spcBef>
+                <a:spcPts val="500"/>
+              </a:spcBef>
+              <a:buFont typeface="Arial" panose="020B0604020202020204" pitchFamily="34" charset="0"/>
+              <a:buChar char="•"/>
+              <a:defRPr sz="1800" kern="1200">
+                <a:solidFill>
+                  <a:schemeClr val="tx1"/>
+                </a:solidFill>
+                <a:latin typeface="+mn-lt"/>
+                <a:ea typeface="+mn-ea"/>
+                <a:cs typeface="+mn-cs"/>
+              </a:defRPr>
+            </a:lvl9pPr>
+          </a:lstStyle>
+          <a:p>
+            <a:pPr marL="0" marR="0" lvl="0" indent="0" algn="l" defTabSz="914400" rtl="0" eaLnBrk="1" fontAlgn="base" latinLnBrk="0" hangingPunct="1">
+              <a:lnSpc>
+                <a:spcPct val="120000"/>
+              </a:lnSpc>
+              <a:spcBef>
+                <a:spcPct val="20000"/>
+              </a:spcBef>
+              <a:spcAft>
+                <a:spcPct val="0"/>
+              </a:spcAft>
+              <a:buClrTx/>
+              <a:buSzTx/>
+              <a:buNone/>
+              <a:tabLst/>
+              <a:defRPr/>
+            </a:pPr>
+            <a:r>
+              <a:rPr kumimoji="0" lang="en-US" altLang="en-US" sz="2400" u="none" strike="noStrike" kern="1200" cap="none" spc="0" normalizeH="0" baseline="0" noProof="0" dirty="0">
+                <a:ln>
+                  <a:noFill/>
+                </a:ln>
+                <a:solidFill>
+                  <a:schemeClr val="tx1"/>
+                </a:solidFill>
+                <a:effectLst/>
+                <a:uLnTx/>
+                <a:uFillTx/>
+                <a:latin typeface="Comic Sans MS" panose="030F0902030302020204" pitchFamily="66" charset="0"/>
+              </a:rPr>
+              <a:t>… 4 splayed out!</a:t>
+            </a:r>
+          </a:p>
+        </p:txBody>
+      </p:sp>
+      <p:pic>
+        <p:nvPicPr>
+          <p:cNvPr id="4" name="Picture 3">
+            <a:extLst>
+              <a:ext uri="{FF2B5EF4-FFF2-40B4-BE49-F238E27FC236}">
+                <a16:creationId xmlns:a16="http://schemas.microsoft.com/office/drawing/2014/main" id="{7803D116-D6E6-44D0-A987-55F8B9B7C3F7}"/>
+              </a:ext>
+            </a:extLst>
+          </p:cNvPr>
+          <p:cNvPicPr>
+            <a:picLocks noChangeAspect="1"/>
+          </p:cNvPicPr>
+          <p:nvPr/>
+        </p:nvPicPr>
+        <p:blipFill>
+          <a:blip r:embed="rId2"/>
+          <a:stretch>
+            <a:fillRect/>
+          </a:stretch>
+        </p:blipFill>
+        <p:spPr>
+          <a:xfrm>
+            <a:off x="1722118" y="1662356"/>
+            <a:ext cx="5699761" cy="4043268"/>
+          </a:xfrm>
+          <a:prstGeom prst="rect">
+            <a:avLst/>
+          </a:prstGeom>
+        </p:spPr>
+      </p:pic>
+    </p:spTree>
+    <p:extLst>
+      <p:ext uri="{BB962C8B-B14F-4D97-AF65-F5344CB8AC3E}">
+        <p14:creationId xmlns:p14="http://schemas.microsoft.com/office/powerpoint/2010/main" val="2830569310"/>
+      </p:ext>
+    </p:extLst>
+  </p:cSld>
+  <p:clrMapOvr>
+    <a:masterClrMapping/>
+  </p:clrMapOvr>
+</p:sld>
+</file>
+
+<file path=ppt/slides/slide18.xml><?xml version="1.0" encoding="utf-8"?>
+<p:sld xmlns:a="http://schemas.openxmlformats.org/drawingml/2006/main" xmlns:r="http://schemas.openxmlformats.org/officeDocument/2006/relationships" xmlns:p="http://schemas.openxmlformats.org/presentationml/2006/main" show="0">
+  <p:cSld>
+    <p:spTree>
+      <p:nvGrpSpPr>
+        <p:cNvPr id="1" name=""/>
+        <p:cNvGrpSpPr/>
+        <p:nvPr/>
+      </p:nvGrpSpPr>
+      <p:grpSpPr>
+        <a:xfrm>
+          <a:off x="0" y="0"/>
+          <a:ext cx="0" cy="0"/>
+          <a:chOff x="0" y="0"/>
+          <a:chExt cx="0" cy="0"/>
+        </a:xfrm>
+      </p:grpSpPr>
+      <p:sp>
+        <p:nvSpPr>
+          <p:cNvPr id="6" name="Rectangle 5">
+            <a:extLst>
+              <a:ext uri="{FF2B5EF4-FFF2-40B4-BE49-F238E27FC236}">
+                <a16:creationId xmlns:a16="http://schemas.microsoft.com/office/drawing/2014/main" id="{4CE12115-B5CE-453C-967D-DFFC315D5FB5}"/>
+              </a:ext>
+            </a:extLst>
+          </p:cNvPr>
+          <p:cNvSpPr/>
+          <p:nvPr/>
+        </p:nvSpPr>
+        <p:spPr>
+          <a:xfrm>
+            <a:off x="228600" y="171943"/>
+            <a:ext cx="8686799" cy="765894"/>
+          </a:xfrm>
+          <a:prstGeom prst="rect">
+            <a:avLst/>
+          </a:prstGeom>
+          <a:noFill/>
+          <a:ln>
+            <a:noFill/>
+          </a:ln>
+        </p:spPr>
+        <p:style>
+          <a:lnRef idx="2">
+            <a:schemeClr val="accent1">
+              <a:shade val="50000"/>
+            </a:schemeClr>
+          </a:lnRef>
+          <a:fillRef idx="1">
+            <a:schemeClr val="accent1"/>
+          </a:fillRef>
+          <a:effectRef idx="0">
+            <a:schemeClr val="accent1"/>
+          </a:effectRef>
+          <a:fontRef idx="minor">
+            <a:schemeClr val="lt1"/>
+          </a:fontRef>
+        </p:style>
+        <p:txBody>
+          <a:bodyPr rtlCol="0" anchor="ctr"/>
+          <a:lstStyle/>
+          <a:p>
+            <a:pPr algn="ctr"/>
+            <a:r>
+              <a:rPr lang="en-US" sz="3600" dirty="0">
+                <a:solidFill>
+                  <a:srgbClr val="007B3B"/>
+                </a:solidFill>
+                <a:latin typeface="Comic Sans MS" panose="030F0902030302020204" pitchFamily="66" charset="0"/>
+              </a:rPr>
               <a:t>Analyzing Calls to a Data Structure</a:t>
             </a:r>
           </a:p>
@@ -7784,8 +8202,8 @@
 </p:sld>
 </file>
 
-<file path=ppt/slides/slide18.xml><?xml version="1.0" encoding="utf-8"?>
-<p:sld xmlns:a="http://schemas.openxmlformats.org/drawingml/2006/main" xmlns:r="http://schemas.openxmlformats.org/officeDocument/2006/relationships" xmlns:p="http://schemas.openxmlformats.org/presentationml/2006/main">
+<file path=ppt/slides/slide19.xml><?xml version="1.0" encoding="utf-8"?>
+<p:sld xmlns:a="http://schemas.openxmlformats.org/drawingml/2006/main" xmlns:r="http://schemas.openxmlformats.org/officeDocument/2006/relationships" xmlns:p="http://schemas.openxmlformats.org/presentationml/2006/main" show="0">
   <p:cSld>
     <p:spTree>
       <p:nvGrpSpPr>
@@ -8294,165 +8712,6 @@
     <p:extLst>
       <p:ext uri="{BB962C8B-B14F-4D97-AF65-F5344CB8AC3E}">
         <p14:creationId xmlns:p14="http://schemas.microsoft.com/office/powerpoint/2010/main" val="3661126981"/>
-      </p:ext>
-    </p:extLst>
-  </p:cSld>
-  <p:clrMapOvr>
-    <a:masterClrMapping/>
-  </p:clrMapOvr>
-</p:sld>
-</file>
-
-<file path=ppt/slides/slide19.xml><?xml version="1.0" encoding="utf-8"?>
-<p:sld xmlns:a="http://schemas.openxmlformats.org/drawingml/2006/main" xmlns:r="http://schemas.openxmlformats.org/officeDocument/2006/relationships" xmlns:p="http://schemas.openxmlformats.org/presentationml/2006/main">
-  <p:cSld>
-    <p:spTree>
-      <p:nvGrpSpPr>
-        <p:cNvPr id="1" name=""/>
-        <p:cNvGrpSpPr/>
-        <p:nvPr/>
-      </p:nvGrpSpPr>
-      <p:grpSpPr>
-        <a:xfrm>
-          <a:off x="0" y="0"/>
-          <a:ext cx="0" cy="0"/>
-          <a:chOff x="0" y="0"/>
-          <a:chExt cx="0" cy="0"/>
-        </a:xfrm>
-      </p:grpSpPr>
-      <p:sp>
-        <p:nvSpPr>
-          <p:cNvPr id="6" name="Rectangle 5">
-            <a:extLst>
-              <a:ext uri="{FF2B5EF4-FFF2-40B4-BE49-F238E27FC236}">
-                <a16:creationId xmlns:a16="http://schemas.microsoft.com/office/drawing/2014/main" id="{4CE12115-B5CE-453C-967D-DFFC315D5FB5}"/>
-              </a:ext>
-            </a:extLst>
-          </p:cNvPr>
-          <p:cNvSpPr/>
-          <p:nvPr/>
-        </p:nvSpPr>
-        <p:spPr>
-          <a:xfrm>
-            <a:off x="228600" y="171943"/>
-            <a:ext cx="8686799" cy="765894"/>
-          </a:xfrm>
-          <a:prstGeom prst="rect">
-            <a:avLst/>
-          </a:prstGeom>
-          <a:noFill/>
-          <a:ln>
-            <a:noFill/>
-          </a:ln>
-        </p:spPr>
-        <p:style>
-          <a:lnRef idx="2">
-            <a:schemeClr val="accent1">
-              <a:shade val="50000"/>
-            </a:schemeClr>
-          </a:lnRef>
-          <a:fillRef idx="1">
-            <a:schemeClr val="accent1"/>
-          </a:fillRef>
-          <a:effectRef idx="0">
-            <a:schemeClr val="accent1"/>
-          </a:effectRef>
-          <a:fontRef idx="minor">
-            <a:schemeClr val="lt1"/>
-          </a:fontRef>
-        </p:style>
-        <p:txBody>
-          <a:bodyPr rtlCol="0" anchor="ctr"/>
-          <a:lstStyle/>
-          <a:p>
-            <a:pPr algn="ctr"/>
-            <a:r>
-              <a:rPr lang="en-US" sz="3600" dirty="0">
-                <a:solidFill>
-                  <a:srgbClr val="007B3B"/>
-                </a:solidFill>
-                <a:latin typeface="Comic Sans MS" panose="030F0902030302020204" pitchFamily="66" charset="0"/>
-              </a:rPr>
-              <a:t>Dynamic Array Insertion</a:t>
-            </a:r>
-          </a:p>
-        </p:txBody>
-      </p:sp>
-      <p:cxnSp>
-        <p:nvCxnSpPr>
-          <p:cNvPr id="8" name="Straight Connector 7">
-            <a:extLst>
-              <a:ext uri="{FF2B5EF4-FFF2-40B4-BE49-F238E27FC236}">
-                <a16:creationId xmlns:a16="http://schemas.microsoft.com/office/drawing/2014/main" id="{CE2FFFAB-39EF-4ACC-9EF6-A3A1475FC4D4}"/>
-              </a:ext>
-            </a:extLst>
-          </p:cNvPr>
-          <p:cNvCxnSpPr>
-            <a:cxnSpLocks/>
-          </p:cNvCxnSpPr>
-          <p:nvPr/>
-        </p:nvCxnSpPr>
-        <p:spPr>
-          <a:xfrm>
-            <a:off x="228600" y="942486"/>
-            <a:ext cx="8686800" cy="0"/>
-          </a:xfrm>
-          <a:prstGeom prst="line">
-            <a:avLst/>
-          </a:prstGeom>
-          <a:ln w="38100">
-            <a:solidFill>
-              <a:srgbClr val="007B3B"/>
-            </a:solidFill>
-          </a:ln>
-        </p:spPr>
-        <p:style>
-          <a:lnRef idx="1">
-            <a:schemeClr val="accent1"/>
-          </a:lnRef>
-          <a:fillRef idx="0">
-            <a:schemeClr val="accent1"/>
-          </a:fillRef>
-          <a:effectRef idx="0">
-            <a:schemeClr val="accent1"/>
-          </a:effectRef>
-          <a:fontRef idx="minor">
-            <a:schemeClr val="tx1"/>
-          </a:fontRef>
-        </p:style>
-      </p:cxnSp>
-      <p:pic>
-        <p:nvPicPr>
-          <p:cNvPr id="7" name="object 4">
-            <a:extLst>
-              <a:ext uri="{FF2B5EF4-FFF2-40B4-BE49-F238E27FC236}">
-                <a16:creationId xmlns:a16="http://schemas.microsoft.com/office/drawing/2014/main" id="{CB9FAF72-D385-4097-A379-350050A714DF}"/>
-              </a:ext>
-            </a:extLst>
-          </p:cNvPr>
-          <p:cNvPicPr/>
-          <p:nvPr/>
-        </p:nvPicPr>
-        <p:blipFill>
-          <a:blip r:embed="rId2" cstate="print"/>
-          <a:stretch>
-            <a:fillRect/>
-          </a:stretch>
-        </p:blipFill>
-        <p:spPr>
-          <a:xfrm>
-            <a:off x="991268" y="1112874"/>
-            <a:ext cx="7161461" cy="5125865"/>
-          </a:xfrm>
-          <a:prstGeom prst="rect">
-            <a:avLst/>
-          </a:prstGeom>
-        </p:spPr>
-      </p:pic>
-    </p:spTree>
-    <p:extLst>
-      <p:ext uri="{BB962C8B-B14F-4D97-AF65-F5344CB8AC3E}">
-        <p14:creationId xmlns:p14="http://schemas.microsoft.com/office/powerpoint/2010/main" val="77594012"/>
       </p:ext>
     </p:extLst>
   </p:cSld>
@@ -8916,49 +9175,6 @@
               <a:t>deletion</a:t>
             </a:r>
           </a:p>
-          <a:p>
-            <a:pPr marR="0" lvl="1" algn="l" defTabSz="914400" rtl="0" eaLnBrk="1" fontAlgn="base" latinLnBrk="0" hangingPunct="1">
-              <a:spcBef>
-                <a:spcPct val="20000"/>
-              </a:spcBef>
-              <a:spcAft>
-                <a:spcPct val="0"/>
-              </a:spcAft>
-              <a:buClrTx/>
-              <a:buSzTx/>
-              <a:buFont typeface="Courier New" panose="02070309020205020404" pitchFamily="49" charset="0"/>
-              <a:buChar char="o"/>
-              <a:tabLst/>
-              <a:defRPr/>
-            </a:pPr>
-            <a:r>
-              <a:rPr kumimoji="0" lang="en-US" altLang="en-US" sz="2200" u="none" strike="noStrike" kern="1200" cap="none" spc="0" normalizeH="0" baseline="0" noProof="0" dirty="0">
-                <a:ln>
-                  <a:noFill/>
-                </a:ln>
-                <a:effectLst/>
-                <a:uLnTx/>
-                <a:uFillTx/>
-                <a:latin typeface="Comic Sans MS" panose="030F0902030302020204" pitchFamily="66" charset="0"/>
-              </a:rPr>
-              <a:t>running time analysis </a:t>
-            </a:r>
-            <a:r>
-              <a:rPr kumimoji="0" lang="en-US" altLang="en-US" sz="2400" u="none" strike="noStrike" kern="1200" cap="none" spc="0" normalizeH="0" baseline="0" noProof="0" dirty="0">
-                <a:ln>
-                  <a:noFill/>
-                </a:ln>
-                <a:solidFill>
-                  <a:schemeClr val="tx1"/>
-                </a:solidFill>
-                <a:effectLst/>
-                <a:uLnTx/>
-                <a:uFillTx/>
-                <a:latin typeface="Comic Sans MS" panose="030F0902030302020204" pitchFamily="66" charset="0"/>
-              </a:rPr>
-              <a:t>Binary Trees</a:t>
-            </a:r>
-          </a:p>
         </p:txBody>
       </p:sp>
     </p:spTree>
@@ -8975,7 +9191,166 @@
 </file>
 
 <file path=ppt/slides/slide20.xml><?xml version="1.0" encoding="utf-8"?>
-<p:sld xmlns:a="http://schemas.openxmlformats.org/drawingml/2006/main" xmlns:r="http://schemas.openxmlformats.org/officeDocument/2006/relationships" xmlns:p="http://schemas.openxmlformats.org/presentationml/2006/main">
+<p:sld xmlns:a="http://schemas.openxmlformats.org/drawingml/2006/main" xmlns:r="http://schemas.openxmlformats.org/officeDocument/2006/relationships" xmlns:p="http://schemas.openxmlformats.org/presentationml/2006/main" show="0">
+  <p:cSld>
+    <p:spTree>
+      <p:nvGrpSpPr>
+        <p:cNvPr id="1" name=""/>
+        <p:cNvGrpSpPr/>
+        <p:nvPr/>
+      </p:nvGrpSpPr>
+      <p:grpSpPr>
+        <a:xfrm>
+          <a:off x="0" y="0"/>
+          <a:ext cx="0" cy="0"/>
+          <a:chOff x="0" y="0"/>
+          <a:chExt cx="0" cy="0"/>
+        </a:xfrm>
+      </p:grpSpPr>
+      <p:sp>
+        <p:nvSpPr>
+          <p:cNvPr id="6" name="Rectangle 5">
+            <a:extLst>
+              <a:ext uri="{FF2B5EF4-FFF2-40B4-BE49-F238E27FC236}">
+                <a16:creationId xmlns:a16="http://schemas.microsoft.com/office/drawing/2014/main" id="{4CE12115-B5CE-453C-967D-DFFC315D5FB5}"/>
+              </a:ext>
+            </a:extLst>
+          </p:cNvPr>
+          <p:cNvSpPr/>
+          <p:nvPr/>
+        </p:nvSpPr>
+        <p:spPr>
+          <a:xfrm>
+            <a:off x="228600" y="171943"/>
+            <a:ext cx="8686799" cy="765894"/>
+          </a:xfrm>
+          <a:prstGeom prst="rect">
+            <a:avLst/>
+          </a:prstGeom>
+          <a:noFill/>
+          <a:ln>
+            <a:noFill/>
+          </a:ln>
+        </p:spPr>
+        <p:style>
+          <a:lnRef idx="2">
+            <a:schemeClr val="accent1">
+              <a:shade val="50000"/>
+            </a:schemeClr>
+          </a:lnRef>
+          <a:fillRef idx="1">
+            <a:schemeClr val="accent1"/>
+          </a:fillRef>
+          <a:effectRef idx="0">
+            <a:schemeClr val="accent1"/>
+          </a:effectRef>
+          <a:fontRef idx="minor">
+            <a:schemeClr val="lt1"/>
+          </a:fontRef>
+        </p:style>
+        <p:txBody>
+          <a:bodyPr rtlCol="0" anchor="ctr"/>
+          <a:lstStyle/>
+          <a:p>
+            <a:pPr algn="ctr"/>
+            <a:r>
+              <a:rPr lang="en-US" sz="3600" dirty="0">
+                <a:solidFill>
+                  <a:srgbClr val="007B3B"/>
+                </a:solidFill>
+                <a:latin typeface="Comic Sans MS" panose="030F0902030302020204" pitchFamily="66" charset="0"/>
+              </a:rPr>
+              <a:t>Dynamic Array Insertion</a:t>
+            </a:r>
+          </a:p>
+        </p:txBody>
+      </p:sp>
+      <p:cxnSp>
+        <p:nvCxnSpPr>
+          <p:cNvPr id="8" name="Straight Connector 7">
+            <a:extLst>
+              <a:ext uri="{FF2B5EF4-FFF2-40B4-BE49-F238E27FC236}">
+                <a16:creationId xmlns:a16="http://schemas.microsoft.com/office/drawing/2014/main" id="{CE2FFFAB-39EF-4ACC-9EF6-A3A1475FC4D4}"/>
+              </a:ext>
+            </a:extLst>
+          </p:cNvPr>
+          <p:cNvCxnSpPr>
+            <a:cxnSpLocks/>
+          </p:cNvCxnSpPr>
+          <p:nvPr/>
+        </p:nvCxnSpPr>
+        <p:spPr>
+          <a:xfrm>
+            <a:off x="228600" y="942486"/>
+            <a:ext cx="8686800" cy="0"/>
+          </a:xfrm>
+          <a:prstGeom prst="line">
+            <a:avLst/>
+          </a:prstGeom>
+          <a:ln w="38100">
+            <a:solidFill>
+              <a:srgbClr val="007B3B"/>
+            </a:solidFill>
+          </a:ln>
+        </p:spPr>
+        <p:style>
+          <a:lnRef idx="1">
+            <a:schemeClr val="accent1"/>
+          </a:lnRef>
+          <a:fillRef idx="0">
+            <a:schemeClr val="accent1"/>
+          </a:fillRef>
+          <a:effectRef idx="0">
+            <a:schemeClr val="accent1"/>
+          </a:effectRef>
+          <a:fontRef idx="minor">
+            <a:schemeClr val="tx1"/>
+          </a:fontRef>
+        </p:style>
+      </p:cxnSp>
+      <p:pic>
+        <p:nvPicPr>
+          <p:cNvPr id="7" name="object 4">
+            <a:extLst>
+              <a:ext uri="{FF2B5EF4-FFF2-40B4-BE49-F238E27FC236}">
+                <a16:creationId xmlns:a16="http://schemas.microsoft.com/office/drawing/2014/main" id="{CB9FAF72-D385-4097-A379-350050A714DF}"/>
+              </a:ext>
+            </a:extLst>
+          </p:cNvPr>
+          <p:cNvPicPr/>
+          <p:nvPr/>
+        </p:nvPicPr>
+        <p:blipFill>
+          <a:blip r:embed="rId2" cstate="print"/>
+          <a:stretch>
+            <a:fillRect/>
+          </a:stretch>
+        </p:blipFill>
+        <p:spPr>
+          <a:xfrm>
+            <a:off x="991268" y="1112874"/>
+            <a:ext cx="7161461" cy="5125865"/>
+          </a:xfrm>
+          <a:prstGeom prst="rect">
+            <a:avLst/>
+          </a:prstGeom>
+        </p:spPr>
+      </p:pic>
+    </p:spTree>
+    <p:extLst>
+      <p:ext uri="{BB962C8B-B14F-4D97-AF65-F5344CB8AC3E}">
+        <p14:creationId xmlns:p14="http://schemas.microsoft.com/office/powerpoint/2010/main" val="77594012"/>
+      </p:ext>
+    </p:extLst>
+  </p:cSld>
+  <p:clrMapOvr>
+    <a:masterClrMapping/>
+  </p:clrMapOvr>
+</p:sld>
+</file>
+
+<file path=ppt/slides/slide21.xml><?xml version="1.0" encoding="utf-8"?>
+<p:sld xmlns:a="http://schemas.openxmlformats.org/drawingml/2006/main" xmlns:r="http://schemas.openxmlformats.org/officeDocument/2006/relationships" xmlns:p="http://schemas.openxmlformats.org/presentationml/2006/main" show="0">
   <p:cSld>
     <p:spTree>
       <p:nvGrpSpPr>
@@ -9426,8 +9801,8 @@
 </p:sld>
 </file>
 
-<file path=ppt/slides/slide21.xml><?xml version="1.0" encoding="utf-8"?>
-<p:sld xmlns:a="http://schemas.openxmlformats.org/drawingml/2006/main" xmlns:r="http://schemas.openxmlformats.org/officeDocument/2006/relationships" xmlns:p="http://schemas.openxmlformats.org/presentationml/2006/main">
+<file path=ppt/slides/slide22.xml><?xml version="1.0" encoding="utf-8"?>
+<p:sld xmlns:a="http://schemas.openxmlformats.org/drawingml/2006/main" xmlns:r="http://schemas.openxmlformats.org/officeDocument/2006/relationships" xmlns:p="http://schemas.openxmlformats.org/presentationml/2006/main" show="0">
   <p:cSld>
     <p:spTree>
       <p:nvGrpSpPr>
@@ -9859,509 +10234,6 @@
     <p:extLst>
       <p:ext uri="{BB962C8B-B14F-4D97-AF65-F5344CB8AC3E}">
         <p14:creationId xmlns:p14="http://schemas.microsoft.com/office/powerpoint/2010/main" val="2009655565"/>
-      </p:ext>
-    </p:extLst>
-  </p:cSld>
-  <p:clrMapOvr>
-    <a:masterClrMapping/>
-  </p:clrMapOvr>
-</p:sld>
-</file>
-
-<file path=ppt/slides/slide22.xml><?xml version="1.0" encoding="utf-8"?>
-<p:sld xmlns:a="http://schemas.openxmlformats.org/drawingml/2006/main" xmlns:r="http://schemas.openxmlformats.org/officeDocument/2006/relationships" xmlns:p="http://schemas.openxmlformats.org/presentationml/2006/main">
-  <p:cSld>
-    <p:spTree>
-      <p:nvGrpSpPr>
-        <p:cNvPr id="1" name=""/>
-        <p:cNvGrpSpPr/>
-        <p:nvPr/>
-      </p:nvGrpSpPr>
-      <p:grpSpPr>
-        <a:xfrm>
-          <a:off x="0" y="0"/>
-          <a:ext cx="0" cy="0"/>
-          <a:chOff x="0" y="0"/>
-          <a:chExt cx="0" cy="0"/>
-        </a:xfrm>
-      </p:grpSpPr>
-      <p:sp>
-        <p:nvSpPr>
-          <p:cNvPr id="6" name="Rectangle 5">
-            <a:extLst>
-              <a:ext uri="{FF2B5EF4-FFF2-40B4-BE49-F238E27FC236}">
-                <a16:creationId xmlns:a16="http://schemas.microsoft.com/office/drawing/2014/main" id="{4CE12115-B5CE-453C-967D-DFFC315D5FB5}"/>
-              </a:ext>
-            </a:extLst>
-          </p:cNvPr>
-          <p:cNvSpPr/>
-          <p:nvPr/>
-        </p:nvSpPr>
-        <p:spPr>
-          <a:xfrm>
-            <a:off x="228600" y="171943"/>
-            <a:ext cx="8686799" cy="765894"/>
-          </a:xfrm>
-          <a:prstGeom prst="rect">
-            <a:avLst/>
-          </a:prstGeom>
-          <a:noFill/>
-          <a:ln>
-            <a:noFill/>
-          </a:ln>
-        </p:spPr>
-        <p:style>
-          <a:lnRef idx="2">
-            <a:schemeClr val="accent1">
-              <a:shade val="50000"/>
-            </a:schemeClr>
-          </a:lnRef>
-          <a:fillRef idx="1">
-            <a:schemeClr val="accent1"/>
-          </a:fillRef>
-          <a:effectRef idx="0">
-            <a:schemeClr val="accent1"/>
-          </a:effectRef>
-          <a:fontRef idx="minor">
-            <a:schemeClr val="lt1"/>
-          </a:fontRef>
-        </p:style>
-        <p:txBody>
-          <a:bodyPr rtlCol="0" anchor="ctr"/>
-          <a:lstStyle/>
-          <a:p>
-            <a:pPr algn="ctr"/>
-            <a:r>
-              <a:rPr lang="en-US" sz="3600" dirty="0">
-                <a:solidFill>
-                  <a:srgbClr val="007B3B"/>
-                </a:solidFill>
-                <a:latin typeface="Comic Sans MS" panose="030F0902030302020204" pitchFamily="66" charset="0"/>
-              </a:rPr>
-              <a:t>Splay Tree Insert and Delete</a:t>
-            </a:r>
-          </a:p>
-        </p:txBody>
-      </p:sp>
-      <p:cxnSp>
-        <p:nvCxnSpPr>
-          <p:cNvPr id="8" name="Straight Connector 7">
-            <a:extLst>
-              <a:ext uri="{FF2B5EF4-FFF2-40B4-BE49-F238E27FC236}">
-                <a16:creationId xmlns:a16="http://schemas.microsoft.com/office/drawing/2014/main" id="{CE2FFFAB-39EF-4ACC-9EF6-A3A1475FC4D4}"/>
-              </a:ext>
-            </a:extLst>
-          </p:cNvPr>
-          <p:cNvCxnSpPr>
-            <a:cxnSpLocks/>
-          </p:cNvCxnSpPr>
-          <p:nvPr/>
-        </p:nvCxnSpPr>
-        <p:spPr>
-          <a:xfrm>
-            <a:off x="228600" y="942486"/>
-            <a:ext cx="8686800" cy="0"/>
-          </a:xfrm>
-          <a:prstGeom prst="line">
-            <a:avLst/>
-          </a:prstGeom>
-          <a:ln w="38100">
-            <a:solidFill>
-              <a:srgbClr val="007B3B"/>
-            </a:solidFill>
-          </a:ln>
-        </p:spPr>
-        <p:style>
-          <a:lnRef idx="1">
-            <a:schemeClr val="accent1"/>
-          </a:lnRef>
-          <a:fillRef idx="0">
-            <a:schemeClr val="accent1"/>
-          </a:fillRef>
-          <a:effectRef idx="0">
-            <a:schemeClr val="accent1"/>
-          </a:effectRef>
-          <a:fontRef idx="minor">
-            <a:schemeClr val="tx1"/>
-          </a:fontRef>
-        </p:style>
-      </p:cxnSp>
-      <p:sp>
-        <p:nvSpPr>
-          <p:cNvPr id="9" name="Rectangle 3">
-            <a:extLst>
-              <a:ext uri="{FF2B5EF4-FFF2-40B4-BE49-F238E27FC236}">
-                <a16:creationId xmlns:a16="http://schemas.microsoft.com/office/drawing/2014/main" id="{F40C4C3C-4FB6-4636-846C-9ED8BE5A3C08}"/>
-              </a:ext>
-            </a:extLst>
-          </p:cNvPr>
-          <p:cNvSpPr txBox="1">
-            <a:spLocks noChangeArrowheads="1"/>
-          </p:cNvSpPr>
-          <p:nvPr/>
-        </p:nvSpPr>
-        <p:spPr bwMode="auto">
-          <a:xfrm>
-            <a:off x="228599" y="1059375"/>
-            <a:ext cx="8686799" cy="4267006"/>
-          </a:xfrm>
-          <a:prstGeom prst="rect">
-            <a:avLst/>
-          </a:prstGeom>
-          <a:noFill/>
-          <a:ln>
-            <a:noFill/>
-          </a:ln>
-          <a:effectLst/>
-          <a:extLst>
-            <a:ext uri="{909E8E84-426E-40DD-AFC4-6F175D3DCCD1}">
-              <a14:hiddenFill xmlns:a14="http://schemas.microsoft.com/office/drawing/2010/main">
-                <a:solidFill>
-                  <a:schemeClr val="accent1"/>
-                </a:solidFill>
-              </a14:hiddenFill>
-            </a:ext>
-            <a:ext uri="{91240B29-F687-4F45-9708-019B960494DF}">
-              <a14:hiddenLine xmlns:a14="http://schemas.microsoft.com/office/drawing/2010/main" w="9525">
-                <a:solidFill>
-                  <a:schemeClr val="tx1"/>
-                </a:solidFill>
-                <a:miter lim="800000"/>
-                <a:headEnd/>
-                <a:tailEnd/>
-              </a14:hiddenLine>
-            </a:ext>
-            <a:ext uri="{AF507438-7753-43E0-B8FC-AC1667EBCBE1}">
-              <a14:hiddenEffects xmlns:a14="http://schemas.microsoft.com/office/drawing/2010/main">
-                <a:effectLst>
-                  <a:outerShdw dist="35921" dir="2700000" algn="ctr" rotWithShape="0">
-                    <a:schemeClr val="bg2"/>
-                  </a:outerShdw>
-                </a:effectLst>
-              </a14:hiddenEffects>
-            </a:ext>
-          </a:extLst>
-        </p:spPr>
-        <p:txBody>
-          <a:bodyPr vert="horz" wrap="square" lIns="91440" tIns="45720" rIns="91440" bIns="45720" numCol="1" anchor="t" anchorCtr="0" compatLnSpc="1">
-            <a:prstTxWarp prst="textNoShape">
-              <a:avLst/>
-            </a:prstTxWarp>
-          </a:bodyPr>
-          <a:lstStyle>
-            <a:lvl1pPr marL="342900" indent="-342900" algn="l" rtl="0" fontAlgn="base">
-              <a:spcBef>
-                <a:spcPct val="20000"/>
-              </a:spcBef>
-              <a:spcAft>
-                <a:spcPct val="0"/>
-              </a:spcAft>
-              <a:buChar char="•"/>
-              <a:defRPr sz="2800" kern="1200">
-                <a:solidFill>
-                  <a:schemeClr val="accent2"/>
-                </a:solidFill>
-                <a:latin typeface="+mn-lt"/>
-                <a:ea typeface="+mn-ea"/>
-                <a:cs typeface="+mn-cs"/>
-              </a:defRPr>
-            </a:lvl1pPr>
-            <a:lvl2pPr marL="742950" indent="-285750" algn="l" rtl="0" fontAlgn="base">
-              <a:spcBef>
-                <a:spcPct val="20000"/>
-              </a:spcBef>
-              <a:spcAft>
-                <a:spcPct val="0"/>
-              </a:spcAft>
-              <a:buChar char="–"/>
-              <a:defRPr sz="2400" kern="1200">
-                <a:solidFill>
-                  <a:schemeClr val="tx1"/>
-                </a:solidFill>
-                <a:latin typeface="+mn-lt"/>
-                <a:ea typeface="+mn-ea"/>
-                <a:cs typeface="+mn-cs"/>
-              </a:defRPr>
-            </a:lvl2pPr>
-            <a:lvl3pPr marL="1143000" indent="-228600" algn="l" rtl="0" fontAlgn="base">
-              <a:spcBef>
-                <a:spcPct val="20000"/>
-              </a:spcBef>
-              <a:spcAft>
-                <a:spcPct val="0"/>
-              </a:spcAft>
-              <a:buChar char="•"/>
-              <a:defRPr sz="2000" kern="1200">
-                <a:solidFill>
-                  <a:schemeClr val="accent2"/>
-                </a:solidFill>
-                <a:latin typeface="+mn-lt"/>
-                <a:ea typeface="+mn-ea"/>
-                <a:cs typeface="+mn-cs"/>
-              </a:defRPr>
-            </a:lvl3pPr>
-            <a:lvl4pPr marL="1600200" indent="-228600" algn="l" rtl="0" fontAlgn="base">
-              <a:spcBef>
-                <a:spcPct val="20000"/>
-              </a:spcBef>
-              <a:spcAft>
-                <a:spcPct val="0"/>
-              </a:spcAft>
-              <a:buChar char="–"/>
-              <a:defRPr kern="1200">
-                <a:solidFill>
-                  <a:schemeClr val="tx1"/>
-                </a:solidFill>
-                <a:latin typeface="+mn-lt"/>
-                <a:ea typeface="+mn-ea"/>
-                <a:cs typeface="+mn-cs"/>
-              </a:defRPr>
-            </a:lvl4pPr>
-            <a:lvl5pPr marL="2057400" indent="-228600" algn="l" rtl="0" fontAlgn="base">
-              <a:spcBef>
-                <a:spcPct val="20000"/>
-              </a:spcBef>
-              <a:spcAft>
-                <a:spcPct val="0"/>
-              </a:spcAft>
-              <a:buChar char="»"/>
-              <a:defRPr sz="1600" kern="1200">
-                <a:solidFill>
-                  <a:schemeClr val="tx1"/>
-                </a:solidFill>
-                <a:latin typeface="+mn-lt"/>
-                <a:ea typeface="+mn-ea"/>
-                <a:cs typeface="+mn-cs"/>
-              </a:defRPr>
-            </a:lvl5pPr>
-            <a:lvl6pPr marL="2514600" indent="-228600" algn="l" defTabSz="914400" rtl="0" eaLnBrk="1" latinLnBrk="0" hangingPunct="1">
-              <a:lnSpc>
-                <a:spcPct val="90000"/>
-              </a:lnSpc>
-              <a:spcBef>
-                <a:spcPts val="500"/>
-              </a:spcBef>
-              <a:buFont typeface="Arial" panose="020B0604020202020204" pitchFamily="34" charset="0"/>
-              <a:buChar char="•"/>
-              <a:defRPr sz="1800" kern="1200">
-                <a:solidFill>
-                  <a:schemeClr val="tx1"/>
-                </a:solidFill>
-                <a:latin typeface="+mn-lt"/>
-                <a:ea typeface="+mn-ea"/>
-                <a:cs typeface="+mn-cs"/>
-              </a:defRPr>
-            </a:lvl6pPr>
-            <a:lvl7pPr marL="2971800" indent="-228600" algn="l" defTabSz="914400" rtl="0" eaLnBrk="1" latinLnBrk="0" hangingPunct="1">
-              <a:lnSpc>
-                <a:spcPct val="90000"/>
-              </a:lnSpc>
-              <a:spcBef>
-                <a:spcPts val="500"/>
-              </a:spcBef>
-              <a:buFont typeface="Arial" panose="020B0604020202020204" pitchFamily="34" charset="0"/>
-              <a:buChar char="•"/>
-              <a:defRPr sz="1800" kern="1200">
-                <a:solidFill>
-                  <a:schemeClr val="tx1"/>
-                </a:solidFill>
-                <a:latin typeface="+mn-lt"/>
-                <a:ea typeface="+mn-ea"/>
-                <a:cs typeface="+mn-cs"/>
-              </a:defRPr>
-            </a:lvl7pPr>
-            <a:lvl8pPr marL="3429000" indent="-228600" algn="l" defTabSz="914400" rtl="0" eaLnBrk="1" latinLnBrk="0" hangingPunct="1">
-              <a:lnSpc>
-                <a:spcPct val="90000"/>
-              </a:lnSpc>
-              <a:spcBef>
-                <a:spcPts val="500"/>
-              </a:spcBef>
-              <a:buFont typeface="Arial" panose="020B0604020202020204" pitchFamily="34" charset="0"/>
-              <a:buChar char="•"/>
-              <a:defRPr sz="1800" kern="1200">
-                <a:solidFill>
-                  <a:schemeClr val="tx1"/>
-                </a:solidFill>
-                <a:latin typeface="+mn-lt"/>
-                <a:ea typeface="+mn-ea"/>
-                <a:cs typeface="+mn-cs"/>
-              </a:defRPr>
-            </a:lvl8pPr>
-            <a:lvl9pPr marL="3886200" indent="-228600" algn="l" defTabSz="914400" rtl="0" eaLnBrk="1" latinLnBrk="0" hangingPunct="1">
-              <a:lnSpc>
-                <a:spcPct val="90000"/>
-              </a:lnSpc>
-              <a:spcBef>
-                <a:spcPts val="500"/>
-              </a:spcBef>
-              <a:buFont typeface="Arial" panose="020B0604020202020204" pitchFamily="34" charset="0"/>
-              <a:buChar char="•"/>
-              <a:defRPr sz="1800" kern="1200">
-                <a:solidFill>
-                  <a:schemeClr val="tx1"/>
-                </a:solidFill>
-                <a:latin typeface="+mn-lt"/>
-                <a:ea typeface="+mn-ea"/>
-                <a:cs typeface="+mn-cs"/>
-              </a:defRPr>
-            </a:lvl9pPr>
-          </a:lstStyle>
-          <a:p>
-            <a:pPr marL="533400" marR="0" lvl="0" indent="-533400" algn="l" defTabSz="914400" rtl="0" eaLnBrk="1" fontAlgn="base" latinLnBrk="0" hangingPunct="1">
-              <a:spcBef>
-                <a:spcPct val="20000"/>
-              </a:spcBef>
-              <a:spcAft>
-                <a:spcPct val="0"/>
-              </a:spcAft>
-              <a:buClrTx/>
-              <a:buSzTx/>
-              <a:buFontTx/>
-              <a:buChar char="•"/>
-              <a:tabLst/>
-              <a:defRPr/>
-            </a:pPr>
-            <a:r>
-              <a:rPr lang="en-US" altLang="en-US" sz="2400" dirty="0">
-                <a:solidFill>
-                  <a:schemeClr val="tx1"/>
-                </a:solidFill>
-                <a:latin typeface="Comic Sans MS" panose="030F0902030302020204" pitchFamily="66" charset="0"/>
-              </a:rPr>
-              <a:t>Insert x</a:t>
-            </a:r>
-          </a:p>
-          <a:p>
-            <a:pPr lvl="1" indent="-342900" defTabSz="914400">
-              <a:buFont typeface="Courier New" panose="02070309020205020404" pitchFamily="49" charset="0"/>
-              <a:buChar char="o"/>
-              <a:defRPr/>
-            </a:pPr>
-            <a:r>
-              <a:rPr lang="en-US" sz="2200" dirty="0">
-                <a:latin typeface="Comic Sans MS" panose="030F0902030302020204" pitchFamily="66" charset="0"/>
-              </a:rPr>
-              <a:t>Insert x as normal then splay x to root.</a:t>
-            </a:r>
-          </a:p>
-          <a:p>
-            <a:pPr marL="533400" marR="0" lvl="0" indent="-533400" algn="l" defTabSz="914400" rtl="0" eaLnBrk="1" fontAlgn="base" latinLnBrk="0" hangingPunct="1">
-              <a:spcBef>
-                <a:spcPct val="20000"/>
-              </a:spcBef>
-              <a:spcAft>
-                <a:spcPct val="0"/>
-              </a:spcAft>
-              <a:buClrTx/>
-              <a:buSzTx/>
-              <a:buFontTx/>
-              <a:buChar char="•"/>
-              <a:tabLst/>
-              <a:defRPr/>
-            </a:pPr>
-            <a:endParaRPr lang="en-US" altLang="en-US" sz="2400" dirty="0">
-              <a:solidFill>
-                <a:schemeClr val="tx1"/>
-              </a:solidFill>
-              <a:latin typeface="Comic Sans MS" panose="030F0902030302020204" pitchFamily="66" charset="0"/>
-            </a:endParaRPr>
-          </a:p>
-          <a:p>
-            <a:pPr marL="533400" marR="0" lvl="0" indent="-533400" algn="l" defTabSz="914400" rtl="0" eaLnBrk="1" fontAlgn="base" latinLnBrk="0" hangingPunct="1">
-              <a:spcBef>
-                <a:spcPct val="20000"/>
-              </a:spcBef>
-              <a:spcAft>
-                <a:spcPct val="0"/>
-              </a:spcAft>
-              <a:buClrTx/>
-              <a:buSzTx/>
-              <a:buFontTx/>
-              <a:buChar char="•"/>
-              <a:tabLst/>
-              <a:defRPr/>
-            </a:pPr>
-            <a:r>
-              <a:rPr lang="en-US" altLang="en-US" sz="2400" dirty="0">
-                <a:solidFill>
-                  <a:schemeClr val="tx1"/>
-                </a:solidFill>
-                <a:latin typeface="Comic Sans MS" panose="030F0902030302020204" pitchFamily="66" charset="0"/>
-              </a:rPr>
-              <a:t>Delete x</a:t>
-            </a:r>
-          </a:p>
-          <a:p>
-            <a:pPr lvl="1" indent="-342900" defTabSz="914400">
-              <a:buFont typeface="Courier New" panose="02070309020205020404" pitchFamily="49" charset="0"/>
-              <a:buChar char="o"/>
-              <a:defRPr/>
-            </a:pPr>
-            <a:r>
-              <a:rPr lang="en-US" altLang="en-US" sz="2200" dirty="0">
-                <a:solidFill>
-                  <a:schemeClr val="tx1"/>
-                </a:solidFill>
-                <a:latin typeface="Comic Sans MS" panose="030F0902030302020204" pitchFamily="66" charset="0"/>
-              </a:rPr>
-              <a:t>Find x</a:t>
-            </a:r>
-          </a:p>
-          <a:p>
-            <a:pPr lvl="1" indent="-342900" defTabSz="914400">
-              <a:buFont typeface="Courier New" panose="02070309020205020404" pitchFamily="49" charset="0"/>
-              <a:buChar char="o"/>
-              <a:defRPr/>
-            </a:pPr>
-            <a:r>
-              <a:rPr lang="en-US" altLang="en-US" sz="2200" dirty="0">
-                <a:solidFill>
-                  <a:schemeClr val="tx1"/>
-                </a:solidFill>
-                <a:latin typeface="Comic Sans MS" panose="030F0902030302020204" pitchFamily="66" charset="0"/>
-              </a:rPr>
-              <a:t>Splay x to root and remove it</a:t>
-            </a:r>
-          </a:p>
-          <a:p>
-            <a:pPr lvl="1" indent="-342900" defTabSz="914400">
-              <a:buFont typeface="Courier New" panose="02070309020205020404" pitchFamily="49" charset="0"/>
-              <a:buChar char="o"/>
-              <a:defRPr/>
-            </a:pPr>
-            <a:r>
-              <a:rPr lang="en-US" altLang="en-US" sz="2200" dirty="0">
-                <a:solidFill>
-                  <a:schemeClr val="tx1"/>
-                </a:solidFill>
-                <a:latin typeface="Comic Sans MS" panose="030F0902030302020204" pitchFamily="66" charset="0"/>
-              </a:rPr>
-              <a:t>Splay the max in the left subtree to the root</a:t>
-            </a:r>
-          </a:p>
-          <a:p>
-            <a:pPr lvl="1" indent="-342900" defTabSz="914400">
-              <a:buFont typeface="Courier New" panose="02070309020205020404" pitchFamily="49" charset="0"/>
-              <a:buChar char="o"/>
-              <a:defRPr/>
-            </a:pPr>
-            <a:r>
-              <a:rPr lang="en-US" altLang="en-US" sz="2200" dirty="0">
-                <a:solidFill>
-                  <a:schemeClr val="tx1"/>
-                </a:solidFill>
-                <a:latin typeface="Comic Sans MS" panose="030F0902030302020204" pitchFamily="66" charset="0"/>
-              </a:rPr>
-              <a:t>Attach the right subtree to the new root of the left subtree.</a:t>
-            </a:r>
-          </a:p>
-        </p:txBody>
-      </p:sp>
-    </p:spTree>
-    <p:extLst>
-      <p:ext uri="{BB962C8B-B14F-4D97-AF65-F5344CB8AC3E}">
-        <p14:creationId xmlns:p14="http://schemas.microsoft.com/office/powerpoint/2010/main" val="2159511078"/>
       </p:ext>
     </p:extLst>
   </p:cSld>
@@ -10441,7 +10313,7 @@
                 </a:solidFill>
                 <a:latin typeface="Comic Sans MS" panose="030F0902030302020204" pitchFamily="66" charset="0"/>
               </a:rPr>
-              <a:t>Example Insert</a:t>
+              <a:t>Splay Tree Insert and Delete</a:t>
             </a:r>
           </a:p>
         </p:txBody>
@@ -10505,8 +10377,8 @@
         </p:nvSpPr>
         <p:spPr bwMode="auto">
           <a:xfrm>
-            <a:off x="228600" y="1036019"/>
-            <a:ext cx="8564561" cy="1025842"/>
+            <a:off x="228599" y="1059375"/>
+            <a:ext cx="8686799" cy="4267006"/>
           </a:xfrm>
           <a:prstGeom prst="rect">
             <a:avLst/>
@@ -10732,7 +10604,20 @@
                 </a:solidFill>
                 <a:latin typeface="Comic Sans MS" panose="030F0902030302020204" pitchFamily="66" charset="0"/>
               </a:rPr>
-              <a:t>Inserting in order 1, 2, 3, …, 8</a:t>
+              <a:t>Insert x</a:t>
+            </a:r>
+          </a:p>
+          <a:p>
+            <a:pPr lvl="1" indent="-342900" defTabSz="914400">
+              <a:buFont typeface="Courier New" panose="02070309020205020404" pitchFamily="49" charset="0"/>
+              <a:buChar char="o"/>
+              <a:defRPr/>
+            </a:pPr>
+            <a:r>
+              <a:rPr lang="en-US" sz="2200" dirty="0">
+                <a:latin typeface="Comic Sans MS" panose="030F0902030302020204" pitchFamily="66" charset="0"/>
+              </a:rPr>
+              <a:t>Insert x as normal then splay x to root.</a:t>
             </a:r>
           </a:p>
           <a:p>
@@ -10747,30 +10632,6 @@
               <a:buSzTx/>
               <a:buFontTx/>
               <a:buChar char="•"/>
-              <a:tabLst/>
-              <a:defRPr/>
-            </a:pPr>
-            <a:r>
-              <a:rPr lang="en-US" altLang="en-US" sz="2400" dirty="0">
-                <a:solidFill>
-                  <a:schemeClr val="tx1"/>
-                </a:solidFill>
-                <a:latin typeface="Comic Sans MS" panose="030F0902030302020204" pitchFamily="66" charset="0"/>
-              </a:rPr>
-              <a:t>Without self-adjustment</a:t>
-            </a:r>
-          </a:p>
-          <a:p>
-            <a:pPr marL="0" marR="0" lvl="0" indent="0" algn="l" defTabSz="914400" rtl="0" eaLnBrk="1" fontAlgn="base" latinLnBrk="0" hangingPunct="1">
-              <a:spcBef>
-                <a:spcPct val="20000"/>
-              </a:spcBef>
-              <a:spcAft>
-                <a:spcPct val="0"/>
-              </a:spcAft>
-              <a:buClrTx/>
-              <a:buSzTx/>
-              <a:buNone/>
               <a:tabLst/>
               <a:defRPr/>
             </a:pPr>
@@ -10781,42 +10642,101 @@
               <a:latin typeface="Comic Sans MS" panose="030F0902030302020204" pitchFamily="66" charset="0"/>
             </a:endParaRPr>
           </a:p>
+          <a:p>
+            <a:pPr marL="533400" marR="0" lvl="0" indent="-533400" algn="l" defTabSz="914400" rtl="0" eaLnBrk="1" fontAlgn="base" latinLnBrk="0" hangingPunct="1">
+              <a:spcBef>
+                <a:spcPct val="20000"/>
+              </a:spcBef>
+              <a:spcAft>
+                <a:spcPct val="0"/>
+              </a:spcAft>
+              <a:buClrTx/>
+              <a:buSzTx/>
+              <a:buFontTx/>
+              <a:buChar char="•"/>
+              <a:tabLst/>
+              <a:defRPr/>
+            </a:pPr>
+            <a:r>
+              <a:rPr lang="en-US" altLang="en-US" sz="2400" dirty="0">
+                <a:solidFill>
+                  <a:schemeClr val="tx1"/>
+                </a:solidFill>
+                <a:latin typeface="Comic Sans MS" panose="030F0902030302020204" pitchFamily="66" charset="0"/>
+              </a:rPr>
+              <a:t>Delete x</a:t>
+            </a:r>
+          </a:p>
+          <a:p>
+            <a:pPr lvl="1" indent="-342900" defTabSz="914400">
+              <a:buFont typeface="Courier New" panose="02070309020205020404" pitchFamily="49" charset="0"/>
+              <a:buChar char="o"/>
+              <a:defRPr/>
+            </a:pPr>
+            <a:r>
+              <a:rPr lang="en-US" altLang="en-US" sz="2200" dirty="0">
+                <a:solidFill>
+                  <a:schemeClr val="tx1"/>
+                </a:solidFill>
+                <a:latin typeface="Comic Sans MS" panose="030F0902030302020204" pitchFamily="66" charset="0"/>
+              </a:rPr>
+              <a:t>Find x</a:t>
+            </a:r>
+          </a:p>
+          <a:p>
+            <a:pPr lvl="1" indent="-342900" defTabSz="914400">
+              <a:buFont typeface="Courier New" panose="02070309020205020404" pitchFamily="49" charset="0"/>
+              <a:buChar char="o"/>
+              <a:defRPr/>
+            </a:pPr>
+            <a:r>
+              <a:rPr lang="en-US" altLang="en-US" sz="2200" dirty="0">
+                <a:solidFill>
+                  <a:schemeClr val="tx1"/>
+                </a:solidFill>
+                <a:latin typeface="Comic Sans MS" panose="030F0902030302020204" pitchFamily="66" charset="0"/>
+              </a:rPr>
+              <a:t>Splay x to root and remove it</a:t>
+            </a:r>
+          </a:p>
+          <a:p>
+            <a:pPr lvl="1" indent="-342900" defTabSz="914400">
+              <a:buFont typeface="Courier New" panose="02070309020205020404" pitchFamily="49" charset="0"/>
+              <a:buChar char="o"/>
+              <a:defRPr/>
+            </a:pPr>
+            <a:r>
+              <a:rPr lang="en-US" altLang="en-US" sz="2200" dirty="0">
+                <a:solidFill>
+                  <a:schemeClr val="tx1"/>
+                </a:solidFill>
+                <a:latin typeface="Comic Sans MS" panose="030F0902030302020204" pitchFamily="66" charset="0"/>
+              </a:rPr>
+              <a:t>Splay the max in the left subtree to the root</a:t>
+            </a:r>
+          </a:p>
+          <a:p>
+            <a:pPr lvl="1" indent="-342900" defTabSz="914400">
+              <a:buFont typeface="Courier New" panose="02070309020205020404" pitchFamily="49" charset="0"/>
+              <a:buChar char="o"/>
+              <a:defRPr/>
+            </a:pPr>
+            <a:r>
+              <a:rPr lang="en-US" altLang="en-US" sz="2200" dirty="0">
+                <a:solidFill>
+                  <a:schemeClr val="tx1"/>
+                </a:solidFill>
+                <a:latin typeface="Comic Sans MS" panose="030F0902030302020204" pitchFamily="66" charset="0"/>
+              </a:rPr>
+              <a:t>Attach the right subtree to the new root of the left subtree.</a:t>
+            </a:r>
+          </a:p>
         </p:txBody>
       </p:sp>
-      <p:pic>
-        <p:nvPicPr>
-          <p:cNvPr id="4" name="Picture 3">
-            <a:extLst>
-              <a:ext uri="{FF2B5EF4-FFF2-40B4-BE49-F238E27FC236}">
-                <a16:creationId xmlns:a16="http://schemas.microsoft.com/office/drawing/2014/main" id="{D18FEFBC-6AC5-459A-A80C-F357248269FE}"/>
-              </a:ext>
-            </a:extLst>
-          </p:cNvPr>
-          <p:cNvPicPr>
-            <a:picLocks noChangeAspect="1"/>
-          </p:cNvPicPr>
-          <p:nvPr/>
-        </p:nvPicPr>
-        <p:blipFill>
-          <a:blip r:embed="rId2"/>
-          <a:stretch>
-            <a:fillRect/>
-          </a:stretch>
-        </p:blipFill>
-        <p:spPr>
-          <a:xfrm>
-            <a:off x="1200942" y="2061861"/>
-            <a:ext cx="6619875" cy="3400425"/>
-          </a:xfrm>
-          <a:prstGeom prst="rect">
-            <a:avLst/>
-          </a:prstGeom>
-        </p:spPr>
-      </p:pic>
     </p:spTree>
     <p:extLst>
       <p:ext uri="{BB962C8B-B14F-4D97-AF65-F5344CB8AC3E}">
-        <p14:creationId xmlns:p14="http://schemas.microsoft.com/office/powerpoint/2010/main" val="44618587"/>
+        <p14:creationId xmlns:p14="http://schemas.microsoft.com/office/powerpoint/2010/main" val="2159511078"/>
       </p:ext>
     </p:extLst>
   </p:cSld>
@@ -10896,7 +10816,7 @@
                 </a:solidFill>
                 <a:latin typeface="Comic Sans MS" panose="030F0902030302020204" pitchFamily="66" charset="0"/>
               </a:rPr>
-              <a:t>With Self-Adjustment</a:t>
+              <a:t>Example Insert</a:t>
             </a:r>
           </a:p>
         </p:txBody>
@@ -10944,12 +10864,306 @@
           </a:fontRef>
         </p:style>
       </p:cxnSp>
+      <p:sp>
+        <p:nvSpPr>
+          <p:cNvPr id="9" name="Rectangle 3">
+            <a:extLst>
+              <a:ext uri="{FF2B5EF4-FFF2-40B4-BE49-F238E27FC236}">
+                <a16:creationId xmlns:a16="http://schemas.microsoft.com/office/drawing/2014/main" id="{F40C4C3C-4FB6-4636-846C-9ED8BE5A3C08}"/>
+              </a:ext>
+            </a:extLst>
+          </p:cNvPr>
+          <p:cNvSpPr txBox="1">
+            <a:spLocks noChangeArrowheads="1"/>
+          </p:cNvSpPr>
+          <p:nvPr/>
+        </p:nvSpPr>
+        <p:spPr bwMode="auto">
+          <a:xfrm>
+            <a:off x="228600" y="1036019"/>
+            <a:ext cx="8564561" cy="1025842"/>
+          </a:xfrm>
+          <a:prstGeom prst="rect">
+            <a:avLst/>
+          </a:prstGeom>
+          <a:noFill/>
+          <a:ln>
+            <a:noFill/>
+          </a:ln>
+          <a:effectLst/>
+          <a:extLst>
+            <a:ext uri="{909E8E84-426E-40DD-AFC4-6F175D3DCCD1}">
+              <a14:hiddenFill xmlns:a14="http://schemas.microsoft.com/office/drawing/2010/main">
+                <a:solidFill>
+                  <a:schemeClr val="accent1"/>
+                </a:solidFill>
+              </a14:hiddenFill>
+            </a:ext>
+            <a:ext uri="{91240B29-F687-4F45-9708-019B960494DF}">
+              <a14:hiddenLine xmlns:a14="http://schemas.microsoft.com/office/drawing/2010/main" w="9525">
+                <a:solidFill>
+                  <a:schemeClr val="tx1"/>
+                </a:solidFill>
+                <a:miter lim="800000"/>
+                <a:headEnd/>
+                <a:tailEnd/>
+              </a14:hiddenLine>
+            </a:ext>
+            <a:ext uri="{AF507438-7753-43E0-B8FC-AC1667EBCBE1}">
+              <a14:hiddenEffects xmlns:a14="http://schemas.microsoft.com/office/drawing/2010/main">
+                <a:effectLst>
+                  <a:outerShdw dist="35921" dir="2700000" algn="ctr" rotWithShape="0">
+                    <a:schemeClr val="bg2"/>
+                  </a:outerShdw>
+                </a:effectLst>
+              </a14:hiddenEffects>
+            </a:ext>
+          </a:extLst>
+        </p:spPr>
+        <p:txBody>
+          <a:bodyPr vert="horz" wrap="square" lIns="91440" tIns="45720" rIns="91440" bIns="45720" numCol="1" anchor="t" anchorCtr="0" compatLnSpc="1">
+            <a:prstTxWarp prst="textNoShape">
+              <a:avLst/>
+            </a:prstTxWarp>
+          </a:bodyPr>
+          <a:lstStyle>
+            <a:lvl1pPr marL="342900" indent="-342900" algn="l" rtl="0" fontAlgn="base">
+              <a:spcBef>
+                <a:spcPct val="20000"/>
+              </a:spcBef>
+              <a:spcAft>
+                <a:spcPct val="0"/>
+              </a:spcAft>
+              <a:buChar char="•"/>
+              <a:defRPr sz="2800" kern="1200">
+                <a:solidFill>
+                  <a:schemeClr val="accent2"/>
+                </a:solidFill>
+                <a:latin typeface="+mn-lt"/>
+                <a:ea typeface="+mn-ea"/>
+                <a:cs typeface="+mn-cs"/>
+              </a:defRPr>
+            </a:lvl1pPr>
+            <a:lvl2pPr marL="742950" indent="-285750" algn="l" rtl="0" fontAlgn="base">
+              <a:spcBef>
+                <a:spcPct val="20000"/>
+              </a:spcBef>
+              <a:spcAft>
+                <a:spcPct val="0"/>
+              </a:spcAft>
+              <a:buChar char="–"/>
+              <a:defRPr sz="2400" kern="1200">
+                <a:solidFill>
+                  <a:schemeClr val="tx1"/>
+                </a:solidFill>
+                <a:latin typeface="+mn-lt"/>
+                <a:ea typeface="+mn-ea"/>
+                <a:cs typeface="+mn-cs"/>
+              </a:defRPr>
+            </a:lvl2pPr>
+            <a:lvl3pPr marL="1143000" indent="-228600" algn="l" rtl="0" fontAlgn="base">
+              <a:spcBef>
+                <a:spcPct val="20000"/>
+              </a:spcBef>
+              <a:spcAft>
+                <a:spcPct val="0"/>
+              </a:spcAft>
+              <a:buChar char="•"/>
+              <a:defRPr sz="2000" kern="1200">
+                <a:solidFill>
+                  <a:schemeClr val="accent2"/>
+                </a:solidFill>
+                <a:latin typeface="+mn-lt"/>
+                <a:ea typeface="+mn-ea"/>
+                <a:cs typeface="+mn-cs"/>
+              </a:defRPr>
+            </a:lvl3pPr>
+            <a:lvl4pPr marL="1600200" indent="-228600" algn="l" rtl="0" fontAlgn="base">
+              <a:spcBef>
+                <a:spcPct val="20000"/>
+              </a:spcBef>
+              <a:spcAft>
+                <a:spcPct val="0"/>
+              </a:spcAft>
+              <a:buChar char="–"/>
+              <a:defRPr kern="1200">
+                <a:solidFill>
+                  <a:schemeClr val="tx1"/>
+                </a:solidFill>
+                <a:latin typeface="+mn-lt"/>
+                <a:ea typeface="+mn-ea"/>
+                <a:cs typeface="+mn-cs"/>
+              </a:defRPr>
+            </a:lvl4pPr>
+            <a:lvl5pPr marL="2057400" indent="-228600" algn="l" rtl="0" fontAlgn="base">
+              <a:spcBef>
+                <a:spcPct val="20000"/>
+              </a:spcBef>
+              <a:spcAft>
+                <a:spcPct val="0"/>
+              </a:spcAft>
+              <a:buChar char="»"/>
+              <a:defRPr sz="1600" kern="1200">
+                <a:solidFill>
+                  <a:schemeClr val="tx1"/>
+                </a:solidFill>
+                <a:latin typeface="+mn-lt"/>
+                <a:ea typeface="+mn-ea"/>
+                <a:cs typeface="+mn-cs"/>
+              </a:defRPr>
+            </a:lvl5pPr>
+            <a:lvl6pPr marL="2514600" indent="-228600" algn="l" defTabSz="914400" rtl="0" eaLnBrk="1" latinLnBrk="0" hangingPunct="1">
+              <a:lnSpc>
+                <a:spcPct val="90000"/>
+              </a:lnSpc>
+              <a:spcBef>
+                <a:spcPts val="500"/>
+              </a:spcBef>
+              <a:buFont typeface="Arial" panose="020B0604020202020204" pitchFamily="34" charset="0"/>
+              <a:buChar char="•"/>
+              <a:defRPr sz="1800" kern="1200">
+                <a:solidFill>
+                  <a:schemeClr val="tx1"/>
+                </a:solidFill>
+                <a:latin typeface="+mn-lt"/>
+                <a:ea typeface="+mn-ea"/>
+                <a:cs typeface="+mn-cs"/>
+              </a:defRPr>
+            </a:lvl6pPr>
+            <a:lvl7pPr marL="2971800" indent="-228600" algn="l" defTabSz="914400" rtl="0" eaLnBrk="1" latinLnBrk="0" hangingPunct="1">
+              <a:lnSpc>
+                <a:spcPct val="90000"/>
+              </a:lnSpc>
+              <a:spcBef>
+                <a:spcPts val="500"/>
+              </a:spcBef>
+              <a:buFont typeface="Arial" panose="020B0604020202020204" pitchFamily="34" charset="0"/>
+              <a:buChar char="•"/>
+              <a:defRPr sz="1800" kern="1200">
+                <a:solidFill>
+                  <a:schemeClr val="tx1"/>
+                </a:solidFill>
+                <a:latin typeface="+mn-lt"/>
+                <a:ea typeface="+mn-ea"/>
+                <a:cs typeface="+mn-cs"/>
+              </a:defRPr>
+            </a:lvl7pPr>
+            <a:lvl8pPr marL="3429000" indent="-228600" algn="l" defTabSz="914400" rtl="0" eaLnBrk="1" latinLnBrk="0" hangingPunct="1">
+              <a:lnSpc>
+                <a:spcPct val="90000"/>
+              </a:lnSpc>
+              <a:spcBef>
+                <a:spcPts val="500"/>
+              </a:spcBef>
+              <a:buFont typeface="Arial" panose="020B0604020202020204" pitchFamily="34" charset="0"/>
+              <a:buChar char="•"/>
+              <a:defRPr sz="1800" kern="1200">
+                <a:solidFill>
+                  <a:schemeClr val="tx1"/>
+                </a:solidFill>
+                <a:latin typeface="+mn-lt"/>
+                <a:ea typeface="+mn-ea"/>
+                <a:cs typeface="+mn-cs"/>
+              </a:defRPr>
+            </a:lvl8pPr>
+            <a:lvl9pPr marL="3886200" indent="-228600" algn="l" defTabSz="914400" rtl="0" eaLnBrk="1" latinLnBrk="0" hangingPunct="1">
+              <a:lnSpc>
+                <a:spcPct val="90000"/>
+              </a:lnSpc>
+              <a:spcBef>
+                <a:spcPts val="500"/>
+              </a:spcBef>
+              <a:buFont typeface="Arial" panose="020B0604020202020204" pitchFamily="34" charset="0"/>
+              <a:buChar char="•"/>
+              <a:defRPr sz="1800" kern="1200">
+                <a:solidFill>
+                  <a:schemeClr val="tx1"/>
+                </a:solidFill>
+                <a:latin typeface="+mn-lt"/>
+                <a:ea typeface="+mn-ea"/>
+                <a:cs typeface="+mn-cs"/>
+              </a:defRPr>
+            </a:lvl9pPr>
+          </a:lstStyle>
+          <a:p>
+            <a:pPr marL="533400" marR="0" lvl="0" indent="-533400" algn="l" defTabSz="914400" rtl="0" eaLnBrk="1" fontAlgn="base" latinLnBrk="0" hangingPunct="1">
+              <a:spcBef>
+                <a:spcPct val="20000"/>
+              </a:spcBef>
+              <a:spcAft>
+                <a:spcPct val="0"/>
+              </a:spcAft>
+              <a:buClrTx/>
+              <a:buSzTx/>
+              <a:buFontTx/>
+              <a:buChar char="•"/>
+              <a:tabLst/>
+              <a:defRPr/>
+            </a:pPr>
+            <a:r>
+              <a:rPr lang="en-US" altLang="en-US" sz="2400" dirty="0">
+                <a:solidFill>
+                  <a:schemeClr val="tx1"/>
+                </a:solidFill>
+                <a:latin typeface="Comic Sans MS" panose="030F0902030302020204" pitchFamily="66" charset="0"/>
+              </a:rPr>
+              <a:t>Inserting in order 1, 2, 3, …, 8</a:t>
+            </a:r>
+          </a:p>
+          <a:p>
+            <a:pPr marL="533400" marR="0" lvl="0" indent="-533400" algn="l" defTabSz="914400" rtl="0" eaLnBrk="1" fontAlgn="base" latinLnBrk="0" hangingPunct="1">
+              <a:spcBef>
+                <a:spcPct val="20000"/>
+              </a:spcBef>
+              <a:spcAft>
+                <a:spcPct val="0"/>
+              </a:spcAft>
+              <a:buClrTx/>
+              <a:buSzTx/>
+              <a:buFontTx/>
+              <a:buChar char="•"/>
+              <a:tabLst/>
+              <a:defRPr/>
+            </a:pPr>
+            <a:r>
+              <a:rPr lang="en-US" altLang="en-US" sz="2400" dirty="0">
+                <a:solidFill>
+                  <a:schemeClr val="tx1"/>
+                </a:solidFill>
+                <a:latin typeface="Comic Sans MS" panose="030F0902030302020204" pitchFamily="66" charset="0"/>
+              </a:rPr>
+              <a:t>Without self-adjustment</a:t>
+            </a:r>
+          </a:p>
+          <a:p>
+            <a:pPr marL="0" marR="0" lvl="0" indent="0" algn="l" defTabSz="914400" rtl="0" eaLnBrk="1" fontAlgn="base" latinLnBrk="0" hangingPunct="1">
+              <a:spcBef>
+                <a:spcPct val="20000"/>
+              </a:spcBef>
+              <a:spcAft>
+                <a:spcPct val="0"/>
+              </a:spcAft>
+              <a:buClrTx/>
+              <a:buSzTx/>
+              <a:buNone/>
+              <a:tabLst/>
+              <a:defRPr/>
+            </a:pPr>
+            <a:endParaRPr lang="en-US" altLang="en-US" sz="2400" dirty="0">
+              <a:solidFill>
+                <a:schemeClr val="tx1"/>
+              </a:solidFill>
+              <a:latin typeface="Comic Sans MS" panose="030F0902030302020204" pitchFamily="66" charset="0"/>
+            </a:endParaRPr>
+          </a:p>
+        </p:txBody>
+      </p:sp>
       <p:pic>
         <p:nvPicPr>
-          <p:cNvPr id="5" name="Picture 4">
+          <p:cNvPr id="4" name="Picture 3">
             <a:extLst>
               <a:ext uri="{FF2B5EF4-FFF2-40B4-BE49-F238E27FC236}">
-                <a16:creationId xmlns:a16="http://schemas.microsoft.com/office/drawing/2014/main" id="{46DC2CD8-CA13-43DD-9D3E-2C18DB613844}"/>
+                <a16:creationId xmlns:a16="http://schemas.microsoft.com/office/drawing/2014/main" id="{D18FEFBC-6AC5-459A-A80C-F357248269FE}"/>
               </a:ext>
             </a:extLst>
           </p:cNvPr>
@@ -10966,8 +11180,8 @@
         </p:blipFill>
         <p:spPr>
           <a:xfrm>
-            <a:off x="1054900" y="1162701"/>
-            <a:ext cx="7034197" cy="4019541"/>
+            <a:off x="1200942" y="2061861"/>
+            <a:ext cx="6619875" cy="3400425"/>
           </a:xfrm>
           <a:prstGeom prst="rect">
             <a:avLst/>
@@ -10977,7 +11191,7 @@
     </p:spTree>
     <p:extLst>
       <p:ext uri="{BB962C8B-B14F-4D97-AF65-F5344CB8AC3E}">
-        <p14:creationId xmlns:p14="http://schemas.microsoft.com/office/powerpoint/2010/main" val="1981712390"/>
+        <p14:creationId xmlns:p14="http://schemas.microsoft.com/office/powerpoint/2010/main" val="44618587"/>
       </p:ext>
     </p:extLst>
   </p:cSld>
@@ -11107,10 +11321,10 @@
       </p:cxnSp>
       <p:pic>
         <p:nvPicPr>
-          <p:cNvPr id="4" name="Picture 3">
+          <p:cNvPr id="5" name="Picture 4">
             <a:extLst>
               <a:ext uri="{FF2B5EF4-FFF2-40B4-BE49-F238E27FC236}">
-                <a16:creationId xmlns:a16="http://schemas.microsoft.com/office/drawing/2014/main" id="{ECB4E4C5-F171-4F86-AA21-DC02D1AFFA0F}"/>
+                <a16:creationId xmlns:a16="http://schemas.microsoft.com/office/drawing/2014/main" id="{46DC2CD8-CA13-43DD-9D3E-2C18DB613844}"/>
               </a:ext>
             </a:extLst>
           </p:cNvPr>
@@ -11127,55 +11341,18 @@
         </p:blipFill>
         <p:spPr>
           <a:xfrm>
-            <a:off x="1038224" y="1198918"/>
-            <a:ext cx="7067550" cy="2447925"/>
+            <a:off x="1054900" y="1162701"/>
+            <a:ext cx="7034197" cy="4019541"/>
           </a:xfrm>
           <a:prstGeom prst="rect">
             <a:avLst/>
           </a:prstGeom>
         </p:spPr>
       </p:pic>
-      <p:sp>
-        <p:nvSpPr>
-          <p:cNvPr id="9" name="TextBox 8">
-            <a:extLst>
-              <a:ext uri="{FF2B5EF4-FFF2-40B4-BE49-F238E27FC236}">
-                <a16:creationId xmlns:a16="http://schemas.microsoft.com/office/drawing/2014/main" id="{13E4C746-1CFA-48A1-828A-D27ABE098F6E}"/>
-              </a:ext>
-            </a:extLst>
-          </p:cNvPr>
-          <p:cNvSpPr txBox="1"/>
-          <p:nvPr/>
-        </p:nvSpPr>
-        <p:spPr>
-          <a:xfrm>
-            <a:off x="554354" y="4292189"/>
-            <a:ext cx="8035290" cy="400110"/>
-          </a:xfrm>
-          <a:prstGeom prst="rect">
-            <a:avLst/>
-          </a:prstGeom>
-          <a:noFill/>
-        </p:spPr>
-        <p:txBody>
-          <a:bodyPr wrap="square">
-            <a:spAutoFit/>
-          </a:bodyPr>
-          <a:lstStyle/>
-          <a:p>
-            <a:r>
-              <a:rPr lang="en-US" sz="2000" dirty="0">
-                <a:latin typeface="Comic Sans MS" panose="030F0902030302020204" pitchFamily="66" charset="0"/>
-              </a:rPr>
-              <a:t>Each Insert takes O(1) time therefore O(n) time for n Insert!!</a:t>
-            </a:r>
-          </a:p>
-        </p:txBody>
-      </p:sp>
     </p:spTree>
     <p:extLst>
       <p:ext uri="{BB962C8B-B14F-4D97-AF65-F5344CB8AC3E}">
-        <p14:creationId xmlns:p14="http://schemas.microsoft.com/office/powerpoint/2010/main" val="1218356947"/>
+        <p14:creationId xmlns:p14="http://schemas.microsoft.com/office/powerpoint/2010/main" val="1981712390"/>
       </p:ext>
     </p:extLst>
   </p:cSld>
@@ -11255,7 +11432,7 @@
                 </a:solidFill>
                 <a:latin typeface="Comic Sans MS" panose="030F0902030302020204" pitchFamily="66" charset="0"/>
               </a:rPr>
-              <a:t>Example Deletion</a:t>
+              <a:t>With Self-Adjustment</a:t>
             </a:r>
           </a:p>
         </p:txBody>
@@ -11305,10 +11482,10 @@
       </p:cxnSp>
       <p:pic>
         <p:nvPicPr>
-          <p:cNvPr id="5" name="Picture 4">
+          <p:cNvPr id="4" name="Picture 3">
             <a:extLst>
               <a:ext uri="{FF2B5EF4-FFF2-40B4-BE49-F238E27FC236}">
-                <a16:creationId xmlns:a16="http://schemas.microsoft.com/office/drawing/2014/main" id="{9F84B96B-C1F6-4AD9-87D5-72A1686D1138}"/>
+                <a16:creationId xmlns:a16="http://schemas.microsoft.com/office/drawing/2014/main" id="{ECB4E4C5-F171-4F86-AA21-DC02D1AFFA0F}"/>
               </a:ext>
             </a:extLst>
           </p:cNvPr>
@@ -11325,18 +11502,55 @@
         </p:blipFill>
         <p:spPr>
           <a:xfrm>
-            <a:off x="728184" y="1160385"/>
-            <a:ext cx="7687629" cy="4755129"/>
+            <a:off x="1038224" y="1198918"/>
+            <a:ext cx="7067550" cy="2447925"/>
           </a:xfrm>
           <a:prstGeom prst="rect">
             <a:avLst/>
           </a:prstGeom>
         </p:spPr>
       </p:pic>
+      <p:sp>
+        <p:nvSpPr>
+          <p:cNvPr id="9" name="TextBox 8">
+            <a:extLst>
+              <a:ext uri="{FF2B5EF4-FFF2-40B4-BE49-F238E27FC236}">
+                <a16:creationId xmlns:a16="http://schemas.microsoft.com/office/drawing/2014/main" id="{13E4C746-1CFA-48A1-828A-D27ABE098F6E}"/>
+              </a:ext>
+            </a:extLst>
+          </p:cNvPr>
+          <p:cNvSpPr txBox="1"/>
+          <p:nvPr/>
+        </p:nvSpPr>
+        <p:spPr>
+          <a:xfrm>
+            <a:off x="554354" y="4292189"/>
+            <a:ext cx="8035290" cy="400110"/>
+          </a:xfrm>
+          <a:prstGeom prst="rect">
+            <a:avLst/>
+          </a:prstGeom>
+          <a:noFill/>
+        </p:spPr>
+        <p:txBody>
+          <a:bodyPr wrap="square">
+            <a:spAutoFit/>
+          </a:bodyPr>
+          <a:lstStyle/>
+          <a:p>
+            <a:r>
+              <a:rPr lang="en-US" sz="2000" dirty="0">
+                <a:latin typeface="Comic Sans MS" panose="030F0902030302020204" pitchFamily="66" charset="0"/>
+              </a:rPr>
+              <a:t>Each Insert takes O(1) time therefore O(n) time for n Insert!!</a:t>
+            </a:r>
+          </a:p>
+        </p:txBody>
+      </p:sp>
     </p:spTree>
     <p:extLst>
       <p:ext uri="{BB962C8B-B14F-4D97-AF65-F5344CB8AC3E}">
-        <p14:creationId xmlns:p14="http://schemas.microsoft.com/office/powerpoint/2010/main" val="1973655793"/>
+        <p14:creationId xmlns:p14="http://schemas.microsoft.com/office/powerpoint/2010/main" val="1218356947"/>
       </p:ext>
     </p:extLst>
   </p:cSld>
@@ -11416,6 +11630,167 @@
                 </a:solidFill>
                 <a:latin typeface="Comic Sans MS" panose="030F0902030302020204" pitchFamily="66" charset="0"/>
               </a:rPr>
+              <a:t>Example Deletion</a:t>
+            </a:r>
+          </a:p>
+        </p:txBody>
+      </p:sp>
+      <p:cxnSp>
+        <p:nvCxnSpPr>
+          <p:cNvPr id="8" name="Straight Connector 7">
+            <a:extLst>
+              <a:ext uri="{FF2B5EF4-FFF2-40B4-BE49-F238E27FC236}">
+                <a16:creationId xmlns:a16="http://schemas.microsoft.com/office/drawing/2014/main" id="{CE2FFFAB-39EF-4ACC-9EF6-A3A1475FC4D4}"/>
+              </a:ext>
+            </a:extLst>
+          </p:cNvPr>
+          <p:cNvCxnSpPr>
+            <a:cxnSpLocks/>
+          </p:cNvCxnSpPr>
+          <p:nvPr/>
+        </p:nvCxnSpPr>
+        <p:spPr>
+          <a:xfrm>
+            <a:off x="228600" y="942486"/>
+            <a:ext cx="8686800" cy="0"/>
+          </a:xfrm>
+          <a:prstGeom prst="line">
+            <a:avLst/>
+          </a:prstGeom>
+          <a:ln w="38100">
+            <a:solidFill>
+              <a:srgbClr val="007B3B"/>
+            </a:solidFill>
+          </a:ln>
+        </p:spPr>
+        <p:style>
+          <a:lnRef idx="1">
+            <a:schemeClr val="accent1"/>
+          </a:lnRef>
+          <a:fillRef idx="0">
+            <a:schemeClr val="accent1"/>
+          </a:fillRef>
+          <a:effectRef idx="0">
+            <a:schemeClr val="accent1"/>
+          </a:effectRef>
+          <a:fontRef idx="minor">
+            <a:schemeClr val="tx1"/>
+          </a:fontRef>
+        </p:style>
+      </p:cxnSp>
+      <p:pic>
+        <p:nvPicPr>
+          <p:cNvPr id="5" name="Picture 4">
+            <a:extLst>
+              <a:ext uri="{FF2B5EF4-FFF2-40B4-BE49-F238E27FC236}">
+                <a16:creationId xmlns:a16="http://schemas.microsoft.com/office/drawing/2014/main" id="{9F84B96B-C1F6-4AD9-87D5-72A1686D1138}"/>
+              </a:ext>
+            </a:extLst>
+          </p:cNvPr>
+          <p:cNvPicPr>
+            <a:picLocks noChangeAspect="1"/>
+          </p:cNvPicPr>
+          <p:nvPr/>
+        </p:nvPicPr>
+        <p:blipFill>
+          <a:blip r:embed="rId2"/>
+          <a:stretch>
+            <a:fillRect/>
+          </a:stretch>
+        </p:blipFill>
+        <p:spPr>
+          <a:xfrm>
+            <a:off x="728184" y="1160385"/>
+            <a:ext cx="7687629" cy="4755129"/>
+          </a:xfrm>
+          <a:prstGeom prst="rect">
+            <a:avLst/>
+          </a:prstGeom>
+        </p:spPr>
+      </p:pic>
+    </p:spTree>
+    <p:extLst>
+      <p:ext uri="{BB962C8B-B14F-4D97-AF65-F5344CB8AC3E}">
+        <p14:creationId xmlns:p14="http://schemas.microsoft.com/office/powerpoint/2010/main" val="1973655793"/>
+      </p:ext>
+    </p:extLst>
+  </p:cSld>
+  <p:clrMapOvr>
+    <a:masterClrMapping/>
+  </p:clrMapOvr>
+</p:sld>
+</file>
+
+<file path=ppt/slides/slide28.xml><?xml version="1.0" encoding="utf-8"?>
+<p:sld xmlns:a="http://schemas.openxmlformats.org/drawingml/2006/main" xmlns:r="http://schemas.openxmlformats.org/officeDocument/2006/relationships" xmlns:p="http://schemas.openxmlformats.org/presentationml/2006/main">
+  <p:cSld>
+    <p:spTree>
+      <p:nvGrpSpPr>
+        <p:cNvPr id="1" name=""/>
+        <p:cNvGrpSpPr/>
+        <p:nvPr/>
+      </p:nvGrpSpPr>
+      <p:grpSpPr>
+        <a:xfrm>
+          <a:off x="0" y="0"/>
+          <a:ext cx="0" cy="0"/>
+          <a:chOff x="0" y="0"/>
+          <a:chExt cx="0" cy="0"/>
+        </a:xfrm>
+      </p:grpSpPr>
+      <p:sp>
+        <p:nvSpPr>
+          <p:cNvPr id="6" name="Rectangle 5">
+            <a:extLst>
+              <a:ext uri="{FF2B5EF4-FFF2-40B4-BE49-F238E27FC236}">
+                <a16:creationId xmlns:a16="http://schemas.microsoft.com/office/drawing/2014/main" id="{4CE12115-B5CE-453C-967D-DFFC315D5FB5}"/>
+              </a:ext>
+            </a:extLst>
+          </p:cNvPr>
+          <p:cNvSpPr/>
+          <p:nvPr/>
+        </p:nvSpPr>
+        <p:spPr>
+          <a:xfrm>
+            <a:off x="228600" y="171943"/>
+            <a:ext cx="8686799" cy="765894"/>
+          </a:xfrm>
+          <a:prstGeom prst="rect">
+            <a:avLst/>
+          </a:prstGeom>
+          <a:noFill/>
+          <a:ln>
+            <a:noFill/>
+          </a:ln>
+        </p:spPr>
+        <p:style>
+          <a:lnRef idx="2">
+            <a:schemeClr val="accent1">
+              <a:shade val="50000"/>
+            </a:schemeClr>
+          </a:lnRef>
+          <a:fillRef idx="1">
+            <a:schemeClr val="accent1"/>
+          </a:fillRef>
+          <a:effectRef idx="0">
+            <a:schemeClr val="accent1"/>
+          </a:effectRef>
+          <a:fontRef idx="minor">
+            <a:schemeClr val="lt1"/>
+          </a:fontRef>
+        </p:style>
+        <p:txBody>
+          <a:bodyPr rtlCol="0" anchor="ctr"/>
+          <a:lstStyle/>
+          <a:p>
+            <a:pPr algn="ctr"/>
+            <a:r>
+              <a:rPr lang="en-US" sz="3600" dirty="0">
+                <a:solidFill>
+                  <a:srgbClr val="007B3B"/>
+                </a:solidFill>
+                <a:latin typeface="Comic Sans MS" panose="030F0902030302020204" pitchFamily="66" charset="0"/>
+              </a:rPr>
               <a:t>Summary of Search Trees</a:t>
             </a:r>
           </a:p>
@@ -11859,11 +12234,17 @@
 </file>
 
 <file path=ppt/slides/slide3.xml><?xml version="1.0" encoding="utf-8"?>
-<p:sld xmlns:a="http://schemas.openxmlformats.org/drawingml/2006/main" xmlns:r="http://schemas.openxmlformats.org/officeDocument/2006/relationships" xmlns:p="http://schemas.openxmlformats.org/presentationml/2006/main">
+<p:sld xmlns:a="http://schemas.openxmlformats.org/drawingml/2006/main" xmlns:r="http://schemas.openxmlformats.org/officeDocument/2006/relationships" xmlns:p="http://schemas.openxmlformats.org/presentationml/2006/main" show="0">
   <p:cSld>
     <p:spTree>
       <p:nvGrpSpPr>
-        <p:cNvPr id="1" name=""/>
+        <p:cNvPr id="1" name="">
+          <a:extLst>
+            <a:ext uri="{FF2B5EF4-FFF2-40B4-BE49-F238E27FC236}">
+              <a16:creationId xmlns:a16="http://schemas.microsoft.com/office/drawing/2014/main" id="{09AF3D6F-85A4-AB17-9EA6-2F073D4C4BE1}"/>
+            </a:ext>
+          </a:extLst>
+        </p:cNvPr>
         <p:cNvGrpSpPr/>
         <p:nvPr/>
       </p:nvGrpSpPr>
@@ -11880,7 +12261,7 @@
           <p:cNvPr id="6" name="Rectangle 5">
             <a:extLst>
               <a:ext uri="{FF2B5EF4-FFF2-40B4-BE49-F238E27FC236}">
-                <a16:creationId xmlns:a16="http://schemas.microsoft.com/office/drawing/2014/main" id="{4CE12115-B5CE-453C-967D-DFFC315D5FB5}"/>
+                <a16:creationId xmlns:a16="http://schemas.microsoft.com/office/drawing/2014/main" id="{A7B1DD55-D698-E579-F72A-A85ED3FD383F}"/>
               </a:ext>
             </a:extLst>
           </p:cNvPr>
@@ -11928,7 +12309,7 @@
                 </a:solidFill>
                 <a:latin typeface="Comic Sans MS" panose="030F0902030302020204" pitchFamily="66" charset="0"/>
               </a:rPr>
-              <a:t>Self adjusting Trees</a:t>
+              <a:t>Contents</a:t>
             </a:r>
           </a:p>
         </p:txBody>
@@ -11938,7 +12319,7 @@
           <p:cNvPr id="8" name="Straight Connector 7">
             <a:extLst>
               <a:ext uri="{FF2B5EF4-FFF2-40B4-BE49-F238E27FC236}">
-                <a16:creationId xmlns:a16="http://schemas.microsoft.com/office/drawing/2014/main" id="{CE2FFFAB-39EF-4ACC-9EF6-A3A1475FC4D4}"/>
+                <a16:creationId xmlns:a16="http://schemas.microsoft.com/office/drawing/2014/main" id="{7173F695-4FA4-F21A-E80F-A82310194C78}"/>
               </a:ext>
             </a:extLst>
           </p:cNvPr>
@@ -11981,7 +12362,7 @@
           <p:cNvPr id="9" name="Rectangle 3">
             <a:extLst>
               <a:ext uri="{FF2B5EF4-FFF2-40B4-BE49-F238E27FC236}">
-                <a16:creationId xmlns:a16="http://schemas.microsoft.com/office/drawing/2014/main" id="{C9BA43C0-27C4-4A58-9D1F-7EDEA597D291}"/>
+                <a16:creationId xmlns:a16="http://schemas.microsoft.com/office/drawing/2014/main" id="{DC24449D-B4D4-83DC-462A-8FBA92DDDA5B}"/>
               </a:ext>
             </a:extLst>
           </p:cNvPr>
@@ -11992,8 +12373,8 @@
         </p:nvSpPr>
         <p:spPr bwMode="auto">
           <a:xfrm>
-            <a:off x="228600" y="1069473"/>
-            <a:ext cx="8686798" cy="5076825"/>
+            <a:off x="228600" y="1047172"/>
+            <a:ext cx="8229600" cy="3089930"/>
           </a:xfrm>
           <a:prstGeom prst="rect">
             <a:avLst/>
@@ -12225,186 +12606,22 @@
                 <a:uFillTx/>
                 <a:latin typeface="Comic Sans MS" panose="030F0902030302020204" pitchFamily="66" charset="0"/>
               </a:rPr>
-              <a:t>Ordinary binary search trees have no balance conditions</a:t>
-            </a:r>
-          </a:p>
-          <a:p>
-            <a:pPr marL="933450" lvl="1" indent="-533400" defTabSz="914400">
+              <a:t>Splay tree</a:t>
+            </a:r>
+          </a:p>
+          <a:p>
+            <a:pPr marR="0" lvl="1" algn="l" defTabSz="914400" rtl="0" eaLnBrk="1" fontAlgn="base" latinLnBrk="0" hangingPunct="1">
+              <a:spcBef>
+                <a:spcPct val="20000"/>
+              </a:spcBef>
+              <a:spcAft>
+                <a:spcPct val="0"/>
+              </a:spcAft>
+              <a:buClrTx/>
+              <a:buSzTx/>
               <a:buFont typeface="Courier New" panose="02070309020205020404" pitchFamily="49" charset="0"/>
               <a:buChar char="o"/>
-              <a:defRPr/>
-            </a:pPr>
-            <a:r>
-              <a:rPr kumimoji="0" lang="en-US" altLang="en-US" sz="2200" u="none" strike="noStrike" kern="1200" cap="none" spc="0" normalizeH="0" baseline="0" noProof="0" dirty="0">
-                <a:ln>
-                  <a:noFill/>
-                </a:ln>
-                <a:solidFill>
-                  <a:schemeClr val="tx1"/>
-                </a:solidFill>
-                <a:effectLst/>
-                <a:uLnTx/>
-                <a:uFillTx/>
-                <a:latin typeface="Comic Sans MS" panose="030F0902030302020204" pitchFamily="66" charset="0"/>
-              </a:rPr>
-              <a:t>What you get from insertion order is it</a:t>
-            </a:r>
-          </a:p>
-          <a:p>
-            <a:pPr marL="400050" lvl="1" indent="0" defTabSz="914400">
-              <a:buNone/>
-              <a:defRPr/>
-            </a:pPr>
-            <a:endParaRPr kumimoji="0" lang="en-US" altLang="en-US" sz="2200" u="none" strike="noStrike" kern="1200" cap="none" spc="0" normalizeH="0" baseline="0" noProof="0" dirty="0">
-              <a:ln>
-                <a:noFill/>
-              </a:ln>
-              <a:solidFill>
-                <a:schemeClr val="tx1"/>
-              </a:solidFill>
-              <a:effectLst/>
-              <a:uLnTx/>
-              <a:uFillTx/>
-              <a:latin typeface="Comic Sans MS" panose="030F0902030302020204" pitchFamily="66" charset="0"/>
-            </a:endParaRPr>
-          </a:p>
-          <a:p>
-            <a:pPr marL="533400" marR="0" lvl="0" indent="-533400" algn="l" defTabSz="914400" rtl="0" eaLnBrk="1" fontAlgn="base" latinLnBrk="0" hangingPunct="1">
-              <a:spcBef>
-                <a:spcPct val="20000"/>
-              </a:spcBef>
-              <a:spcAft>
-                <a:spcPct val="0"/>
-              </a:spcAft>
-              <a:buClrTx/>
-              <a:buSzTx/>
-              <a:buFontTx/>
-              <a:buChar char="•"/>
               <a:tabLst/>
-              <a:defRPr/>
-            </a:pPr>
-            <a:r>
-              <a:rPr kumimoji="0" lang="en-US" altLang="en-US" sz="2400" u="none" strike="noStrike" kern="1200" cap="none" spc="0" normalizeH="0" baseline="0" noProof="0" dirty="0">
-                <a:ln>
-                  <a:noFill/>
-                </a:ln>
-                <a:solidFill>
-                  <a:schemeClr val="tx1"/>
-                </a:solidFill>
-                <a:effectLst/>
-                <a:uLnTx/>
-                <a:uFillTx/>
-                <a:latin typeface="Comic Sans MS" panose="030F0902030302020204" pitchFamily="66" charset="0"/>
-              </a:rPr>
-              <a:t>Balanced trees like AVL trees enforce a balance condition when nodes change</a:t>
-            </a:r>
-          </a:p>
-          <a:p>
-            <a:pPr marL="933450" lvl="1" indent="-533400" defTabSz="914400">
-              <a:buFont typeface="Courier New" panose="02070309020205020404" pitchFamily="49" charset="0"/>
-              <a:buChar char="o"/>
-              <a:defRPr/>
-            </a:pPr>
-            <a:r>
-              <a:rPr kumimoji="0" lang="en-US" altLang="en-US" sz="2200" u="none" strike="noStrike" kern="1200" cap="none" spc="0" normalizeH="0" baseline="0" noProof="0" dirty="0">
-                <a:ln>
-                  <a:noFill/>
-                </a:ln>
-                <a:solidFill>
-                  <a:schemeClr val="tx1"/>
-                </a:solidFill>
-                <a:effectLst/>
-                <a:uLnTx/>
-                <a:uFillTx/>
-                <a:latin typeface="Comic Sans MS" panose="030F0902030302020204" pitchFamily="66" charset="0"/>
-              </a:rPr>
-              <a:t>Tree is always balanced after an insert or delete</a:t>
-            </a:r>
-          </a:p>
-          <a:p>
-            <a:pPr marL="933450" lvl="1" indent="-533400" defTabSz="914400">
-              <a:buFont typeface="Garamond" panose="02020404030301010803" pitchFamily="18" charset="0"/>
-              <a:buChar char="―"/>
-              <a:defRPr/>
-            </a:pPr>
-            <a:endParaRPr kumimoji="0" lang="en-US" altLang="en-US" sz="2200" u="none" strike="noStrike" kern="1200" cap="none" spc="0" normalizeH="0" baseline="0" noProof="0" dirty="0">
-              <a:ln>
-                <a:noFill/>
-              </a:ln>
-              <a:solidFill>
-                <a:schemeClr val="tx1"/>
-              </a:solidFill>
-              <a:effectLst/>
-              <a:uLnTx/>
-              <a:uFillTx/>
-              <a:latin typeface="Comic Sans MS" panose="030F0902030302020204" pitchFamily="66" charset="0"/>
-            </a:endParaRPr>
-          </a:p>
-          <a:p>
-            <a:pPr marL="533400" marR="0" lvl="0" indent="-533400" algn="l" defTabSz="914400" rtl="0" eaLnBrk="1" fontAlgn="base" latinLnBrk="0" hangingPunct="1">
-              <a:spcBef>
-                <a:spcPct val="20000"/>
-              </a:spcBef>
-              <a:spcAft>
-                <a:spcPct val="0"/>
-              </a:spcAft>
-              <a:buClrTx/>
-              <a:buSzTx/>
-              <a:buFontTx/>
-              <a:buChar char="•"/>
-              <a:tabLst/>
-              <a:defRPr/>
-            </a:pPr>
-            <a:r>
-              <a:rPr kumimoji="0" lang="en-US" altLang="en-US" sz="2400" u="none" strike="noStrike" kern="1200" cap="none" spc="0" normalizeH="0" baseline="0" noProof="0" dirty="0">
-                <a:ln>
-                  <a:noFill/>
-                </a:ln>
-                <a:solidFill>
-                  <a:srgbClr val="FFC000"/>
-                </a:solidFill>
-                <a:effectLst/>
-                <a:uLnTx/>
-                <a:uFillTx/>
-                <a:latin typeface="Comic Sans MS" panose="030F0902030302020204" pitchFamily="66" charset="0"/>
-              </a:rPr>
-              <a:t>Self-adjusting trees </a:t>
-            </a:r>
-            <a:r>
-              <a:rPr kumimoji="0" lang="en-US" altLang="en-US" sz="2400" u="none" strike="noStrike" kern="1200" cap="none" spc="0" normalizeH="0" baseline="0" noProof="0" dirty="0">
-                <a:ln>
-                  <a:noFill/>
-                </a:ln>
-                <a:solidFill>
-                  <a:schemeClr val="tx1"/>
-                </a:solidFill>
-                <a:effectLst/>
-                <a:uLnTx/>
-                <a:uFillTx/>
-                <a:latin typeface="Comic Sans MS" panose="030F0902030302020204" pitchFamily="66" charset="0"/>
-              </a:rPr>
-              <a:t>get reorganized over time </a:t>
-            </a:r>
-            <a:r>
-              <a:rPr kumimoji="0" lang="en-US" altLang="en-US" sz="2400" u="none" strike="noStrike" kern="1200" cap="none" spc="0" normalizeH="0" baseline="0" noProof="0" dirty="0">
-                <a:ln>
-                  <a:noFill/>
-                </a:ln>
-                <a:solidFill>
-                  <a:srgbClr val="FFC000"/>
-                </a:solidFill>
-                <a:effectLst/>
-                <a:uLnTx/>
-                <a:uFillTx/>
-                <a:latin typeface="Comic Sans MS" panose="030F0902030302020204" pitchFamily="66" charset="0"/>
-              </a:rPr>
-              <a:t>as nodes are accessed</a:t>
-            </a:r>
-          </a:p>
-          <a:p>
-            <a:pPr marL="933450" lvl="1" indent="-533400" defTabSz="914400">
-              <a:buFont typeface="Courier New" panose="02070309020205020404" pitchFamily="49" charset="0"/>
-              <a:buChar char="o"/>
               <a:defRPr/>
             </a:pPr>
             <a:r>
@@ -12417,7 +12634,106 @@
                 <a:uFillTx/>
                 <a:latin typeface="Comic Sans MS" panose="030F0902030302020204" pitchFamily="66" charset="0"/>
               </a:rPr>
-              <a:t>Tree adjusts after insert, delete, or find</a:t>
+              <a:t>insertion</a:t>
+            </a:r>
+          </a:p>
+          <a:p>
+            <a:pPr marR="0" lvl="1" algn="l" defTabSz="914400" rtl="0" eaLnBrk="1" fontAlgn="base" latinLnBrk="0" hangingPunct="1">
+              <a:spcBef>
+                <a:spcPct val="20000"/>
+              </a:spcBef>
+              <a:spcAft>
+                <a:spcPct val="0"/>
+              </a:spcAft>
+              <a:buClrTx/>
+              <a:buSzTx/>
+              <a:buFont typeface="Courier New" panose="02070309020205020404" pitchFamily="49" charset="0"/>
+              <a:buChar char="o"/>
+              <a:tabLst/>
+              <a:defRPr/>
+            </a:pPr>
+            <a:r>
+              <a:rPr kumimoji="0" lang="en-US" altLang="en-US" sz="2200" u="none" strike="noStrike" kern="1200" cap="none" spc="0" normalizeH="0" baseline="0" noProof="0" dirty="0">
+                <a:ln>
+                  <a:noFill/>
+                </a:ln>
+                <a:effectLst/>
+                <a:uLnTx/>
+                <a:uFillTx/>
+                <a:latin typeface="Comic Sans MS" panose="030F0902030302020204" pitchFamily="66" charset="0"/>
+              </a:rPr>
+              <a:t>find</a:t>
+            </a:r>
+          </a:p>
+          <a:p>
+            <a:pPr marR="0" lvl="1" algn="l" defTabSz="914400" rtl="0" eaLnBrk="1" fontAlgn="base" latinLnBrk="0" hangingPunct="1">
+              <a:spcBef>
+                <a:spcPct val="20000"/>
+              </a:spcBef>
+              <a:spcAft>
+                <a:spcPct val="0"/>
+              </a:spcAft>
+              <a:buClrTx/>
+              <a:buSzTx/>
+              <a:buFont typeface="Courier New" panose="02070309020205020404" pitchFamily="49" charset="0"/>
+              <a:buChar char="o"/>
+              <a:tabLst/>
+              <a:defRPr/>
+            </a:pPr>
+            <a:r>
+              <a:rPr kumimoji="0" lang="en-US" altLang="en-US" sz="2200" u="none" strike="noStrike" kern="1200" cap="none" spc="0" normalizeH="0" baseline="0" noProof="0" dirty="0">
+                <a:ln>
+                  <a:noFill/>
+                </a:ln>
+                <a:effectLst/>
+                <a:uLnTx/>
+                <a:uFillTx/>
+                <a:latin typeface="Comic Sans MS" panose="030F0902030302020204" pitchFamily="66" charset="0"/>
+              </a:rPr>
+              <a:t>deletion</a:t>
+            </a:r>
+          </a:p>
+          <a:p>
+            <a:pPr marR="0" lvl="1" algn="l" defTabSz="914400" rtl="0" eaLnBrk="1" fontAlgn="base" latinLnBrk="0" hangingPunct="1">
+              <a:spcBef>
+                <a:spcPct val="20000"/>
+              </a:spcBef>
+              <a:spcAft>
+                <a:spcPct val="0"/>
+              </a:spcAft>
+              <a:buClrTx/>
+              <a:buSzTx/>
+              <a:buFont typeface="Courier New" panose="02070309020205020404" pitchFamily="49" charset="0"/>
+              <a:buChar char="o"/>
+              <a:tabLst/>
+              <a:defRPr/>
+            </a:pPr>
+            <a:r>
+              <a:rPr kumimoji="0" lang="en-US" altLang="en-US" sz="2200" u="none" strike="noStrike" kern="1200" cap="none" spc="0" normalizeH="0" baseline="0" noProof="0" dirty="0">
+                <a:ln>
+                  <a:noFill/>
+                </a:ln>
+                <a:effectLst/>
+                <a:uLnTx/>
+                <a:uFillTx/>
+                <a:latin typeface="Comic Sans MS" panose="030F0902030302020204" pitchFamily="66" charset="0"/>
+              </a:rPr>
+              <a:t>running time analysis </a:t>
+            </a:r>
+            <a:r>
+              <a:rPr kumimoji="0" lang="en-US" altLang="en-US" sz="2400" u="none" strike="noStrike" kern="1200" cap="none" spc="0" normalizeH="0" baseline="0" noProof="0" dirty="0">
+                <a:ln>
+                  <a:noFill/>
+                </a:ln>
+                <a:solidFill>
+                  <a:schemeClr val="tx1"/>
+                </a:solidFill>
+                <a:effectLst/>
+                <a:uLnTx/>
+                <a:uFillTx/>
+                <a:latin typeface="Comic Sans MS" panose="030F0902030302020204" pitchFamily="66" charset="0"/>
+              </a:rPr>
+              <a:t>Binary Trees</a:t>
             </a:r>
           </a:p>
         </p:txBody>
@@ -12425,7 +12741,7 @@
     </p:spTree>
     <p:extLst>
       <p:ext uri="{BB962C8B-B14F-4D97-AF65-F5344CB8AC3E}">
-        <p14:creationId xmlns:p14="http://schemas.microsoft.com/office/powerpoint/2010/main" val="1151602334"/>
+        <p14:creationId xmlns:p14="http://schemas.microsoft.com/office/powerpoint/2010/main" val="818772019"/>
       </p:ext>
     </p:extLst>
   </p:cSld>
@@ -12505,7 +12821,7 @@
                 </a:solidFill>
                 <a:latin typeface="Comic Sans MS" panose="030F0902030302020204" pitchFamily="66" charset="0"/>
               </a:rPr>
-              <a:t>Splay Trees</a:t>
+              <a:t>Self adjusting Trees</a:t>
             </a:r>
           </a:p>
         </p:txBody>
@@ -12553,36 +12869,6 @@
           </a:fontRef>
         </p:style>
       </p:cxnSp>
-      <p:pic>
-        <p:nvPicPr>
-          <p:cNvPr id="3" name="Picture 2">
-            <a:extLst>
-              <a:ext uri="{FF2B5EF4-FFF2-40B4-BE49-F238E27FC236}">
-                <a16:creationId xmlns:a16="http://schemas.microsoft.com/office/drawing/2014/main" id="{2388FB1D-C248-40EC-A6B4-5C4683E27020}"/>
-              </a:ext>
-            </a:extLst>
-          </p:cNvPr>
-          <p:cNvPicPr>
-            <a:picLocks noChangeAspect="1"/>
-          </p:cNvPicPr>
-          <p:nvPr/>
-        </p:nvPicPr>
-        <p:blipFill>
-          <a:blip r:embed="rId2"/>
-          <a:stretch>
-            <a:fillRect/>
-          </a:stretch>
-        </p:blipFill>
-        <p:spPr>
-          <a:xfrm>
-            <a:off x="0" y="6686056"/>
-            <a:ext cx="9144000" cy="171943"/>
-          </a:xfrm>
-          <a:prstGeom prst="rect">
-            <a:avLst/>
-          </a:prstGeom>
-        </p:spPr>
-      </p:pic>
       <p:sp>
         <p:nvSpPr>
           <p:cNvPr id="9" name="Rectangle 3">
@@ -12599,7 +12885,7 @@
         </p:nvSpPr>
         <p:spPr bwMode="auto">
           <a:xfrm>
-            <a:off x="228600" y="1069474"/>
+            <a:off x="228600" y="1069473"/>
             <a:ext cx="8686798" cy="5076825"/>
           </a:xfrm>
           <a:prstGeom prst="rect">
@@ -12832,7 +13118,7 @@
                 <a:uFillTx/>
                 <a:latin typeface="Comic Sans MS" panose="030F0902030302020204" pitchFamily="66" charset="0"/>
               </a:rPr>
-              <a:t>Splay trees are tree structures that:</a:t>
+              <a:t>Ordinary binary search trees have no balance conditions</a:t>
             </a:r>
           </a:p>
           <a:p>
@@ -12854,7 +13140,56 @@
                 <a:uFillTx/>
                 <a:latin typeface="Comic Sans MS" panose="030F0902030302020204" pitchFamily="66" charset="0"/>
               </a:rPr>
-              <a:t>Are not perfectly balanced all the time</a:t>
+              <a:t>What you get from insertion order is it</a:t>
+            </a:r>
+          </a:p>
+          <a:p>
+            <a:pPr marL="400050" lvl="1" indent="0" defTabSz="914400">
+              <a:buNone/>
+              <a:defRPr/>
+            </a:pPr>
+            <a:endParaRPr kumimoji="0" lang="en-US" altLang="en-US" sz="2200" u="none" strike="noStrike" kern="1200" cap="none" spc="0" normalizeH="0" baseline="0" noProof="0" dirty="0">
+              <a:ln>
+                <a:noFill/>
+              </a:ln>
+              <a:solidFill>
+                <a:schemeClr val="tx1"/>
+              </a:solidFill>
+              <a:effectLst/>
+              <a:uLnTx/>
+              <a:uFillTx/>
+              <a:latin typeface="Comic Sans MS" panose="030F0902030302020204" pitchFamily="66" charset="0"/>
+            </a:endParaRPr>
+          </a:p>
+          <a:p>
+            <a:pPr marL="533400" marR="0" lvl="0" indent="-533400" algn="l" defTabSz="914400" rtl="0" eaLnBrk="1" fontAlgn="base" latinLnBrk="0" hangingPunct="1">
+              <a:spcBef>
+                <a:spcPct val="20000"/>
+              </a:spcBef>
+              <a:spcAft>
+                <a:spcPct val="0"/>
+              </a:spcAft>
+              <a:buClrTx/>
+              <a:buSzTx/>
+              <a:buFontTx/>
+              <a:buChar char="•"/>
+              <a:tabLst/>
+              <a:defRPr/>
+            </a:pPr>
+            <a:r>
+              <a:rPr kumimoji="0" lang="en-US" altLang="en-US" sz="2400" u="none" strike="noStrike" kern="1200" cap="none" spc="0" normalizeH="0" baseline="0" noProof="0" dirty="0">
+                <a:ln>
+                  <a:noFill/>
+                </a:ln>
+                <a:solidFill>
+                  <a:schemeClr val="tx1"/>
+                </a:solidFill>
+                <a:effectLst/>
+                <a:uLnTx/>
+                <a:uFillTx/>
+                <a:latin typeface="Comic Sans MS" panose="030F0902030302020204" pitchFamily="66" charset="0"/>
+              </a:rPr>
+              <a:t>Balanced trees like AVL trees enforce a balance condition when nodes change</a:t>
             </a:r>
           </a:p>
           <a:p>
@@ -12876,7 +13211,7 @@
                 <a:uFillTx/>
                 <a:latin typeface="Comic Sans MS" panose="030F0902030302020204" pitchFamily="66" charset="0"/>
               </a:rPr>
-              <a:t>Data most recently accessed is near the root. (principle of locality; 80-20 “rule”)</a:t>
+              <a:t>Tree is always balanced after an insert or delete</a:t>
             </a:r>
           </a:p>
           <a:p>
@@ -12919,14 +13254,44 @@
                   <a:noFill/>
                 </a:ln>
                 <a:solidFill>
-                  <a:schemeClr val="tx1"/>
+                  <a:srgbClr val="FFC000"/>
                 </a:solidFill>
                 <a:effectLst/>
                 <a:uLnTx/>
                 <a:uFillTx/>
                 <a:latin typeface="Comic Sans MS" panose="030F0902030302020204" pitchFamily="66" charset="0"/>
               </a:rPr>
-              <a:t>The procedure:</a:t>
+              <a:t>Self-adjusting trees </a:t>
+            </a:r>
+            <a:r>
+              <a:rPr kumimoji="0" lang="en-US" altLang="en-US" sz="2400" u="none" strike="noStrike" kern="1200" cap="none" spc="0" normalizeH="0" baseline="0" noProof="0" dirty="0">
+                <a:ln>
+                  <a:noFill/>
+                </a:ln>
+                <a:solidFill>
+                  <a:schemeClr val="tx1"/>
+                </a:solidFill>
+                <a:effectLst/>
+                <a:uLnTx/>
+                <a:uFillTx/>
+                <a:latin typeface="Comic Sans MS" panose="030F0902030302020204" pitchFamily="66" charset="0"/>
+              </a:rPr>
+              <a:t>get reorganized over time </a:t>
+            </a:r>
+            <a:r>
+              <a:rPr kumimoji="0" lang="en-US" altLang="en-US" sz="2400" u="none" strike="noStrike" kern="1200" cap="none" spc="0" normalizeH="0" baseline="0" noProof="0" dirty="0">
+                <a:ln>
+                  <a:noFill/>
+                </a:ln>
+                <a:solidFill>
+                  <a:srgbClr val="FFC000"/>
+                </a:solidFill>
+                <a:effectLst/>
+                <a:uLnTx/>
+                <a:uFillTx/>
+                <a:latin typeface="Comic Sans MS" panose="030F0902030302020204" pitchFamily="66" charset="0"/>
+              </a:rPr>
+              <a:t>as nodes are accessed</a:t>
             </a:r>
           </a:p>
           <a:p>
@@ -12940,37 +13305,12 @@
                 <a:ln>
                   <a:noFill/>
                 </a:ln>
-                <a:solidFill>
-                  <a:schemeClr val="tx1"/>
-                </a:solidFill>
                 <a:effectLst/>
                 <a:uLnTx/>
                 <a:uFillTx/>
                 <a:latin typeface="Comic Sans MS" panose="030F0902030302020204" pitchFamily="66" charset="0"/>
               </a:rPr>
-              <a:t>After node X is accessed, perform “splaying” operations to bring X to the root of the tree.</a:t>
-            </a:r>
-          </a:p>
-          <a:p>
-            <a:pPr marL="933450" lvl="1" indent="-533400" defTabSz="914400">
-              <a:buFont typeface="Courier New" panose="02070309020205020404" pitchFamily="49" charset="0"/>
-              <a:buChar char="o"/>
-              <a:defRPr/>
-            </a:pPr>
-            <a:r>
-              <a:rPr kumimoji="0" lang="en-US" altLang="en-US" sz="2200" u="none" strike="noStrike" kern="1200" cap="none" spc="0" normalizeH="0" baseline="0" noProof="0" dirty="0">
-                <a:ln>
-                  <a:noFill/>
-                </a:ln>
-                <a:solidFill>
-                  <a:schemeClr val="tx1"/>
-                </a:solidFill>
-                <a:effectLst/>
-                <a:uLnTx/>
-                <a:uFillTx/>
-                <a:latin typeface="Comic Sans MS" panose="030F0902030302020204" pitchFamily="66" charset="0"/>
-              </a:rPr>
-              <a:t>Do this in a way that leaves the tree more balanced as a whole</a:t>
+              <a:t>Tree adjusts after insert, delete, or find</a:t>
             </a:r>
           </a:p>
         </p:txBody>
@@ -12978,7 +13318,7 @@
     </p:spTree>
     <p:extLst>
       <p:ext uri="{BB962C8B-B14F-4D97-AF65-F5344CB8AC3E}">
-        <p14:creationId xmlns:p14="http://schemas.microsoft.com/office/powerpoint/2010/main" val="1508043987"/>
+        <p14:creationId xmlns:p14="http://schemas.microsoft.com/office/powerpoint/2010/main" val="1151602334"/>
       </p:ext>
     </p:extLst>
   </p:cSld>
@@ -13058,7 +13398,7 @@
                 </a:solidFill>
                 <a:latin typeface="Comic Sans MS" panose="030F0902030302020204" pitchFamily="66" charset="0"/>
               </a:rPr>
-              <a:t>Splay Tree Idea</a:t>
+              <a:t>Splay Trees</a:t>
             </a:r>
           </a:p>
         </p:txBody>
@@ -13108,10 +13448,10 @@
       </p:cxnSp>
       <p:pic>
         <p:nvPicPr>
-          <p:cNvPr id="4" name="Picture 3">
+          <p:cNvPr id="3" name="Picture 2">
             <a:extLst>
               <a:ext uri="{FF2B5EF4-FFF2-40B4-BE49-F238E27FC236}">
-                <a16:creationId xmlns:a16="http://schemas.microsoft.com/office/drawing/2014/main" id="{827BD9FF-786C-4956-B3DA-BEEAE7A08B41}"/>
+                <a16:creationId xmlns:a16="http://schemas.microsoft.com/office/drawing/2014/main" id="{2388FB1D-C248-40EC-A6B4-5C4683E27020}"/>
               </a:ext>
             </a:extLst>
           </p:cNvPr>
@@ -13128,8 +13468,8 @@
         </p:blipFill>
         <p:spPr>
           <a:xfrm>
-            <a:off x="262051" y="1075396"/>
-            <a:ext cx="8686799" cy="4961974"/>
+            <a:off x="0" y="6686056"/>
+            <a:ext cx="9144000" cy="171943"/>
           </a:xfrm>
           <a:prstGeom prst="rect">
             <a:avLst/>
@@ -13138,60 +13478,400 @@
       </p:pic>
       <p:sp>
         <p:nvSpPr>
-          <p:cNvPr id="5" name="Rectangle 4">
+          <p:cNvPr id="9" name="Rectangle 3">
             <a:extLst>
               <a:ext uri="{FF2B5EF4-FFF2-40B4-BE49-F238E27FC236}">
-                <a16:creationId xmlns:a16="http://schemas.microsoft.com/office/drawing/2014/main" id="{ABDE29B2-3E10-4CB3-83F9-27A839CF0118}"/>
+                <a16:creationId xmlns:a16="http://schemas.microsoft.com/office/drawing/2014/main" id="{C9BA43C0-27C4-4A58-9D1F-7EDEA597D291}"/>
               </a:ext>
             </a:extLst>
           </p:cNvPr>
-          <p:cNvSpPr/>
+          <p:cNvSpPr txBox="1">
+            <a:spLocks noChangeArrowheads="1"/>
+          </p:cNvSpPr>
           <p:nvPr/>
         </p:nvSpPr>
-        <p:spPr>
-          <a:xfrm>
-            <a:off x="262051" y="1070746"/>
-            <a:ext cx="3543300" cy="389442"/>
+        <p:spPr bwMode="auto">
+          <a:xfrm>
+            <a:off x="228600" y="1069474"/>
+            <a:ext cx="8686798" cy="5076825"/>
           </a:xfrm>
           <a:prstGeom prst="rect">
             <a:avLst/>
           </a:prstGeom>
-          <a:solidFill>
-            <a:schemeClr val="bg1"/>
-          </a:solidFill>
+          <a:noFill/>
           <a:ln>
             <a:noFill/>
           </a:ln>
-        </p:spPr>
-        <p:style>
-          <a:lnRef idx="2">
-            <a:schemeClr val="accent1">
-              <a:shade val="50000"/>
-            </a:schemeClr>
-          </a:lnRef>
-          <a:fillRef idx="1">
-            <a:schemeClr val="accent1"/>
-          </a:fillRef>
-          <a:effectRef idx="0">
-            <a:schemeClr val="accent1"/>
-          </a:effectRef>
-          <a:fontRef idx="minor">
-            <a:schemeClr val="lt1"/>
-          </a:fontRef>
-        </p:style>
+          <a:effectLst/>
+          <a:extLst>
+            <a:ext uri="{909E8E84-426E-40DD-AFC4-6F175D3DCCD1}">
+              <a14:hiddenFill xmlns:a14="http://schemas.microsoft.com/office/drawing/2010/main">
+                <a:solidFill>
+                  <a:schemeClr val="accent1"/>
+                </a:solidFill>
+              </a14:hiddenFill>
+            </a:ext>
+            <a:ext uri="{91240B29-F687-4F45-9708-019B960494DF}">
+              <a14:hiddenLine xmlns:a14="http://schemas.microsoft.com/office/drawing/2010/main" w="9525">
+                <a:solidFill>
+                  <a:schemeClr val="tx1"/>
+                </a:solidFill>
+                <a:miter lim="800000"/>
+                <a:headEnd/>
+                <a:tailEnd/>
+              </a14:hiddenLine>
+            </a:ext>
+            <a:ext uri="{AF507438-7753-43E0-B8FC-AC1667EBCBE1}">
+              <a14:hiddenEffects xmlns:a14="http://schemas.microsoft.com/office/drawing/2010/main">
+                <a:effectLst>
+                  <a:outerShdw dist="35921" dir="2700000" algn="ctr" rotWithShape="0">
+                    <a:schemeClr val="bg2"/>
+                  </a:outerShdw>
+                </a:effectLst>
+              </a14:hiddenEffects>
+            </a:ext>
+          </a:extLst>
+        </p:spPr>
         <p:txBody>
-          <a:bodyPr rtlCol="0" anchor="ctr"/>
-          <a:lstStyle/>
-          <a:p>
-            <a:pPr algn="ctr"/>
-            <a:endParaRPr lang="en-US"/>
+          <a:bodyPr vert="horz" wrap="square" lIns="91440" tIns="45720" rIns="91440" bIns="45720" numCol="1" anchor="t" anchorCtr="0" compatLnSpc="1">
+            <a:prstTxWarp prst="textNoShape">
+              <a:avLst/>
+            </a:prstTxWarp>
+          </a:bodyPr>
+          <a:lstStyle>
+            <a:lvl1pPr marL="342900" indent="-342900" algn="l" rtl="0" fontAlgn="base">
+              <a:spcBef>
+                <a:spcPct val="20000"/>
+              </a:spcBef>
+              <a:spcAft>
+                <a:spcPct val="0"/>
+              </a:spcAft>
+              <a:buChar char="•"/>
+              <a:defRPr sz="2800" kern="1200">
+                <a:solidFill>
+                  <a:schemeClr val="accent2"/>
+                </a:solidFill>
+                <a:latin typeface="+mn-lt"/>
+                <a:ea typeface="+mn-ea"/>
+                <a:cs typeface="+mn-cs"/>
+              </a:defRPr>
+            </a:lvl1pPr>
+            <a:lvl2pPr marL="742950" indent="-285750" algn="l" rtl="0" fontAlgn="base">
+              <a:spcBef>
+                <a:spcPct val="20000"/>
+              </a:spcBef>
+              <a:spcAft>
+                <a:spcPct val="0"/>
+              </a:spcAft>
+              <a:buChar char="–"/>
+              <a:defRPr sz="2400" kern="1200">
+                <a:solidFill>
+                  <a:schemeClr val="tx1"/>
+                </a:solidFill>
+                <a:latin typeface="+mn-lt"/>
+                <a:ea typeface="+mn-ea"/>
+                <a:cs typeface="+mn-cs"/>
+              </a:defRPr>
+            </a:lvl2pPr>
+            <a:lvl3pPr marL="1143000" indent="-228600" algn="l" rtl="0" fontAlgn="base">
+              <a:spcBef>
+                <a:spcPct val="20000"/>
+              </a:spcBef>
+              <a:spcAft>
+                <a:spcPct val="0"/>
+              </a:spcAft>
+              <a:buChar char="•"/>
+              <a:defRPr sz="2000" kern="1200">
+                <a:solidFill>
+                  <a:schemeClr val="accent2"/>
+                </a:solidFill>
+                <a:latin typeface="+mn-lt"/>
+                <a:ea typeface="+mn-ea"/>
+                <a:cs typeface="+mn-cs"/>
+              </a:defRPr>
+            </a:lvl3pPr>
+            <a:lvl4pPr marL="1600200" indent="-228600" algn="l" rtl="0" fontAlgn="base">
+              <a:spcBef>
+                <a:spcPct val="20000"/>
+              </a:spcBef>
+              <a:spcAft>
+                <a:spcPct val="0"/>
+              </a:spcAft>
+              <a:buChar char="–"/>
+              <a:defRPr kern="1200">
+                <a:solidFill>
+                  <a:schemeClr val="tx1"/>
+                </a:solidFill>
+                <a:latin typeface="+mn-lt"/>
+                <a:ea typeface="+mn-ea"/>
+                <a:cs typeface="+mn-cs"/>
+              </a:defRPr>
+            </a:lvl4pPr>
+            <a:lvl5pPr marL="2057400" indent="-228600" algn="l" rtl="0" fontAlgn="base">
+              <a:spcBef>
+                <a:spcPct val="20000"/>
+              </a:spcBef>
+              <a:spcAft>
+                <a:spcPct val="0"/>
+              </a:spcAft>
+              <a:buChar char="»"/>
+              <a:defRPr sz="1600" kern="1200">
+                <a:solidFill>
+                  <a:schemeClr val="tx1"/>
+                </a:solidFill>
+                <a:latin typeface="+mn-lt"/>
+                <a:ea typeface="+mn-ea"/>
+                <a:cs typeface="+mn-cs"/>
+              </a:defRPr>
+            </a:lvl5pPr>
+            <a:lvl6pPr marL="2514600" indent="-228600" algn="l" defTabSz="914400" rtl="0" eaLnBrk="1" latinLnBrk="0" hangingPunct="1">
+              <a:lnSpc>
+                <a:spcPct val="90000"/>
+              </a:lnSpc>
+              <a:spcBef>
+                <a:spcPts val="500"/>
+              </a:spcBef>
+              <a:buFont typeface="Arial" panose="020B0604020202020204" pitchFamily="34" charset="0"/>
+              <a:buChar char="•"/>
+              <a:defRPr sz="1800" kern="1200">
+                <a:solidFill>
+                  <a:schemeClr val="tx1"/>
+                </a:solidFill>
+                <a:latin typeface="+mn-lt"/>
+                <a:ea typeface="+mn-ea"/>
+                <a:cs typeface="+mn-cs"/>
+              </a:defRPr>
+            </a:lvl6pPr>
+            <a:lvl7pPr marL="2971800" indent="-228600" algn="l" defTabSz="914400" rtl="0" eaLnBrk="1" latinLnBrk="0" hangingPunct="1">
+              <a:lnSpc>
+                <a:spcPct val="90000"/>
+              </a:lnSpc>
+              <a:spcBef>
+                <a:spcPts val="500"/>
+              </a:spcBef>
+              <a:buFont typeface="Arial" panose="020B0604020202020204" pitchFamily="34" charset="0"/>
+              <a:buChar char="•"/>
+              <a:defRPr sz="1800" kern="1200">
+                <a:solidFill>
+                  <a:schemeClr val="tx1"/>
+                </a:solidFill>
+                <a:latin typeface="+mn-lt"/>
+                <a:ea typeface="+mn-ea"/>
+                <a:cs typeface="+mn-cs"/>
+              </a:defRPr>
+            </a:lvl7pPr>
+            <a:lvl8pPr marL="3429000" indent="-228600" algn="l" defTabSz="914400" rtl="0" eaLnBrk="1" latinLnBrk="0" hangingPunct="1">
+              <a:lnSpc>
+                <a:spcPct val="90000"/>
+              </a:lnSpc>
+              <a:spcBef>
+                <a:spcPts val="500"/>
+              </a:spcBef>
+              <a:buFont typeface="Arial" panose="020B0604020202020204" pitchFamily="34" charset="0"/>
+              <a:buChar char="•"/>
+              <a:defRPr sz="1800" kern="1200">
+                <a:solidFill>
+                  <a:schemeClr val="tx1"/>
+                </a:solidFill>
+                <a:latin typeface="+mn-lt"/>
+                <a:ea typeface="+mn-ea"/>
+                <a:cs typeface="+mn-cs"/>
+              </a:defRPr>
+            </a:lvl8pPr>
+            <a:lvl9pPr marL="3886200" indent="-228600" algn="l" defTabSz="914400" rtl="0" eaLnBrk="1" latinLnBrk="0" hangingPunct="1">
+              <a:lnSpc>
+                <a:spcPct val="90000"/>
+              </a:lnSpc>
+              <a:spcBef>
+                <a:spcPts val="500"/>
+              </a:spcBef>
+              <a:buFont typeface="Arial" panose="020B0604020202020204" pitchFamily="34" charset="0"/>
+              <a:buChar char="•"/>
+              <a:defRPr sz="1800" kern="1200">
+                <a:solidFill>
+                  <a:schemeClr val="tx1"/>
+                </a:solidFill>
+                <a:latin typeface="+mn-lt"/>
+                <a:ea typeface="+mn-ea"/>
+                <a:cs typeface="+mn-cs"/>
+              </a:defRPr>
+            </a:lvl9pPr>
+          </a:lstStyle>
+          <a:p>
+            <a:pPr marL="533400" marR="0" lvl="0" indent="-533400" algn="l" defTabSz="914400" rtl="0" eaLnBrk="1" fontAlgn="base" latinLnBrk="0" hangingPunct="1">
+              <a:spcBef>
+                <a:spcPct val="20000"/>
+              </a:spcBef>
+              <a:spcAft>
+                <a:spcPct val="0"/>
+              </a:spcAft>
+              <a:buClrTx/>
+              <a:buSzTx/>
+              <a:buFontTx/>
+              <a:buChar char="•"/>
+              <a:tabLst/>
+              <a:defRPr/>
+            </a:pPr>
+            <a:r>
+              <a:rPr kumimoji="0" lang="en-US" altLang="en-US" sz="2400" u="none" strike="noStrike" kern="1200" cap="none" spc="0" normalizeH="0" baseline="0" noProof="0" dirty="0">
+                <a:ln>
+                  <a:noFill/>
+                </a:ln>
+                <a:solidFill>
+                  <a:schemeClr val="tx1"/>
+                </a:solidFill>
+                <a:effectLst/>
+                <a:uLnTx/>
+                <a:uFillTx/>
+                <a:latin typeface="Comic Sans MS" panose="030F0902030302020204" pitchFamily="66" charset="0"/>
+              </a:rPr>
+              <a:t>Splay trees are tree structures that:</a:t>
+            </a:r>
+          </a:p>
+          <a:p>
+            <a:pPr marL="933450" lvl="1" indent="-533400" defTabSz="914400">
+              <a:buFont typeface="Courier New" panose="02070309020205020404" pitchFamily="49" charset="0"/>
+              <a:buChar char="o"/>
+              <a:defRPr/>
+            </a:pPr>
+            <a:r>
+              <a:rPr kumimoji="0" lang="en-US" altLang="en-US" sz="2200" u="none" strike="noStrike" kern="1200" cap="none" spc="0" normalizeH="0" baseline="0" noProof="0" dirty="0">
+                <a:ln>
+                  <a:noFill/>
+                </a:ln>
+                <a:solidFill>
+                  <a:schemeClr val="tx1"/>
+                </a:solidFill>
+                <a:effectLst/>
+                <a:uLnTx/>
+                <a:uFillTx/>
+                <a:latin typeface="Comic Sans MS" panose="030F0902030302020204" pitchFamily="66" charset="0"/>
+              </a:rPr>
+              <a:t>Are not perfectly balanced all the time</a:t>
+            </a:r>
+          </a:p>
+          <a:p>
+            <a:pPr marL="933450" lvl="1" indent="-533400" defTabSz="914400">
+              <a:buFont typeface="Courier New" panose="02070309020205020404" pitchFamily="49" charset="0"/>
+              <a:buChar char="o"/>
+              <a:defRPr/>
+            </a:pPr>
+            <a:r>
+              <a:rPr kumimoji="0" lang="en-US" altLang="en-US" sz="2200" u="none" strike="noStrike" kern="1200" cap="none" spc="0" normalizeH="0" baseline="0" noProof="0" dirty="0">
+                <a:ln>
+                  <a:noFill/>
+                </a:ln>
+                <a:solidFill>
+                  <a:schemeClr val="tx1"/>
+                </a:solidFill>
+                <a:effectLst/>
+                <a:uLnTx/>
+                <a:uFillTx/>
+                <a:latin typeface="Comic Sans MS" panose="030F0902030302020204" pitchFamily="66" charset="0"/>
+              </a:rPr>
+              <a:t>Data most recently accessed is near the root. (principle of locality; 80-20 “rule”)</a:t>
+            </a:r>
+          </a:p>
+          <a:p>
+            <a:pPr marL="933450" lvl="1" indent="-533400" defTabSz="914400">
+              <a:buFont typeface="Garamond" panose="02020404030301010803" pitchFamily="18" charset="0"/>
+              <a:buChar char="―"/>
+              <a:defRPr/>
+            </a:pPr>
+            <a:endParaRPr kumimoji="0" lang="en-US" altLang="en-US" sz="2200" u="none" strike="noStrike" kern="1200" cap="none" spc="0" normalizeH="0" baseline="0" noProof="0" dirty="0">
+              <a:ln>
+                <a:noFill/>
+              </a:ln>
+              <a:solidFill>
+                <a:schemeClr val="tx1"/>
+              </a:solidFill>
+              <a:effectLst/>
+              <a:uLnTx/>
+              <a:uFillTx/>
+              <a:latin typeface="Comic Sans MS" panose="030F0902030302020204" pitchFamily="66" charset="0"/>
+            </a:endParaRPr>
+          </a:p>
+          <a:p>
+            <a:pPr marL="533400" marR="0" lvl="0" indent="-533400" algn="l" defTabSz="914400" rtl="0" eaLnBrk="1" fontAlgn="base" latinLnBrk="0" hangingPunct="1">
+              <a:spcBef>
+                <a:spcPct val="20000"/>
+              </a:spcBef>
+              <a:spcAft>
+                <a:spcPct val="0"/>
+              </a:spcAft>
+              <a:buClrTx/>
+              <a:buSzTx/>
+              <a:buFontTx/>
+              <a:buChar char="•"/>
+              <a:tabLst/>
+              <a:defRPr/>
+            </a:pPr>
+            <a:r>
+              <a:rPr kumimoji="0" lang="en-US" altLang="en-US" sz="2400" u="none" strike="noStrike" kern="1200" cap="none" spc="0" normalizeH="0" baseline="0" noProof="0" dirty="0">
+                <a:ln>
+                  <a:noFill/>
+                </a:ln>
+                <a:solidFill>
+                  <a:schemeClr val="tx1"/>
+                </a:solidFill>
+                <a:effectLst/>
+                <a:uLnTx/>
+                <a:uFillTx/>
+                <a:latin typeface="Comic Sans MS" panose="030F0902030302020204" pitchFamily="66" charset="0"/>
+              </a:rPr>
+              <a:t>The procedure:</a:t>
+            </a:r>
+          </a:p>
+          <a:p>
+            <a:pPr marL="933450" lvl="1" indent="-533400" defTabSz="914400">
+              <a:buFont typeface="Courier New" panose="02070309020205020404" pitchFamily="49" charset="0"/>
+              <a:buChar char="o"/>
+              <a:defRPr/>
+            </a:pPr>
+            <a:r>
+              <a:rPr kumimoji="0" lang="en-US" altLang="en-US" sz="2200" u="none" strike="noStrike" kern="1200" cap="none" spc="0" normalizeH="0" baseline="0" noProof="0" dirty="0">
+                <a:ln>
+                  <a:noFill/>
+                </a:ln>
+                <a:solidFill>
+                  <a:schemeClr val="tx1"/>
+                </a:solidFill>
+                <a:effectLst/>
+                <a:uLnTx/>
+                <a:uFillTx/>
+                <a:latin typeface="Comic Sans MS" panose="030F0902030302020204" pitchFamily="66" charset="0"/>
+              </a:rPr>
+              <a:t>After node X is accessed, perform “splaying” operations to bring X to the root of the tree.</a:t>
+            </a:r>
+          </a:p>
+          <a:p>
+            <a:pPr marL="933450" lvl="1" indent="-533400" defTabSz="914400">
+              <a:buFont typeface="Courier New" panose="02070309020205020404" pitchFamily="49" charset="0"/>
+              <a:buChar char="o"/>
+              <a:defRPr/>
+            </a:pPr>
+            <a:r>
+              <a:rPr kumimoji="0" lang="en-US" altLang="en-US" sz="2200" u="none" strike="noStrike" kern="1200" cap="none" spc="0" normalizeH="0" baseline="0" noProof="0" dirty="0">
+                <a:ln>
+                  <a:noFill/>
+                </a:ln>
+                <a:solidFill>
+                  <a:schemeClr val="tx1"/>
+                </a:solidFill>
+                <a:effectLst/>
+                <a:uLnTx/>
+                <a:uFillTx/>
+                <a:latin typeface="Comic Sans MS" panose="030F0902030302020204" pitchFamily="66" charset="0"/>
+              </a:rPr>
+              <a:t>Do this in a way that leaves the tree more balanced as a whole</a:t>
+            </a:r>
           </a:p>
         </p:txBody>
       </p:sp>
     </p:spTree>
     <p:extLst>
       <p:ext uri="{BB962C8B-B14F-4D97-AF65-F5344CB8AC3E}">
-        <p14:creationId xmlns:p14="http://schemas.microsoft.com/office/powerpoint/2010/main" val="3427394022"/>
+        <p14:creationId xmlns:p14="http://schemas.microsoft.com/office/powerpoint/2010/main" val="1508043987"/>
       </p:ext>
     </p:extLst>
   </p:cSld>
@@ -13271,7 +13951,7 @@
                 </a:solidFill>
                 <a:latin typeface="Comic Sans MS" panose="030F0902030302020204" pitchFamily="66" charset="0"/>
               </a:rPr>
-              <a:t>Splaying Cases</a:t>
+              <a:t>Splay Tree Idea</a:t>
             </a:r>
           </a:p>
         </p:txBody>
@@ -13319,402 +13999,12 @@
           </a:fontRef>
         </p:style>
       </p:cxnSp>
-      <p:sp>
-        <p:nvSpPr>
-          <p:cNvPr id="9" name="Rectangle 3">
-            <a:extLst>
-              <a:ext uri="{FF2B5EF4-FFF2-40B4-BE49-F238E27FC236}">
-                <a16:creationId xmlns:a16="http://schemas.microsoft.com/office/drawing/2014/main" id="{C9BA43C0-27C4-4A58-9D1F-7EDEA597D291}"/>
-              </a:ext>
-            </a:extLst>
-          </p:cNvPr>
-          <p:cNvSpPr txBox="1">
-            <a:spLocks noChangeArrowheads="1"/>
-          </p:cNvSpPr>
-          <p:nvPr/>
-        </p:nvSpPr>
-        <p:spPr bwMode="auto">
-          <a:xfrm>
-            <a:off x="228600" y="1078627"/>
-            <a:ext cx="8229600" cy="3104134"/>
-          </a:xfrm>
-          <a:prstGeom prst="rect">
-            <a:avLst/>
-          </a:prstGeom>
-          <a:noFill/>
-          <a:ln>
-            <a:noFill/>
-          </a:ln>
-          <a:effectLst/>
-          <a:extLst>
-            <a:ext uri="{909E8E84-426E-40DD-AFC4-6F175D3DCCD1}">
-              <a14:hiddenFill xmlns:a14="http://schemas.microsoft.com/office/drawing/2010/main">
-                <a:solidFill>
-                  <a:schemeClr val="accent1"/>
-                </a:solidFill>
-              </a14:hiddenFill>
-            </a:ext>
-            <a:ext uri="{91240B29-F687-4F45-9708-019B960494DF}">
-              <a14:hiddenLine xmlns:a14="http://schemas.microsoft.com/office/drawing/2010/main" w="9525">
-                <a:solidFill>
-                  <a:schemeClr val="tx1"/>
-                </a:solidFill>
-                <a:miter lim="800000"/>
-                <a:headEnd/>
-                <a:tailEnd/>
-              </a14:hiddenLine>
-            </a:ext>
-            <a:ext uri="{AF507438-7753-43E0-B8FC-AC1667EBCBE1}">
-              <a14:hiddenEffects xmlns:a14="http://schemas.microsoft.com/office/drawing/2010/main">
-                <a:effectLst>
-                  <a:outerShdw dist="35921" dir="2700000" algn="ctr" rotWithShape="0">
-                    <a:schemeClr val="bg2"/>
-                  </a:outerShdw>
-                </a:effectLst>
-              </a14:hiddenEffects>
-            </a:ext>
-          </a:extLst>
-        </p:spPr>
-        <p:txBody>
-          <a:bodyPr vert="horz" wrap="square" lIns="91440" tIns="45720" rIns="91440" bIns="45720" numCol="1" anchor="t" anchorCtr="0" compatLnSpc="1">
-            <a:prstTxWarp prst="textNoShape">
-              <a:avLst/>
-            </a:prstTxWarp>
-          </a:bodyPr>
-          <a:lstStyle>
-            <a:lvl1pPr marL="342900" indent="-342900" algn="l" rtl="0" fontAlgn="base">
-              <a:spcBef>
-                <a:spcPct val="20000"/>
-              </a:spcBef>
-              <a:spcAft>
-                <a:spcPct val="0"/>
-              </a:spcAft>
-              <a:buChar char="•"/>
-              <a:defRPr sz="2800" kern="1200">
-                <a:solidFill>
-                  <a:schemeClr val="accent2"/>
-                </a:solidFill>
-                <a:latin typeface="+mn-lt"/>
-                <a:ea typeface="+mn-ea"/>
-                <a:cs typeface="+mn-cs"/>
-              </a:defRPr>
-            </a:lvl1pPr>
-            <a:lvl2pPr marL="742950" indent="-285750" algn="l" rtl="0" fontAlgn="base">
-              <a:spcBef>
-                <a:spcPct val="20000"/>
-              </a:spcBef>
-              <a:spcAft>
-                <a:spcPct val="0"/>
-              </a:spcAft>
-              <a:buChar char="–"/>
-              <a:defRPr sz="2400" kern="1200">
-                <a:solidFill>
-                  <a:schemeClr val="tx1"/>
-                </a:solidFill>
-                <a:latin typeface="+mn-lt"/>
-                <a:ea typeface="+mn-ea"/>
-                <a:cs typeface="+mn-cs"/>
-              </a:defRPr>
-            </a:lvl2pPr>
-            <a:lvl3pPr marL="1143000" indent="-228600" algn="l" rtl="0" fontAlgn="base">
-              <a:spcBef>
-                <a:spcPct val="20000"/>
-              </a:spcBef>
-              <a:spcAft>
-                <a:spcPct val="0"/>
-              </a:spcAft>
-              <a:buChar char="•"/>
-              <a:defRPr sz="2000" kern="1200">
-                <a:solidFill>
-                  <a:schemeClr val="accent2"/>
-                </a:solidFill>
-                <a:latin typeface="+mn-lt"/>
-                <a:ea typeface="+mn-ea"/>
-                <a:cs typeface="+mn-cs"/>
-              </a:defRPr>
-            </a:lvl3pPr>
-            <a:lvl4pPr marL="1600200" indent="-228600" algn="l" rtl="0" fontAlgn="base">
-              <a:spcBef>
-                <a:spcPct val="20000"/>
-              </a:spcBef>
-              <a:spcAft>
-                <a:spcPct val="0"/>
-              </a:spcAft>
-              <a:buChar char="–"/>
-              <a:defRPr kern="1200">
-                <a:solidFill>
-                  <a:schemeClr val="tx1"/>
-                </a:solidFill>
-                <a:latin typeface="+mn-lt"/>
-                <a:ea typeface="+mn-ea"/>
-                <a:cs typeface="+mn-cs"/>
-              </a:defRPr>
-            </a:lvl4pPr>
-            <a:lvl5pPr marL="2057400" indent="-228600" algn="l" rtl="0" fontAlgn="base">
-              <a:spcBef>
-                <a:spcPct val="20000"/>
-              </a:spcBef>
-              <a:spcAft>
-                <a:spcPct val="0"/>
-              </a:spcAft>
-              <a:buChar char="»"/>
-              <a:defRPr sz="1600" kern="1200">
-                <a:solidFill>
-                  <a:schemeClr val="tx1"/>
-                </a:solidFill>
-                <a:latin typeface="+mn-lt"/>
-                <a:ea typeface="+mn-ea"/>
-                <a:cs typeface="+mn-cs"/>
-              </a:defRPr>
-            </a:lvl5pPr>
-            <a:lvl6pPr marL="2514600" indent="-228600" algn="l" defTabSz="914400" rtl="0" eaLnBrk="1" latinLnBrk="0" hangingPunct="1">
-              <a:lnSpc>
-                <a:spcPct val="90000"/>
-              </a:lnSpc>
-              <a:spcBef>
-                <a:spcPts val="500"/>
-              </a:spcBef>
-              <a:buFont typeface="Arial" panose="020B0604020202020204" pitchFamily="34" charset="0"/>
-              <a:buChar char="•"/>
-              <a:defRPr sz="1800" kern="1200">
-                <a:solidFill>
-                  <a:schemeClr val="tx1"/>
-                </a:solidFill>
-                <a:latin typeface="+mn-lt"/>
-                <a:ea typeface="+mn-ea"/>
-                <a:cs typeface="+mn-cs"/>
-              </a:defRPr>
-            </a:lvl6pPr>
-            <a:lvl7pPr marL="2971800" indent="-228600" algn="l" defTabSz="914400" rtl="0" eaLnBrk="1" latinLnBrk="0" hangingPunct="1">
-              <a:lnSpc>
-                <a:spcPct val="90000"/>
-              </a:lnSpc>
-              <a:spcBef>
-                <a:spcPts val="500"/>
-              </a:spcBef>
-              <a:buFont typeface="Arial" panose="020B0604020202020204" pitchFamily="34" charset="0"/>
-              <a:buChar char="•"/>
-              <a:defRPr sz="1800" kern="1200">
-                <a:solidFill>
-                  <a:schemeClr val="tx1"/>
-                </a:solidFill>
-                <a:latin typeface="+mn-lt"/>
-                <a:ea typeface="+mn-ea"/>
-                <a:cs typeface="+mn-cs"/>
-              </a:defRPr>
-            </a:lvl7pPr>
-            <a:lvl8pPr marL="3429000" indent="-228600" algn="l" defTabSz="914400" rtl="0" eaLnBrk="1" latinLnBrk="0" hangingPunct="1">
-              <a:lnSpc>
-                <a:spcPct val="90000"/>
-              </a:lnSpc>
-              <a:spcBef>
-                <a:spcPts val="500"/>
-              </a:spcBef>
-              <a:buFont typeface="Arial" panose="020B0604020202020204" pitchFamily="34" charset="0"/>
-              <a:buChar char="•"/>
-              <a:defRPr sz="1800" kern="1200">
-                <a:solidFill>
-                  <a:schemeClr val="tx1"/>
-                </a:solidFill>
-                <a:latin typeface="+mn-lt"/>
-                <a:ea typeface="+mn-ea"/>
-                <a:cs typeface="+mn-cs"/>
-              </a:defRPr>
-            </a:lvl8pPr>
-            <a:lvl9pPr marL="3886200" indent="-228600" algn="l" defTabSz="914400" rtl="0" eaLnBrk="1" latinLnBrk="0" hangingPunct="1">
-              <a:lnSpc>
-                <a:spcPct val="90000"/>
-              </a:lnSpc>
-              <a:spcBef>
-                <a:spcPts val="500"/>
-              </a:spcBef>
-              <a:buFont typeface="Arial" panose="020B0604020202020204" pitchFamily="34" charset="0"/>
-              <a:buChar char="•"/>
-              <a:defRPr sz="1800" kern="1200">
-                <a:solidFill>
-                  <a:schemeClr val="tx1"/>
-                </a:solidFill>
-                <a:latin typeface="+mn-lt"/>
-                <a:ea typeface="+mn-ea"/>
-                <a:cs typeface="+mn-cs"/>
-              </a:defRPr>
-            </a:lvl9pPr>
-          </a:lstStyle>
-          <a:p>
-            <a:pPr marL="0" marR="0" lvl="0" indent="0" algn="l" defTabSz="914400" rtl="0" eaLnBrk="1" fontAlgn="base" latinLnBrk="0" hangingPunct="1">
-              <a:lnSpc>
-                <a:spcPct val="120000"/>
-              </a:lnSpc>
-              <a:spcBef>
-                <a:spcPct val="20000"/>
-              </a:spcBef>
-              <a:spcAft>
-                <a:spcPct val="0"/>
-              </a:spcAft>
-              <a:buClrTx/>
-              <a:buSzTx/>
-              <a:buNone/>
-              <a:tabLst/>
-              <a:defRPr/>
-            </a:pPr>
-            <a:r>
-              <a:rPr kumimoji="0" lang="en-US" altLang="en-US" sz="2400" u="none" strike="noStrike" kern="1200" cap="none" spc="0" normalizeH="0" baseline="0" noProof="0" dirty="0">
-                <a:ln>
-                  <a:noFill/>
-                </a:ln>
-                <a:solidFill>
-                  <a:schemeClr val="tx1"/>
-                </a:solidFill>
-                <a:effectLst/>
-                <a:uLnTx/>
-                <a:uFillTx/>
-                <a:latin typeface="Comic Sans MS" panose="030F0902030302020204" pitchFamily="66" charset="0"/>
-              </a:rPr>
-              <a:t>Node being accessed (x) is:</a:t>
-            </a:r>
-          </a:p>
-          <a:p>
-            <a:pPr marL="533400" marR="0" lvl="0" indent="-533400" algn="l" defTabSz="914400" rtl="0" eaLnBrk="1" fontAlgn="base" latinLnBrk="0" hangingPunct="1">
-              <a:lnSpc>
-                <a:spcPct val="120000"/>
-              </a:lnSpc>
-              <a:spcBef>
-                <a:spcPct val="20000"/>
-              </a:spcBef>
-              <a:spcAft>
-                <a:spcPct val="0"/>
-              </a:spcAft>
-              <a:buClrTx/>
-              <a:buSzTx/>
-              <a:buFontTx/>
-              <a:buChar char="•"/>
-              <a:tabLst/>
-              <a:defRPr/>
-            </a:pPr>
-            <a:r>
-              <a:rPr lang="en-US" altLang="en-US" sz="2000" dirty="0">
-                <a:solidFill>
-                  <a:schemeClr val="tx1"/>
-                </a:solidFill>
-                <a:latin typeface="Comic Sans MS" panose="030F0902030302020204" pitchFamily="66" charset="0"/>
-              </a:rPr>
-              <a:t>Root</a:t>
-            </a:r>
-          </a:p>
-          <a:p>
-            <a:pPr marL="533400" marR="0" lvl="0" indent="-533400" algn="l" defTabSz="914400" rtl="0" eaLnBrk="1" fontAlgn="base" latinLnBrk="0" hangingPunct="1">
-              <a:lnSpc>
-                <a:spcPct val="120000"/>
-              </a:lnSpc>
-              <a:spcBef>
-                <a:spcPct val="20000"/>
-              </a:spcBef>
-              <a:spcAft>
-                <a:spcPct val="0"/>
-              </a:spcAft>
-              <a:buClrTx/>
-              <a:buSzTx/>
-              <a:buFontTx/>
-              <a:buChar char="•"/>
-              <a:tabLst/>
-              <a:defRPr/>
-            </a:pPr>
-            <a:r>
-              <a:rPr lang="en-US" altLang="en-US" sz="2000" dirty="0">
-                <a:solidFill>
-                  <a:schemeClr val="tx1"/>
-                </a:solidFill>
-                <a:latin typeface="Comic Sans MS" panose="030F0902030302020204" pitchFamily="66" charset="0"/>
-              </a:rPr>
-              <a:t>Child of root</a:t>
-            </a:r>
-          </a:p>
-          <a:p>
-            <a:pPr marL="533400" marR="0" lvl="0" indent="-533400" algn="l" defTabSz="914400" rtl="0" eaLnBrk="1" fontAlgn="base" latinLnBrk="0" hangingPunct="1">
-              <a:lnSpc>
-                <a:spcPct val="120000"/>
-              </a:lnSpc>
-              <a:spcBef>
-                <a:spcPct val="20000"/>
-              </a:spcBef>
-              <a:spcAft>
-                <a:spcPct val="0"/>
-              </a:spcAft>
-              <a:buClrTx/>
-              <a:buSzTx/>
-              <a:buFontTx/>
-              <a:buChar char="•"/>
-              <a:tabLst/>
-              <a:defRPr/>
-            </a:pPr>
-            <a:r>
-              <a:rPr lang="en-US" altLang="en-US" sz="2000" dirty="0">
-                <a:solidFill>
-                  <a:schemeClr val="tx1"/>
-                </a:solidFill>
-                <a:latin typeface="Comic Sans MS" panose="030F0902030302020204" pitchFamily="66" charset="0"/>
-              </a:rPr>
-              <a:t>Has both parent (p) and grandparent (g)</a:t>
-            </a:r>
-          </a:p>
-          <a:p>
-            <a:pPr marL="933450" lvl="1" indent="-533400" defTabSz="914400">
-              <a:lnSpc>
-                <a:spcPct val="120000"/>
-              </a:lnSpc>
-              <a:buFont typeface="Courier New" panose="02070309020205020404" pitchFamily="49" charset="0"/>
-              <a:buChar char="o"/>
-              <a:defRPr/>
-            </a:pPr>
-            <a:r>
-              <a:rPr kumimoji="0" lang="en-US" altLang="en-US" sz="2000" u="none" strike="noStrike" kern="1200" cap="none" spc="0" normalizeH="0" baseline="0" noProof="0" dirty="0">
-                <a:ln>
-                  <a:noFill/>
-                </a:ln>
-                <a:solidFill>
-                  <a:schemeClr val="tx1"/>
-                </a:solidFill>
-                <a:effectLst/>
-                <a:uLnTx/>
-                <a:uFillTx/>
-                <a:latin typeface="Comic Sans MS" panose="030F0902030302020204" pitchFamily="66" charset="0"/>
-              </a:rPr>
-              <a:t>Zig-zig pattern: g → p → x is left-left or right-right  </a:t>
-            </a:r>
-          </a:p>
-          <a:p>
-            <a:pPr marL="933450" lvl="1" indent="-533400" defTabSz="914400">
-              <a:lnSpc>
-                <a:spcPct val="120000"/>
-              </a:lnSpc>
-              <a:buFont typeface="Courier New" panose="02070309020205020404" pitchFamily="49" charset="0"/>
-              <a:buChar char="o"/>
-              <a:defRPr/>
-            </a:pPr>
-            <a:r>
-              <a:rPr kumimoji="0" lang="en-US" altLang="en-US" sz="2000" u="none" strike="noStrike" kern="1200" cap="none" spc="0" normalizeH="0" baseline="0" noProof="0" dirty="0">
-                <a:ln>
-                  <a:noFill/>
-                </a:ln>
-                <a:solidFill>
-                  <a:schemeClr val="tx1"/>
-                </a:solidFill>
-                <a:effectLst/>
-                <a:uLnTx/>
-                <a:uFillTx/>
-                <a:latin typeface="Comic Sans MS" panose="030F0902030302020204" pitchFamily="66" charset="0"/>
-              </a:rPr>
-              <a:t>Zig-zag pattern: g → p → x is left-right or right-left</a:t>
-            </a:r>
-          </a:p>
-        </p:txBody>
-      </p:sp>
       <p:pic>
         <p:nvPicPr>
           <p:cNvPr id="4" name="Picture 3">
             <a:extLst>
               <a:ext uri="{FF2B5EF4-FFF2-40B4-BE49-F238E27FC236}">
-                <a16:creationId xmlns:a16="http://schemas.microsoft.com/office/drawing/2014/main" id="{3674FFB8-4F50-408C-95C3-6B61209641DC}"/>
+                <a16:creationId xmlns:a16="http://schemas.microsoft.com/office/drawing/2014/main" id="{827BD9FF-786C-4956-B3DA-BEEAE7A08B41}"/>
               </a:ext>
             </a:extLst>
           </p:cNvPr>
@@ -13731,108 +14021,70 @@
         </p:blipFill>
         <p:spPr>
           <a:xfrm>
-            <a:off x="367863" y="3865527"/>
-            <a:ext cx="1714501" cy="2039162"/>
+            <a:off x="262051" y="1075396"/>
+            <a:ext cx="8686799" cy="4961974"/>
           </a:xfrm>
           <a:prstGeom prst="rect">
             <a:avLst/>
           </a:prstGeom>
         </p:spPr>
       </p:pic>
-      <p:pic>
-        <p:nvPicPr>
-          <p:cNvPr id="7" name="Picture 6">
+      <p:sp>
+        <p:nvSpPr>
+          <p:cNvPr id="5" name="Rectangle 4">
             <a:extLst>
               <a:ext uri="{FF2B5EF4-FFF2-40B4-BE49-F238E27FC236}">
-                <a16:creationId xmlns:a16="http://schemas.microsoft.com/office/drawing/2014/main" id="{FC56B55F-4C81-4589-B31A-E11F47E0FE36}"/>
+                <a16:creationId xmlns:a16="http://schemas.microsoft.com/office/drawing/2014/main" id="{ABDE29B2-3E10-4CB3-83F9-27A839CF0118}"/>
               </a:ext>
             </a:extLst>
           </p:cNvPr>
-          <p:cNvPicPr>
-            <a:picLocks noChangeAspect="1"/>
-          </p:cNvPicPr>
+          <p:cNvSpPr/>
           <p:nvPr/>
-        </p:nvPicPr>
-        <p:blipFill>
-          <a:blip r:embed="rId3"/>
-          <a:stretch>
-            <a:fillRect/>
-          </a:stretch>
-        </p:blipFill>
+        </p:nvSpPr>
         <p:spPr>
           <a:xfrm>
-            <a:off x="2696653" y="3917849"/>
-            <a:ext cx="1642659" cy="2039162"/>
+            <a:off x="262051" y="1070746"/>
+            <a:ext cx="3543300" cy="389442"/>
           </a:xfrm>
           <a:prstGeom prst="rect">
             <a:avLst/>
           </a:prstGeom>
-        </p:spPr>
-      </p:pic>
-      <p:pic>
-        <p:nvPicPr>
-          <p:cNvPr id="11" name="Picture 10">
-            <a:extLst>
-              <a:ext uri="{FF2B5EF4-FFF2-40B4-BE49-F238E27FC236}">
-                <a16:creationId xmlns:a16="http://schemas.microsoft.com/office/drawing/2014/main" id="{FB848A68-664E-4317-8F6E-D966A8C0157B}"/>
-              </a:ext>
-            </a:extLst>
-          </p:cNvPr>
-          <p:cNvPicPr>
-            <a:picLocks noChangeAspect="1"/>
-          </p:cNvPicPr>
-          <p:nvPr/>
-        </p:nvPicPr>
-        <p:blipFill>
-          <a:blip r:embed="rId4"/>
-          <a:stretch>
-            <a:fillRect/>
-          </a:stretch>
-        </p:blipFill>
-        <p:spPr>
-          <a:xfrm>
-            <a:off x="4953601" y="3917849"/>
-            <a:ext cx="1714501" cy="2045499"/>
-          </a:xfrm>
-          <a:prstGeom prst="rect">
-            <a:avLst/>
-          </a:prstGeom>
-        </p:spPr>
-      </p:pic>
-      <p:pic>
-        <p:nvPicPr>
-          <p:cNvPr id="13" name="Picture 12">
-            <a:extLst>
-              <a:ext uri="{FF2B5EF4-FFF2-40B4-BE49-F238E27FC236}">
-                <a16:creationId xmlns:a16="http://schemas.microsoft.com/office/drawing/2014/main" id="{81B84FD1-7982-4568-97B4-4A85AC061C33}"/>
-              </a:ext>
-            </a:extLst>
-          </p:cNvPr>
-          <p:cNvPicPr>
-            <a:picLocks noChangeAspect="1"/>
-          </p:cNvPicPr>
-          <p:nvPr/>
-        </p:nvPicPr>
-        <p:blipFill>
-          <a:blip r:embed="rId5"/>
-          <a:stretch>
-            <a:fillRect/>
-          </a:stretch>
-        </p:blipFill>
-        <p:spPr>
-          <a:xfrm>
-            <a:off x="7282391" y="3880717"/>
-            <a:ext cx="1610706" cy="2068250"/>
-          </a:xfrm>
-          <a:prstGeom prst="rect">
-            <a:avLst/>
-          </a:prstGeom>
-        </p:spPr>
-      </p:pic>
+          <a:solidFill>
+            <a:schemeClr val="bg1"/>
+          </a:solidFill>
+          <a:ln>
+            <a:noFill/>
+          </a:ln>
+        </p:spPr>
+        <p:style>
+          <a:lnRef idx="2">
+            <a:schemeClr val="accent1">
+              <a:shade val="50000"/>
+            </a:schemeClr>
+          </a:lnRef>
+          <a:fillRef idx="1">
+            <a:schemeClr val="accent1"/>
+          </a:fillRef>
+          <a:effectRef idx="0">
+            <a:schemeClr val="accent1"/>
+          </a:effectRef>
+          <a:fontRef idx="minor">
+            <a:schemeClr val="lt1"/>
+          </a:fontRef>
+        </p:style>
+        <p:txBody>
+          <a:bodyPr rtlCol="0" anchor="ctr"/>
+          <a:lstStyle/>
+          <a:p>
+            <a:pPr algn="ctr"/>
+            <a:endParaRPr lang="en-US"/>
+          </a:p>
+        </p:txBody>
+      </p:sp>
     </p:spTree>
     <p:extLst>
       <p:ext uri="{BB962C8B-B14F-4D97-AF65-F5344CB8AC3E}">
-        <p14:creationId xmlns:p14="http://schemas.microsoft.com/office/powerpoint/2010/main" val="961863925"/>
+        <p14:creationId xmlns:p14="http://schemas.microsoft.com/office/powerpoint/2010/main" val="3427394022"/>
       </p:ext>
     </p:extLst>
   </p:cSld>
@@ -13912,7 +14164,7 @@
                 </a:solidFill>
                 <a:latin typeface="Comic Sans MS" panose="030F0902030302020204" pitchFamily="66" charset="0"/>
               </a:rPr>
-              <a:t>Access Root</a:t>
+              <a:t>Splaying Cases</a:t>
             </a:r>
           </a:p>
         </p:txBody>
@@ -13976,8 +14228,8 @@
         </p:nvSpPr>
         <p:spPr bwMode="auto">
           <a:xfrm>
-            <a:off x="228600" y="1062644"/>
-            <a:ext cx="8229600" cy="598885"/>
+            <a:off x="228600" y="1078627"/>
+            <a:ext cx="8229600" cy="3104134"/>
           </a:xfrm>
           <a:prstGeom prst="rect">
             <a:avLst/>
@@ -14211,17 +14463,151 @@
                 <a:uFillTx/>
                 <a:latin typeface="Comic Sans MS" panose="030F0902030302020204" pitchFamily="66" charset="0"/>
               </a:rPr>
-              <a:t>Do nothing (that was easy!)</a:t>
+              <a:t>Node being accessed (x) is:</a:t>
+            </a:r>
+          </a:p>
+          <a:p>
+            <a:pPr marL="533400" marR="0" lvl="0" indent="-533400" algn="l" defTabSz="914400" rtl="0" eaLnBrk="1" fontAlgn="base" latinLnBrk="0" hangingPunct="1">
+              <a:lnSpc>
+                <a:spcPct val="120000"/>
+              </a:lnSpc>
+              <a:spcBef>
+                <a:spcPct val="20000"/>
+              </a:spcBef>
+              <a:spcAft>
+                <a:spcPct val="0"/>
+              </a:spcAft>
+              <a:buClrTx/>
+              <a:buSzTx/>
+              <a:buFontTx/>
+              <a:buChar char="•"/>
+              <a:tabLst/>
+              <a:defRPr/>
+            </a:pPr>
+            <a:r>
+              <a:rPr lang="en-US" altLang="en-US" sz="2000" dirty="0">
+                <a:solidFill>
+                  <a:schemeClr val="tx1"/>
+                </a:solidFill>
+                <a:latin typeface="Comic Sans MS" panose="030F0902030302020204" pitchFamily="66" charset="0"/>
+              </a:rPr>
+              <a:t>Root</a:t>
+            </a:r>
+          </a:p>
+          <a:p>
+            <a:pPr marL="533400" marR="0" lvl="0" indent="-533400" algn="l" defTabSz="914400" rtl="0" eaLnBrk="1" fontAlgn="base" latinLnBrk="0" hangingPunct="1">
+              <a:lnSpc>
+                <a:spcPct val="120000"/>
+              </a:lnSpc>
+              <a:spcBef>
+                <a:spcPct val="20000"/>
+              </a:spcBef>
+              <a:spcAft>
+                <a:spcPct val="0"/>
+              </a:spcAft>
+              <a:buClrTx/>
+              <a:buSzTx/>
+              <a:buFontTx/>
+              <a:buChar char="•"/>
+              <a:tabLst/>
+              <a:defRPr/>
+            </a:pPr>
+            <a:r>
+              <a:rPr lang="en-US" altLang="en-US" sz="2000" dirty="0">
+                <a:solidFill>
+                  <a:schemeClr val="tx1"/>
+                </a:solidFill>
+                <a:latin typeface="Comic Sans MS" panose="030F0902030302020204" pitchFamily="66" charset="0"/>
+              </a:rPr>
+              <a:t>Child of root</a:t>
+            </a:r>
+          </a:p>
+          <a:p>
+            <a:pPr marL="533400" marR="0" lvl="0" indent="-533400" algn="l" defTabSz="914400" rtl="0" eaLnBrk="1" fontAlgn="base" latinLnBrk="0" hangingPunct="1">
+              <a:lnSpc>
+                <a:spcPct val="120000"/>
+              </a:lnSpc>
+              <a:spcBef>
+                <a:spcPct val="20000"/>
+              </a:spcBef>
+              <a:spcAft>
+                <a:spcPct val="0"/>
+              </a:spcAft>
+              <a:buClrTx/>
+              <a:buSzTx/>
+              <a:buFontTx/>
+              <a:buChar char="•"/>
+              <a:tabLst/>
+              <a:defRPr/>
+            </a:pPr>
+            <a:r>
+              <a:rPr lang="en-US" altLang="en-US" sz="2000" dirty="0">
+                <a:solidFill>
+                  <a:schemeClr val="tx1"/>
+                </a:solidFill>
+                <a:latin typeface="Comic Sans MS" panose="030F0902030302020204" pitchFamily="66" charset="0"/>
+              </a:rPr>
+              <a:t>Has both parent (p) and grandparent (g)</a:t>
+            </a:r>
+          </a:p>
+          <a:p>
+            <a:pPr marL="933450" lvl="1" indent="-533400" defTabSz="914400">
+              <a:lnSpc>
+                <a:spcPct val="120000"/>
+              </a:lnSpc>
+              <a:buFont typeface="Courier New" panose="02070309020205020404" pitchFamily="49" charset="0"/>
+              <a:buChar char="o"/>
+              <a:defRPr/>
+            </a:pPr>
+            <a:r>
+              <a:rPr kumimoji="0" lang="en-US" altLang="en-US" sz="2000" u="none" strike="noStrike" kern="1200" cap="none" spc="0" normalizeH="0" baseline="0" noProof="0" dirty="0">
+                <a:ln>
+                  <a:noFill/>
+                </a:ln>
+                <a:solidFill>
+                  <a:schemeClr val="tx1"/>
+                </a:solidFill>
+                <a:effectLst/>
+                <a:uLnTx/>
+                <a:uFillTx/>
+                <a:latin typeface="Comic Sans MS" panose="030F0902030302020204" pitchFamily="66" charset="0"/>
+              </a:rPr>
+              <a:t>Zig-zig pattern: g → p → x is left-left or right-right  </a:t>
+            </a:r>
+          </a:p>
+          <a:p>
+            <a:pPr marL="933450" lvl="1" indent="-533400" defTabSz="914400">
+              <a:lnSpc>
+                <a:spcPct val="120000"/>
+              </a:lnSpc>
+              <a:buFont typeface="Courier New" panose="02070309020205020404" pitchFamily="49" charset="0"/>
+              <a:buChar char="o"/>
+              <a:defRPr/>
+            </a:pPr>
+            <a:r>
+              <a:rPr kumimoji="0" lang="en-US" altLang="en-US" sz="2000" u="none" strike="noStrike" kern="1200" cap="none" spc="0" normalizeH="0" baseline="0" noProof="0" dirty="0">
+                <a:ln>
+                  <a:noFill/>
+                </a:ln>
+                <a:solidFill>
+                  <a:schemeClr val="tx1"/>
+                </a:solidFill>
+                <a:effectLst/>
+                <a:uLnTx/>
+                <a:uFillTx/>
+                <a:latin typeface="Comic Sans MS" panose="030F0902030302020204" pitchFamily="66" charset="0"/>
+              </a:rPr>
+              <a:t>Zig-zag pattern: g → p → x is left-right or right-left</a:t>
             </a:r>
           </a:p>
         </p:txBody>
       </p:sp>
       <p:pic>
         <p:nvPicPr>
-          <p:cNvPr id="5" name="Picture 4">
+          <p:cNvPr id="4" name="Picture 3">
             <a:extLst>
               <a:ext uri="{FF2B5EF4-FFF2-40B4-BE49-F238E27FC236}">
-                <a16:creationId xmlns:a16="http://schemas.microsoft.com/office/drawing/2014/main" id="{F55CB2F9-301C-4E48-B9A3-A47938C12A49}"/>
+                <a16:creationId xmlns:a16="http://schemas.microsoft.com/office/drawing/2014/main" id="{3674FFB8-4F50-408C-95C3-6B61209641DC}"/>
               </a:ext>
             </a:extLst>
           </p:cNvPr>
@@ -14238,8 +14624,98 @@
         </p:blipFill>
         <p:spPr>
           <a:xfrm>
-            <a:off x="834390" y="1781686"/>
-            <a:ext cx="7475220" cy="2903122"/>
+            <a:off x="367863" y="3865527"/>
+            <a:ext cx="1714501" cy="2039162"/>
+          </a:xfrm>
+          <a:prstGeom prst="rect">
+            <a:avLst/>
+          </a:prstGeom>
+        </p:spPr>
+      </p:pic>
+      <p:pic>
+        <p:nvPicPr>
+          <p:cNvPr id="7" name="Picture 6">
+            <a:extLst>
+              <a:ext uri="{FF2B5EF4-FFF2-40B4-BE49-F238E27FC236}">
+                <a16:creationId xmlns:a16="http://schemas.microsoft.com/office/drawing/2014/main" id="{FC56B55F-4C81-4589-B31A-E11F47E0FE36}"/>
+              </a:ext>
+            </a:extLst>
+          </p:cNvPr>
+          <p:cNvPicPr>
+            <a:picLocks noChangeAspect="1"/>
+          </p:cNvPicPr>
+          <p:nvPr/>
+        </p:nvPicPr>
+        <p:blipFill>
+          <a:blip r:embed="rId3"/>
+          <a:stretch>
+            <a:fillRect/>
+          </a:stretch>
+        </p:blipFill>
+        <p:spPr>
+          <a:xfrm>
+            <a:off x="2696653" y="3917849"/>
+            <a:ext cx="1642659" cy="2039162"/>
+          </a:xfrm>
+          <a:prstGeom prst="rect">
+            <a:avLst/>
+          </a:prstGeom>
+        </p:spPr>
+      </p:pic>
+      <p:pic>
+        <p:nvPicPr>
+          <p:cNvPr id="11" name="Picture 10">
+            <a:extLst>
+              <a:ext uri="{FF2B5EF4-FFF2-40B4-BE49-F238E27FC236}">
+                <a16:creationId xmlns:a16="http://schemas.microsoft.com/office/drawing/2014/main" id="{FB848A68-664E-4317-8F6E-D966A8C0157B}"/>
+              </a:ext>
+            </a:extLst>
+          </p:cNvPr>
+          <p:cNvPicPr>
+            <a:picLocks noChangeAspect="1"/>
+          </p:cNvPicPr>
+          <p:nvPr/>
+        </p:nvPicPr>
+        <p:blipFill>
+          <a:blip r:embed="rId4"/>
+          <a:stretch>
+            <a:fillRect/>
+          </a:stretch>
+        </p:blipFill>
+        <p:spPr>
+          <a:xfrm>
+            <a:off x="4953601" y="3917849"/>
+            <a:ext cx="1714501" cy="2045499"/>
+          </a:xfrm>
+          <a:prstGeom prst="rect">
+            <a:avLst/>
+          </a:prstGeom>
+        </p:spPr>
+      </p:pic>
+      <p:pic>
+        <p:nvPicPr>
+          <p:cNvPr id="13" name="Picture 12">
+            <a:extLst>
+              <a:ext uri="{FF2B5EF4-FFF2-40B4-BE49-F238E27FC236}">
+                <a16:creationId xmlns:a16="http://schemas.microsoft.com/office/drawing/2014/main" id="{81B84FD1-7982-4568-97B4-4A85AC061C33}"/>
+              </a:ext>
+            </a:extLst>
+          </p:cNvPr>
+          <p:cNvPicPr>
+            <a:picLocks noChangeAspect="1"/>
+          </p:cNvPicPr>
+          <p:nvPr/>
+        </p:nvPicPr>
+        <p:blipFill>
+          <a:blip r:embed="rId5"/>
+          <a:stretch>
+            <a:fillRect/>
+          </a:stretch>
+        </p:blipFill>
+        <p:spPr>
+          <a:xfrm>
+            <a:off x="7282391" y="3880717"/>
+            <a:ext cx="1610706" cy="2068250"/>
           </a:xfrm>
           <a:prstGeom prst="rect">
             <a:avLst/>
@@ -14249,7 +14725,7 @@
     </p:spTree>
     <p:extLst>
       <p:ext uri="{BB962C8B-B14F-4D97-AF65-F5344CB8AC3E}">
-        <p14:creationId xmlns:p14="http://schemas.microsoft.com/office/powerpoint/2010/main" val="1462814472"/>
+        <p14:creationId xmlns:p14="http://schemas.microsoft.com/office/powerpoint/2010/main" val="961863925"/>
       </p:ext>
     </p:extLst>
   </p:cSld>
@@ -14329,7 +14805,7 @@
                 </a:solidFill>
                 <a:latin typeface="Comic Sans MS" panose="030F0902030302020204" pitchFamily="66" charset="0"/>
               </a:rPr>
-              <a:t>Access Child of Root</a:t>
+              <a:t>Access Root</a:t>
             </a:r>
           </a:p>
         </p:txBody>
@@ -14393,8 +14869,8 @@
         </p:nvSpPr>
         <p:spPr bwMode="auto">
           <a:xfrm>
-            <a:off x="228600" y="1064499"/>
-            <a:ext cx="8229600" cy="608181"/>
+            <a:off x="228600" y="1062644"/>
+            <a:ext cx="8229600" cy="598885"/>
           </a:xfrm>
           <a:prstGeom prst="rect">
             <a:avLst/>
@@ -14628,17 +15104,17 @@
                 <a:uFillTx/>
                 <a:latin typeface="Comic Sans MS" panose="030F0902030302020204" pitchFamily="66" charset="0"/>
               </a:rPr>
-              <a:t>Zig (AVL single rotation)</a:t>
+              <a:t>Do nothing (that was easy!)</a:t>
             </a:r>
           </a:p>
         </p:txBody>
       </p:sp>
       <p:pic>
         <p:nvPicPr>
-          <p:cNvPr id="4" name="Picture 3">
+          <p:cNvPr id="5" name="Picture 4">
             <a:extLst>
               <a:ext uri="{FF2B5EF4-FFF2-40B4-BE49-F238E27FC236}">
-                <a16:creationId xmlns:a16="http://schemas.microsoft.com/office/drawing/2014/main" id="{0AB2646D-4319-4103-904B-986843ABB4B4}"/>
+                <a16:creationId xmlns:a16="http://schemas.microsoft.com/office/drawing/2014/main" id="{F55CB2F9-301C-4E48-B9A3-A47938C12A49}"/>
               </a:ext>
             </a:extLst>
           </p:cNvPr>
@@ -14655,8 +15131,8 @@
         </p:blipFill>
         <p:spPr>
           <a:xfrm>
-            <a:off x="556101" y="1794692"/>
-            <a:ext cx="8031798" cy="3466611"/>
+            <a:off x="834390" y="1781686"/>
+            <a:ext cx="7475220" cy="2903122"/>
           </a:xfrm>
           <a:prstGeom prst="rect">
             <a:avLst/>
@@ -14666,7 +15142,7 @@
     </p:spTree>
     <p:extLst>
       <p:ext uri="{BB962C8B-B14F-4D97-AF65-F5344CB8AC3E}">
-        <p14:creationId xmlns:p14="http://schemas.microsoft.com/office/powerpoint/2010/main" val="2510165664"/>
+        <p14:creationId xmlns:p14="http://schemas.microsoft.com/office/powerpoint/2010/main" val="1462814472"/>
       </p:ext>
     </p:extLst>
   </p:cSld>
@@ -14746,7 +15222,7 @@
                 </a:solidFill>
                 <a:latin typeface="Comic Sans MS" panose="030F0902030302020204" pitchFamily="66" charset="0"/>
               </a:rPr>
-              <a:t>Access (LL, RR) Grandchild</a:t>
+              <a:t>Access Child of Root</a:t>
             </a:r>
           </a:p>
         </p:txBody>
@@ -14794,12 +15270,268 @@
           </a:fontRef>
         </p:style>
       </p:cxnSp>
+      <p:sp>
+        <p:nvSpPr>
+          <p:cNvPr id="9" name="Rectangle 3">
+            <a:extLst>
+              <a:ext uri="{FF2B5EF4-FFF2-40B4-BE49-F238E27FC236}">
+                <a16:creationId xmlns:a16="http://schemas.microsoft.com/office/drawing/2014/main" id="{C9BA43C0-27C4-4A58-9D1F-7EDEA597D291}"/>
+              </a:ext>
+            </a:extLst>
+          </p:cNvPr>
+          <p:cNvSpPr txBox="1">
+            <a:spLocks noChangeArrowheads="1"/>
+          </p:cNvSpPr>
+          <p:nvPr/>
+        </p:nvSpPr>
+        <p:spPr bwMode="auto">
+          <a:xfrm>
+            <a:off x="228600" y="1064499"/>
+            <a:ext cx="8229600" cy="608181"/>
+          </a:xfrm>
+          <a:prstGeom prst="rect">
+            <a:avLst/>
+          </a:prstGeom>
+          <a:noFill/>
+          <a:ln>
+            <a:noFill/>
+          </a:ln>
+          <a:effectLst/>
+          <a:extLst>
+            <a:ext uri="{909E8E84-426E-40DD-AFC4-6F175D3DCCD1}">
+              <a14:hiddenFill xmlns:a14="http://schemas.microsoft.com/office/drawing/2010/main">
+                <a:solidFill>
+                  <a:schemeClr val="accent1"/>
+                </a:solidFill>
+              </a14:hiddenFill>
+            </a:ext>
+            <a:ext uri="{91240B29-F687-4F45-9708-019B960494DF}">
+              <a14:hiddenLine xmlns:a14="http://schemas.microsoft.com/office/drawing/2010/main" w="9525">
+                <a:solidFill>
+                  <a:schemeClr val="tx1"/>
+                </a:solidFill>
+                <a:miter lim="800000"/>
+                <a:headEnd/>
+                <a:tailEnd/>
+              </a14:hiddenLine>
+            </a:ext>
+            <a:ext uri="{AF507438-7753-43E0-B8FC-AC1667EBCBE1}">
+              <a14:hiddenEffects xmlns:a14="http://schemas.microsoft.com/office/drawing/2010/main">
+                <a:effectLst>
+                  <a:outerShdw dist="35921" dir="2700000" algn="ctr" rotWithShape="0">
+                    <a:schemeClr val="bg2"/>
+                  </a:outerShdw>
+                </a:effectLst>
+              </a14:hiddenEffects>
+            </a:ext>
+          </a:extLst>
+        </p:spPr>
+        <p:txBody>
+          <a:bodyPr vert="horz" wrap="square" lIns="91440" tIns="45720" rIns="91440" bIns="45720" numCol="1" anchor="t" anchorCtr="0" compatLnSpc="1">
+            <a:prstTxWarp prst="textNoShape">
+              <a:avLst/>
+            </a:prstTxWarp>
+          </a:bodyPr>
+          <a:lstStyle>
+            <a:lvl1pPr marL="342900" indent="-342900" algn="l" rtl="0" fontAlgn="base">
+              <a:spcBef>
+                <a:spcPct val="20000"/>
+              </a:spcBef>
+              <a:spcAft>
+                <a:spcPct val="0"/>
+              </a:spcAft>
+              <a:buChar char="•"/>
+              <a:defRPr sz="2800" kern="1200">
+                <a:solidFill>
+                  <a:schemeClr val="accent2"/>
+                </a:solidFill>
+                <a:latin typeface="+mn-lt"/>
+                <a:ea typeface="+mn-ea"/>
+                <a:cs typeface="+mn-cs"/>
+              </a:defRPr>
+            </a:lvl1pPr>
+            <a:lvl2pPr marL="742950" indent="-285750" algn="l" rtl="0" fontAlgn="base">
+              <a:spcBef>
+                <a:spcPct val="20000"/>
+              </a:spcBef>
+              <a:spcAft>
+                <a:spcPct val="0"/>
+              </a:spcAft>
+              <a:buChar char="–"/>
+              <a:defRPr sz="2400" kern="1200">
+                <a:solidFill>
+                  <a:schemeClr val="tx1"/>
+                </a:solidFill>
+                <a:latin typeface="+mn-lt"/>
+                <a:ea typeface="+mn-ea"/>
+                <a:cs typeface="+mn-cs"/>
+              </a:defRPr>
+            </a:lvl2pPr>
+            <a:lvl3pPr marL="1143000" indent="-228600" algn="l" rtl="0" fontAlgn="base">
+              <a:spcBef>
+                <a:spcPct val="20000"/>
+              </a:spcBef>
+              <a:spcAft>
+                <a:spcPct val="0"/>
+              </a:spcAft>
+              <a:buChar char="•"/>
+              <a:defRPr sz="2000" kern="1200">
+                <a:solidFill>
+                  <a:schemeClr val="accent2"/>
+                </a:solidFill>
+                <a:latin typeface="+mn-lt"/>
+                <a:ea typeface="+mn-ea"/>
+                <a:cs typeface="+mn-cs"/>
+              </a:defRPr>
+            </a:lvl3pPr>
+            <a:lvl4pPr marL="1600200" indent="-228600" algn="l" rtl="0" fontAlgn="base">
+              <a:spcBef>
+                <a:spcPct val="20000"/>
+              </a:spcBef>
+              <a:spcAft>
+                <a:spcPct val="0"/>
+              </a:spcAft>
+              <a:buChar char="–"/>
+              <a:defRPr kern="1200">
+                <a:solidFill>
+                  <a:schemeClr val="tx1"/>
+                </a:solidFill>
+                <a:latin typeface="+mn-lt"/>
+                <a:ea typeface="+mn-ea"/>
+                <a:cs typeface="+mn-cs"/>
+              </a:defRPr>
+            </a:lvl4pPr>
+            <a:lvl5pPr marL="2057400" indent="-228600" algn="l" rtl="0" fontAlgn="base">
+              <a:spcBef>
+                <a:spcPct val="20000"/>
+              </a:spcBef>
+              <a:spcAft>
+                <a:spcPct val="0"/>
+              </a:spcAft>
+              <a:buChar char="»"/>
+              <a:defRPr sz="1600" kern="1200">
+                <a:solidFill>
+                  <a:schemeClr val="tx1"/>
+                </a:solidFill>
+                <a:latin typeface="+mn-lt"/>
+                <a:ea typeface="+mn-ea"/>
+                <a:cs typeface="+mn-cs"/>
+              </a:defRPr>
+            </a:lvl5pPr>
+            <a:lvl6pPr marL="2514600" indent="-228600" algn="l" defTabSz="914400" rtl="0" eaLnBrk="1" latinLnBrk="0" hangingPunct="1">
+              <a:lnSpc>
+                <a:spcPct val="90000"/>
+              </a:lnSpc>
+              <a:spcBef>
+                <a:spcPts val="500"/>
+              </a:spcBef>
+              <a:buFont typeface="Arial" panose="020B0604020202020204" pitchFamily="34" charset="0"/>
+              <a:buChar char="•"/>
+              <a:defRPr sz="1800" kern="1200">
+                <a:solidFill>
+                  <a:schemeClr val="tx1"/>
+                </a:solidFill>
+                <a:latin typeface="+mn-lt"/>
+                <a:ea typeface="+mn-ea"/>
+                <a:cs typeface="+mn-cs"/>
+              </a:defRPr>
+            </a:lvl6pPr>
+            <a:lvl7pPr marL="2971800" indent="-228600" algn="l" defTabSz="914400" rtl="0" eaLnBrk="1" latinLnBrk="0" hangingPunct="1">
+              <a:lnSpc>
+                <a:spcPct val="90000"/>
+              </a:lnSpc>
+              <a:spcBef>
+                <a:spcPts val="500"/>
+              </a:spcBef>
+              <a:buFont typeface="Arial" panose="020B0604020202020204" pitchFamily="34" charset="0"/>
+              <a:buChar char="•"/>
+              <a:defRPr sz="1800" kern="1200">
+                <a:solidFill>
+                  <a:schemeClr val="tx1"/>
+                </a:solidFill>
+                <a:latin typeface="+mn-lt"/>
+                <a:ea typeface="+mn-ea"/>
+                <a:cs typeface="+mn-cs"/>
+              </a:defRPr>
+            </a:lvl7pPr>
+            <a:lvl8pPr marL="3429000" indent="-228600" algn="l" defTabSz="914400" rtl="0" eaLnBrk="1" latinLnBrk="0" hangingPunct="1">
+              <a:lnSpc>
+                <a:spcPct val="90000"/>
+              </a:lnSpc>
+              <a:spcBef>
+                <a:spcPts val="500"/>
+              </a:spcBef>
+              <a:buFont typeface="Arial" panose="020B0604020202020204" pitchFamily="34" charset="0"/>
+              <a:buChar char="•"/>
+              <a:defRPr sz="1800" kern="1200">
+                <a:solidFill>
+                  <a:schemeClr val="tx1"/>
+                </a:solidFill>
+                <a:latin typeface="+mn-lt"/>
+                <a:ea typeface="+mn-ea"/>
+                <a:cs typeface="+mn-cs"/>
+              </a:defRPr>
+            </a:lvl8pPr>
+            <a:lvl9pPr marL="3886200" indent="-228600" algn="l" defTabSz="914400" rtl="0" eaLnBrk="1" latinLnBrk="0" hangingPunct="1">
+              <a:lnSpc>
+                <a:spcPct val="90000"/>
+              </a:lnSpc>
+              <a:spcBef>
+                <a:spcPts val="500"/>
+              </a:spcBef>
+              <a:buFont typeface="Arial" panose="020B0604020202020204" pitchFamily="34" charset="0"/>
+              <a:buChar char="•"/>
+              <a:defRPr sz="1800" kern="1200">
+                <a:solidFill>
+                  <a:schemeClr val="tx1"/>
+                </a:solidFill>
+                <a:latin typeface="+mn-lt"/>
+                <a:ea typeface="+mn-ea"/>
+                <a:cs typeface="+mn-cs"/>
+              </a:defRPr>
+            </a:lvl9pPr>
+          </a:lstStyle>
+          <a:p>
+            <a:pPr marL="0" marR="0" lvl="0" indent="0" algn="l" defTabSz="914400" rtl="0" eaLnBrk="1" fontAlgn="base" latinLnBrk="0" hangingPunct="1">
+              <a:lnSpc>
+                <a:spcPct val="120000"/>
+              </a:lnSpc>
+              <a:spcBef>
+                <a:spcPct val="20000"/>
+              </a:spcBef>
+              <a:spcAft>
+                <a:spcPct val="0"/>
+              </a:spcAft>
+              <a:buClrTx/>
+              <a:buSzTx/>
+              <a:buNone/>
+              <a:tabLst/>
+              <a:defRPr/>
+            </a:pPr>
+            <a:r>
+              <a:rPr kumimoji="0" lang="en-US" altLang="en-US" sz="2400" u="none" strike="noStrike" kern="1200" cap="none" spc="0" normalizeH="0" baseline="0" noProof="0" dirty="0">
+                <a:ln>
+                  <a:noFill/>
+                </a:ln>
+                <a:solidFill>
+                  <a:schemeClr val="tx1"/>
+                </a:solidFill>
+                <a:effectLst/>
+                <a:uLnTx/>
+                <a:uFillTx/>
+                <a:latin typeface="Comic Sans MS" panose="030F0902030302020204" pitchFamily="66" charset="0"/>
+              </a:rPr>
+              <a:t>Zig (AVL single rotation)</a:t>
+            </a:r>
+          </a:p>
+        </p:txBody>
+      </p:sp>
       <p:pic>
         <p:nvPicPr>
-          <p:cNvPr id="5" name="Picture 4">
+          <p:cNvPr id="4" name="Picture 3">
             <a:extLst>
               <a:ext uri="{FF2B5EF4-FFF2-40B4-BE49-F238E27FC236}">
-                <a16:creationId xmlns:a16="http://schemas.microsoft.com/office/drawing/2014/main" id="{EDA1F883-8E58-4D31-9272-87DF065EAAD5}"/>
+                <a16:creationId xmlns:a16="http://schemas.microsoft.com/office/drawing/2014/main" id="{0AB2646D-4319-4103-904B-986843ABB4B4}"/>
               </a:ext>
             </a:extLst>
           </p:cNvPr>
@@ -14816,274 +15548,18 @@
         </p:blipFill>
         <p:spPr>
           <a:xfrm>
-            <a:off x="577214" y="1746175"/>
-            <a:ext cx="7989570" cy="4033249"/>
+            <a:off x="556101" y="1794692"/>
+            <a:ext cx="8031798" cy="3466611"/>
           </a:xfrm>
           <a:prstGeom prst="rect">
             <a:avLst/>
           </a:prstGeom>
         </p:spPr>
       </p:pic>
-      <p:sp>
-        <p:nvSpPr>
-          <p:cNvPr id="2" name="Rectangle 3">
-            <a:extLst>
-              <a:ext uri="{FF2B5EF4-FFF2-40B4-BE49-F238E27FC236}">
-                <a16:creationId xmlns:a16="http://schemas.microsoft.com/office/drawing/2014/main" id="{362BA5A0-9FCA-8AA8-9C5A-45AC75DF588A}"/>
-              </a:ext>
-            </a:extLst>
-          </p:cNvPr>
-          <p:cNvSpPr txBox="1">
-            <a:spLocks noChangeArrowheads="1"/>
-          </p:cNvSpPr>
-          <p:nvPr/>
-        </p:nvSpPr>
-        <p:spPr bwMode="auto">
-          <a:xfrm>
-            <a:off x="228600" y="1045123"/>
-            <a:ext cx="8229600" cy="537587"/>
-          </a:xfrm>
-          <a:prstGeom prst="rect">
-            <a:avLst/>
-          </a:prstGeom>
-          <a:noFill/>
-          <a:ln>
-            <a:noFill/>
-          </a:ln>
-          <a:effectLst/>
-          <a:extLst>
-            <a:ext uri="{909E8E84-426E-40DD-AFC4-6F175D3DCCD1}">
-              <a14:hiddenFill xmlns:a14="http://schemas.microsoft.com/office/drawing/2010/main">
-                <a:solidFill>
-                  <a:schemeClr val="accent1"/>
-                </a:solidFill>
-              </a14:hiddenFill>
-            </a:ext>
-            <a:ext uri="{91240B29-F687-4F45-9708-019B960494DF}">
-              <a14:hiddenLine xmlns:a14="http://schemas.microsoft.com/office/drawing/2010/main" w="9525">
-                <a:solidFill>
-                  <a:schemeClr val="tx1"/>
-                </a:solidFill>
-                <a:miter lim="800000"/>
-                <a:headEnd/>
-                <a:tailEnd/>
-              </a14:hiddenLine>
-            </a:ext>
-            <a:ext uri="{AF507438-7753-43E0-B8FC-AC1667EBCBE1}">
-              <a14:hiddenEffects xmlns:a14="http://schemas.microsoft.com/office/drawing/2010/main">
-                <a:effectLst>
-                  <a:outerShdw dist="35921" dir="2700000" algn="ctr" rotWithShape="0">
-                    <a:schemeClr val="bg2"/>
-                  </a:outerShdw>
-                </a:effectLst>
-              </a14:hiddenEffects>
-            </a:ext>
-          </a:extLst>
-        </p:spPr>
-        <p:txBody>
-          <a:bodyPr vert="horz" wrap="square" lIns="91440" tIns="45720" rIns="91440" bIns="45720" numCol="1" anchor="t" anchorCtr="0" compatLnSpc="1">
-            <a:prstTxWarp prst="textNoShape">
-              <a:avLst/>
-            </a:prstTxWarp>
-          </a:bodyPr>
-          <a:lstStyle>
-            <a:lvl1pPr marL="342900" indent="-342900" algn="l" rtl="0" fontAlgn="base">
-              <a:spcBef>
-                <a:spcPct val="20000"/>
-              </a:spcBef>
-              <a:spcAft>
-                <a:spcPct val="0"/>
-              </a:spcAft>
-              <a:buChar char="•"/>
-              <a:defRPr sz="2800" kern="1200">
-                <a:solidFill>
-                  <a:schemeClr val="accent2"/>
-                </a:solidFill>
-                <a:latin typeface="+mn-lt"/>
-                <a:ea typeface="+mn-ea"/>
-                <a:cs typeface="+mn-cs"/>
-              </a:defRPr>
-            </a:lvl1pPr>
-            <a:lvl2pPr marL="742950" indent="-285750" algn="l" rtl="0" fontAlgn="base">
-              <a:spcBef>
-                <a:spcPct val="20000"/>
-              </a:spcBef>
-              <a:spcAft>
-                <a:spcPct val="0"/>
-              </a:spcAft>
-              <a:buChar char="–"/>
-              <a:defRPr sz="2400" kern="1200">
-                <a:solidFill>
-                  <a:schemeClr val="tx1"/>
-                </a:solidFill>
-                <a:latin typeface="+mn-lt"/>
-                <a:ea typeface="+mn-ea"/>
-                <a:cs typeface="+mn-cs"/>
-              </a:defRPr>
-            </a:lvl2pPr>
-            <a:lvl3pPr marL="1143000" indent="-228600" algn="l" rtl="0" fontAlgn="base">
-              <a:spcBef>
-                <a:spcPct val="20000"/>
-              </a:spcBef>
-              <a:spcAft>
-                <a:spcPct val="0"/>
-              </a:spcAft>
-              <a:buChar char="•"/>
-              <a:defRPr sz="2000" kern="1200">
-                <a:solidFill>
-                  <a:schemeClr val="accent2"/>
-                </a:solidFill>
-                <a:latin typeface="+mn-lt"/>
-                <a:ea typeface="+mn-ea"/>
-                <a:cs typeface="+mn-cs"/>
-              </a:defRPr>
-            </a:lvl3pPr>
-            <a:lvl4pPr marL="1600200" indent="-228600" algn="l" rtl="0" fontAlgn="base">
-              <a:spcBef>
-                <a:spcPct val="20000"/>
-              </a:spcBef>
-              <a:spcAft>
-                <a:spcPct val="0"/>
-              </a:spcAft>
-              <a:buChar char="–"/>
-              <a:defRPr kern="1200">
-                <a:solidFill>
-                  <a:schemeClr val="tx1"/>
-                </a:solidFill>
-                <a:latin typeface="+mn-lt"/>
-                <a:ea typeface="+mn-ea"/>
-                <a:cs typeface="+mn-cs"/>
-              </a:defRPr>
-            </a:lvl4pPr>
-            <a:lvl5pPr marL="2057400" indent="-228600" algn="l" rtl="0" fontAlgn="base">
-              <a:spcBef>
-                <a:spcPct val="20000"/>
-              </a:spcBef>
-              <a:spcAft>
-                <a:spcPct val="0"/>
-              </a:spcAft>
-              <a:buChar char="»"/>
-              <a:defRPr sz="1600" kern="1200">
-                <a:solidFill>
-                  <a:schemeClr val="tx1"/>
-                </a:solidFill>
-                <a:latin typeface="+mn-lt"/>
-                <a:ea typeface="+mn-ea"/>
-                <a:cs typeface="+mn-cs"/>
-              </a:defRPr>
-            </a:lvl5pPr>
-            <a:lvl6pPr marL="2514600" indent="-228600" algn="l" defTabSz="914400" rtl="0" eaLnBrk="1" latinLnBrk="0" hangingPunct="1">
-              <a:lnSpc>
-                <a:spcPct val="90000"/>
-              </a:lnSpc>
-              <a:spcBef>
-                <a:spcPts val="500"/>
-              </a:spcBef>
-              <a:buFont typeface="Arial" panose="020B0604020202020204" pitchFamily="34" charset="0"/>
-              <a:buChar char="•"/>
-              <a:defRPr sz="1800" kern="1200">
-                <a:solidFill>
-                  <a:schemeClr val="tx1"/>
-                </a:solidFill>
-                <a:latin typeface="+mn-lt"/>
-                <a:ea typeface="+mn-ea"/>
-                <a:cs typeface="+mn-cs"/>
-              </a:defRPr>
-            </a:lvl6pPr>
-            <a:lvl7pPr marL="2971800" indent="-228600" algn="l" defTabSz="914400" rtl="0" eaLnBrk="1" latinLnBrk="0" hangingPunct="1">
-              <a:lnSpc>
-                <a:spcPct val="90000"/>
-              </a:lnSpc>
-              <a:spcBef>
-                <a:spcPts val="500"/>
-              </a:spcBef>
-              <a:buFont typeface="Arial" panose="020B0604020202020204" pitchFamily="34" charset="0"/>
-              <a:buChar char="•"/>
-              <a:defRPr sz="1800" kern="1200">
-                <a:solidFill>
-                  <a:schemeClr val="tx1"/>
-                </a:solidFill>
-                <a:latin typeface="+mn-lt"/>
-                <a:ea typeface="+mn-ea"/>
-                <a:cs typeface="+mn-cs"/>
-              </a:defRPr>
-            </a:lvl7pPr>
-            <a:lvl8pPr marL="3429000" indent="-228600" algn="l" defTabSz="914400" rtl="0" eaLnBrk="1" latinLnBrk="0" hangingPunct="1">
-              <a:lnSpc>
-                <a:spcPct val="90000"/>
-              </a:lnSpc>
-              <a:spcBef>
-                <a:spcPts val="500"/>
-              </a:spcBef>
-              <a:buFont typeface="Arial" panose="020B0604020202020204" pitchFamily="34" charset="0"/>
-              <a:buChar char="•"/>
-              <a:defRPr sz="1800" kern="1200">
-                <a:solidFill>
-                  <a:schemeClr val="tx1"/>
-                </a:solidFill>
-                <a:latin typeface="+mn-lt"/>
-                <a:ea typeface="+mn-ea"/>
-                <a:cs typeface="+mn-cs"/>
-              </a:defRPr>
-            </a:lvl8pPr>
-            <a:lvl9pPr marL="3886200" indent="-228600" algn="l" defTabSz="914400" rtl="0" eaLnBrk="1" latinLnBrk="0" hangingPunct="1">
-              <a:lnSpc>
-                <a:spcPct val="90000"/>
-              </a:lnSpc>
-              <a:spcBef>
-                <a:spcPts val="500"/>
-              </a:spcBef>
-              <a:buFont typeface="Arial" panose="020B0604020202020204" pitchFamily="34" charset="0"/>
-              <a:buChar char="•"/>
-              <a:defRPr sz="1800" kern="1200">
-                <a:solidFill>
-                  <a:schemeClr val="tx1"/>
-                </a:solidFill>
-                <a:latin typeface="+mn-lt"/>
-                <a:ea typeface="+mn-ea"/>
-                <a:cs typeface="+mn-cs"/>
-              </a:defRPr>
-            </a:lvl9pPr>
-          </a:lstStyle>
-          <a:p>
-            <a:pPr marL="0" marR="0" lvl="0" indent="0" algn="l" defTabSz="914400" rtl="0" eaLnBrk="1" fontAlgn="base" latinLnBrk="0" hangingPunct="1">
-              <a:lnSpc>
-                <a:spcPct val="120000"/>
-              </a:lnSpc>
-              <a:spcBef>
-                <a:spcPct val="20000"/>
-              </a:spcBef>
-              <a:spcAft>
-                <a:spcPct val="0"/>
-              </a:spcAft>
-              <a:buClrTx/>
-              <a:buSzTx/>
-              <a:buNone/>
-              <a:tabLst/>
-              <a:defRPr/>
-            </a:pPr>
-            <a:r>
-              <a:rPr kumimoji="0" lang="en-US" altLang="en-US" sz="2400" u="none" strike="noStrike" kern="1200" cap="none" spc="0" normalizeH="0" baseline="0" noProof="0" dirty="0">
-                <a:ln>
-                  <a:noFill/>
-                </a:ln>
-                <a:solidFill>
-                  <a:schemeClr val="tx1"/>
-                </a:solidFill>
-                <a:effectLst/>
-                <a:uLnTx/>
-                <a:uFillTx/>
-                <a:latin typeface="Comic Sans MS" panose="030F0902030302020204" pitchFamily="66" charset="0"/>
-              </a:rPr>
-              <a:t>Zig-Zag</a:t>
-            </a:r>
-          </a:p>
-        </p:txBody>
-      </p:sp>
     </p:spTree>
     <p:extLst>
       <p:ext uri="{BB962C8B-B14F-4D97-AF65-F5344CB8AC3E}">
-        <p14:creationId xmlns:p14="http://schemas.microsoft.com/office/powerpoint/2010/main" val="851797071"/>
+        <p14:creationId xmlns:p14="http://schemas.microsoft.com/office/powerpoint/2010/main" val="2510165664"/>
       </p:ext>
     </p:extLst>
   </p:cSld>

--- a/teaching/25F-2110/slides/2110-topic 6-Splay Tree.pptx
+++ b/teaching/25F-2110/slides/2110-topic 6-Splay Tree.pptx
@@ -771,6 +771,1149 @@
     <p:extLst>
       <p:ext uri="{BB962C8B-B14F-4D97-AF65-F5344CB8AC3E}">
         <p14:creationId xmlns:p14="http://schemas.microsoft.com/office/powerpoint/2010/main" val="1367029801"/>
+      </p:ext>
+    </p:extLst>
+  </p:cSld>
+  <p:clrMapOvr>
+    <a:masterClrMapping/>
+  </p:clrMapOvr>
+</p:notes>
+</file>
+
+<file path=ppt/notesSlides/notesSlide2.xml><?xml version="1.0" encoding="utf-8"?>
+<p:notes xmlns:a="http://schemas.openxmlformats.org/drawingml/2006/main" xmlns:r="http://schemas.openxmlformats.org/officeDocument/2006/relationships" xmlns:p="http://schemas.openxmlformats.org/presentationml/2006/main">
+  <p:cSld>
+    <p:spTree>
+      <p:nvGrpSpPr>
+        <p:cNvPr id="1" name=""/>
+        <p:cNvGrpSpPr/>
+        <p:nvPr/>
+      </p:nvGrpSpPr>
+      <p:grpSpPr>
+        <a:xfrm>
+          <a:off x="0" y="0"/>
+          <a:ext cx="0" cy="0"/>
+          <a:chOff x="0" y="0"/>
+          <a:chExt cx="0" cy="0"/>
+        </a:xfrm>
+      </p:grpSpPr>
+      <p:sp>
+        <p:nvSpPr>
+          <p:cNvPr id="2" name="Slide Image Placeholder 1"/>
+          <p:cNvSpPr>
+            <a:spLocks noGrp="1" noRot="1" noChangeAspect="1"/>
+          </p:cNvSpPr>
+          <p:nvPr>
+            <p:ph type="sldImg"/>
+          </p:nvPr>
+        </p:nvSpPr>
+        <p:spPr/>
+      </p:sp>
+      <p:sp>
+        <p:nvSpPr>
+          <p:cNvPr id="3" name="Notes Placeholder 2"/>
+          <p:cNvSpPr>
+            <a:spLocks noGrp="1"/>
+          </p:cNvSpPr>
+          <p:nvPr>
+            <p:ph type="body" idx="1"/>
+          </p:nvPr>
+        </p:nvSpPr>
+        <p:spPr/>
+        <p:txBody>
+          <a:bodyPr/>
+          <a:lstStyle/>
+          <a:p>
+            <a:r>
+              <a:rPr lang="ja-JP" altLang="en-US"/>
+              <a:t>天我们要学习一种非常有趣的数据结构</a:t>
+            </a:r>
+            <a:r>
+              <a:rPr lang="en-US" altLang="ja-JP" dirty="0"/>
+              <a:t>——</a:t>
+            </a:r>
+            <a:r>
+              <a:rPr lang="en-US" b="1" dirty="0"/>
+              <a:t>Splay Tree（</a:t>
+            </a:r>
+            <a:r>
+              <a:rPr lang="ja-JP" altLang="en-US" b="1"/>
+              <a:t>伸展树）</a:t>
+            </a:r>
+            <a:r>
+              <a:rPr lang="ja-JP" altLang="en-US"/>
+              <a:t>。</a:t>
+            </a:r>
+            <a:br>
+              <a:rPr lang="ja-JP" altLang="en-US"/>
+            </a:br>
+            <a:r>
+              <a:rPr lang="ja-JP" altLang="en-US"/>
+              <a:t>这一章主要分为三个部分：</a:t>
+            </a:r>
+            <a:br>
+              <a:rPr lang="ja-JP" altLang="en-US"/>
+            </a:br>
+            <a:r>
+              <a:rPr lang="ja-JP" altLang="en-US"/>
+              <a:t>第一，我们会讲它的</a:t>
+            </a:r>
+            <a:r>
+              <a:rPr lang="ja-JP" altLang="en-US" b="1"/>
+              <a:t>插入（</a:t>
+            </a:r>
+            <a:r>
+              <a:rPr lang="en-US" b="1" dirty="0"/>
+              <a:t>insertion）</a:t>
+            </a:r>
+            <a:r>
+              <a:rPr lang="en-US" dirty="0"/>
+              <a:t>；</a:t>
+            </a:r>
+            <a:br>
+              <a:rPr lang="en-US" dirty="0"/>
+            </a:br>
+            <a:r>
+              <a:rPr lang="ja-JP" altLang="en-US"/>
+              <a:t>第二，是</a:t>
+            </a:r>
+            <a:r>
+              <a:rPr lang="ja-JP" altLang="en-US" b="1"/>
+              <a:t>查找（</a:t>
+            </a:r>
+            <a:r>
+              <a:rPr lang="en-US" b="1" dirty="0"/>
+              <a:t>find）</a:t>
+            </a:r>
+            <a:r>
+              <a:rPr lang="en-US" dirty="0"/>
+              <a:t>；</a:t>
+            </a:r>
+            <a:br>
+              <a:rPr lang="en-US" dirty="0"/>
+            </a:br>
+            <a:r>
+              <a:rPr lang="ja-JP" altLang="en-US"/>
+              <a:t>第三，是</a:t>
+            </a:r>
+            <a:r>
+              <a:rPr lang="ja-JP" altLang="en-US" b="1"/>
+              <a:t>删除（</a:t>
+            </a:r>
+            <a:r>
+              <a:rPr lang="en-US" b="1" dirty="0"/>
+              <a:t>deletion）</a:t>
+            </a:r>
+            <a:r>
+              <a:rPr lang="en-US" dirty="0"/>
+              <a:t>。</a:t>
+            </a:r>
+          </a:p>
+        </p:txBody>
+      </p:sp>
+      <p:sp>
+        <p:nvSpPr>
+          <p:cNvPr id="4" name="Slide Number Placeholder 3"/>
+          <p:cNvSpPr>
+            <a:spLocks noGrp="1"/>
+          </p:cNvSpPr>
+          <p:nvPr>
+            <p:ph type="sldNum" sz="quarter" idx="5"/>
+          </p:nvPr>
+        </p:nvSpPr>
+        <p:spPr/>
+        <p:txBody>
+          <a:bodyPr/>
+          <a:lstStyle/>
+          <a:p>
+            <a:fld id="{24009DEB-A5ED-49DA-809F-4D64373B3F6A}" type="slidenum">
+              <a:rPr lang="en-US" smtClean="0"/>
+              <a:pPr/>
+              <a:t>2</a:t>
+            </a:fld>
+            <a:endParaRPr lang="en-US" dirty="0"/>
+          </a:p>
+        </p:txBody>
+      </p:sp>
+    </p:spTree>
+    <p:extLst>
+      <p:ext uri="{BB962C8B-B14F-4D97-AF65-F5344CB8AC3E}">
+        <p14:creationId xmlns:p14="http://schemas.microsoft.com/office/powerpoint/2010/main" val="872456776"/>
+      </p:ext>
+    </p:extLst>
+  </p:cSld>
+  <p:clrMapOvr>
+    <a:masterClrMapping/>
+  </p:clrMapOvr>
+</p:notes>
+</file>
+
+<file path=ppt/notesSlides/notesSlide3.xml><?xml version="1.0" encoding="utf-8"?>
+<p:notes xmlns:a="http://schemas.openxmlformats.org/drawingml/2006/main" xmlns:r="http://schemas.openxmlformats.org/officeDocument/2006/relationships" xmlns:p="http://schemas.openxmlformats.org/presentationml/2006/main">
+  <p:cSld>
+    <p:spTree>
+      <p:nvGrpSpPr>
+        <p:cNvPr id="1" name=""/>
+        <p:cNvGrpSpPr/>
+        <p:nvPr/>
+      </p:nvGrpSpPr>
+      <p:grpSpPr>
+        <a:xfrm>
+          <a:off x="0" y="0"/>
+          <a:ext cx="0" cy="0"/>
+          <a:chOff x="0" y="0"/>
+          <a:chExt cx="0" cy="0"/>
+        </a:xfrm>
+      </p:grpSpPr>
+      <p:sp>
+        <p:nvSpPr>
+          <p:cNvPr id="2" name="Slide Image Placeholder 1"/>
+          <p:cNvSpPr>
+            <a:spLocks noGrp="1" noRot="1" noChangeAspect="1"/>
+          </p:cNvSpPr>
+          <p:nvPr>
+            <p:ph type="sldImg"/>
+          </p:nvPr>
+        </p:nvSpPr>
+        <p:spPr/>
+      </p:sp>
+      <p:sp>
+        <p:nvSpPr>
+          <p:cNvPr id="3" name="Notes Placeholder 2"/>
+          <p:cNvSpPr>
+            <a:spLocks noGrp="1"/>
+          </p:cNvSpPr>
+          <p:nvPr>
+            <p:ph type="body" idx="1"/>
+          </p:nvPr>
+        </p:nvSpPr>
+        <p:spPr/>
+        <p:txBody>
+          <a:bodyPr/>
+          <a:lstStyle/>
+          <a:p>
+            <a:r>
+              <a:rPr lang="en-US" dirty="0"/>
+              <a:t>“Self-adjusting Trees”，</a:t>
+            </a:r>
+            <a:r>
+              <a:rPr lang="ja-JP" altLang="en-US"/>
+              <a:t>也就是</a:t>
+            </a:r>
+            <a:r>
+              <a:rPr lang="ja-JP" altLang="en-US" b="1"/>
+              <a:t>自调整树</a:t>
+            </a:r>
+            <a:r>
+              <a:rPr lang="zh-CN" altLang="en-US" b="1" dirty="0"/>
+              <a:t>。</a:t>
+            </a:r>
+            <a:endParaRPr lang="en-US" altLang="zh-CN" b="1" dirty="0"/>
+          </a:p>
+          <a:p>
+            <a:endParaRPr lang="en-US" altLang="zh-CN" b="1" dirty="0"/>
+          </a:p>
+          <a:p>
+            <a:r>
+              <a:rPr lang="ja-JP" altLang="en-US"/>
+              <a:t>在普通的 </a:t>
+            </a:r>
+            <a:r>
+              <a:rPr lang="en-US" dirty="0"/>
+              <a:t>BST </a:t>
+            </a:r>
+            <a:r>
+              <a:rPr lang="ja-JP" altLang="en-US"/>
+              <a:t>里，</a:t>
+            </a:r>
+            <a:r>
+              <a:rPr lang="ja-JP" altLang="en-US" b="1"/>
+              <a:t>树的形状完全取决于插入的顺序</a:t>
+            </a:r>
+            <a:r>
+              <a:rPr lang="ja-JP" altLang="en-US"/>
+              <a:t>。比如，如果我们按升序插入一组数字，那么树就会变成一条“链”一样的结构。</a:t>
+            </a:r>
+            <a:endParaRPr lang="en-US" altLang="ja-JP" dirty="0"/>
+          </a:p>
+          <a:p>
+            <a:endParaRPr lang="en-US" dirty="0"/>
+          </a:p>
+          <a:p>
+            <a:r>
+              <a:rPr lang="ja-JP" altLang="en-US" b="1"/>
+              <a:t>平衡树（</a:t>
+            </a:r>
+            <a:r>
+              <a:rPr lang="en-US" b="1" dirty="0"/>
+              <a:t>Balanced Trees）</a:t>
+            </a:r>
+            <a:r>
+              <a:rPr lang="en-US" dirty="0"/>
+              <a:t>，</a:t>
+            </a:r>
+            <a:r>
+              <a:rPr lang="ja-JP" altLang="en-US"/>
+              <a:t>比如 </a:t>
+            </a:r>
+            <a:r>
+              <a:rPr lang="en-US" dirty="0"/>
+              <a:t>AVL </a:t>
+            </a:r>
+            <a:r>
+              <a:rPr lang="ja-JP" altLang="en-US"/>
+              <a:t>树或者红黑树。这类树在节点插入或删除之后，会强制保持树的平衡。举个例子，当你插入一个节点，</a:t>
+            </a:r>
+            <a:r>
+              <a:rPr lang="en-US" dirty="0"/>
+              <a:t>AVL </a:t>
+            </a:r>
+            <a:r>
+              <a:rPr lang="ja-JP" altLang="en-US"/>
+              <a:t>树会检测平衡因子，如果不平衡就旋转。所以，</a:t>
+            </a:r>
+            <a:r>
+              <a:rPr lang="ja-JP" altLang="en-US" b="1"/>
+              <a:t>不管你插入还是删除，树始终保持平衡</a:t>
+            </a:r>
+            <a:r>
+              <a:rPr lang="ja-JP" altLang="en-US"/>
+              <a:t>，</a:t>
+            </a:r>
+            <a:endParaRPr lang="en-US" altLang="ja-JP" dirty="0"/>
+          </a:p>
+          <a:p>
+            <a:endParaRPr lang="en-US" dirty="0"/>
+          </a:p>
+          <a:p>
+            <a:r>
+              <a:rPr lang="en-US" b="1" dirty="0"/>
+              <a:t>Self-adjusting Trees（</a:t>
+            </a:r>
+            <a:r>
+              <a:rPr lang="ja-JP" altLang="en-US" b="1"/>
+              <a:t>自调整树）</a:t>
+            </a:r>
+            <a:r>
+              <a:rPr lang="ja-JP" altLang="en-US"/>
+              <a:t>。它跟 </a:t>
+            </a:r>
+            <a:r>
+              <a:rPr lang="en-US" dirty="0"/>
+              <a:t>AVL </a:t>
+            </a:r>
+            <a:r>
+              <a:rPr lang="ja-JP" altLang="en-US"/>
+              <a:t>不一样，它</a:t>
+            </a:r>
+            <a:r>
+              <a:rPr lang="ja-JP" altLang="en-US" b="1"/>
+              <a:t>不会在每次插入或删除后立刻保持平衡</a:t>
+            </a:r>
+            <a:r>
+              <a:rPr lang="ja-JP" altLang="en-US"/>
+              <a:t>，而是</a:t>
+            </a:r>
+            <a:r>
+              <a:rPr lang="ja-JP" altLang="en-US" b="1"/>
+              <a:t>在访问节点的时候</a:t>
+            </a:r>
+            <a:r>
+              <a:rPr lang="ja-JP" altLang="en-US"/>
+              <a:t>，自动调整结构，让常访问的节点靠近根部。</a:t>
+            </a:r>
+          </a:p>
+          <a:p>
+            <a:r>
+              <a:rPr lang="ja-JP" altLang="en-US"/>
+              <a:t>换句话说，它更聪明一点</a:t>
+            </a:r>
+            <a:r>
+              <a:rPr lang="en-US" altLang="ja-JP" dirty="0"/>
+              <a:t>——</a:t>
+            </a:r>
+            <a:r>
+              <a:rPr lang="ja-JP" altLang="en-US"/>
+              <a:t>它能根据使用频率动态地重组结构，让你下次访问更快。</a:t>
+            </a:r>
+          </a:p>
+          <a:p>
+            <a:endParaRPr lang="en-US" dirty="0"/>
+          </a:p>
+        </p:txBody>
+      </p:sp>
+      <p:sp>
+        <p:nvSpPr>
+          <p:cNvPr id="4" name="Slide Number Placeholder 3"/>
+          <p:cNvSpPr>
+            <a:spLocks noGrp="1"/>
+          </p:cNvSpPr>
+          <p:nvPr>
+            <p:ph type="sldNum" sz="quarter" idx="5"/>
+          </p:nvPr>
+        </p:nvSpPr>
+        <p:spPr/>
+        <p:txBody>
+          <a:bodyPr/>
+          <a:lstStyle/>
+          <a:p>
+            <a:fld id="{24009DEB-A5ED-49DA-809F-4D64373B3F6A}" type="slidenum">
+              <a:rPr lang="en-US" smtClean="0"/>
+              <a:pPr/>
+              <a:t>4</a:t>
+            </a:fld>
+            <a:endParaRPr lang="en-US" dirty="0"/>
+          </a:p>
+        </p:txBody>
+      </p:sp>
+    </p:spTree>
+    <p:extLst>
+      <p:ext uri="{BB962C8B-B14F-4D97-AF65-F5344CB8AC3E}">
+        <p14:creationId xmlns:p14="http://schemas.microsoft.com/office/powerpoint/2010/main" val="1987521157"/>
+      </p:ext>
+    </p:extLst>
+  </p:cSld>
+  <p:clrMapOvr>
+    <a:masterClrMapping/>
+  </p:clrMapOvr>
+</p:notes>
+</file>
+
+<file path=ppt/notesSlides/notesSlide4.xml><?xml version="1.0" encoding="utf-8"?>
+<p:notes xmlns:a="http://schemas.openxmlformats.org/drawingml/2006/main" xmlns:r="http://schemas.openxmlformats.org/officeDocument/2006/relationships" xmlns:p="http://schemas.openxmlformats.org/presentationml/2006/main">
+  <p:cSld>
+    <p:spTree>
+      <p:nvGrpSpPr>
+        <p:cNvPr id="1" name=""/>
+        <p:cNvGrpSpPr/>
+        <p:nvPr/>
+      </p:nvGrpSpPr>
+      <p:grpSpPr>
+        <a:xfrm>
+          <a:off x="0" y="0"/>
+          <a:ext cx="0" cy="0"/>
+          <a:chOff x="0" y="0"/>
+          <a:chExt cx="0" cy="0"/>
+        </a:xfrm>
+      </p:grpSpPr>
+      <p:sp>
+        <p:nvSpPr>
+          <p:cNvPr id="2" name="Slide Image Placeholder 1"/>
+          <p:cNvSpPr>
+            <a:spLocks noGrp="1" noRot="1" noChangeAspect="1"/>
+          </p:cNvSpPr>
+          <p:nvPr>
+            <p:ph type="sldImg"/>
+          </p:nvPr>
+        </p:nvSpPr>
+        <p:spPr/>
+      </p:sp>
+      <p:sp>
+        <p:nvSpPr>
+          <p:cNvPr id="3" name="Notes Placeholder 2"/>
+          <p:cNvSpPr>
+            <a:spLocks noGrp="1"/>
+          </p:cNvSpPr>
+          <p:nvPr>
+            <p:ph type="body" idx="1"/>
+          </p:nvPr>
+        </p:nvSpPr>
+        <p:spPr/>
+        <p:txBody>
+          <a:bodyPr/>
+          <a:lstStyle/>
+          <a:p>
+            <a:pPr marL="0" marR="0" lvl="0" indent="0" algn="l" defTabSz="914400" rtl="0" eaLnBrk="1" fontAlgn="auto" latinLnBrk="0" hangingPunct="1">
+              <a:lnSpc>
+                <a:spcPct val="100000"/>
+              </a:lnSpc>
+              <a:spcBef>
+                <a:spcPts val="0"/>
+              </a:spcBef>
+              <a:spcAft>
+                <a:spcPts val="0"/>
+              </a:spcAft>
+              <a:buClrTx/>
+              <a:buSzTx/>
+              <a:buFontTx/>
+              <a:buNone/>
+              <a:tabLst/>
+              <a:defRPr/>
+            </a:pPr>
+            <a:r>
+              <a:rPr lang="en-US" dirty="0"/>
+              <a:t>Splay Tree </a:t>
+            </a:r>
+            <a:r>
+              <a:rPr lang="ja-JP" altLang="en-US"/>
+              <a:t>则</a:t>
+            </a:r>
+            <a:r>
+              <a:rPr lang="ja-JP" altLang="en-US" b="1"/>
+              <a:t>不追求完美平衡</a:t>
+            </a:r>
+            <a:r>
+              <a:rPr lang="ja-JP" altLang="en-US"/>
+              <a:t>。伸展树并不是一直都是完全平衡的，</a:t>
+            </a:r>
+            <a:br>
+              <a:rPr lang="ja-JP" altLang="en-US"/>
+            </a:br>
+            <a:r>
+              <a:rPr lang="ja-JP" altLang="en-US"/>
+              <a:t>但它会让</a:t>
+            </a:r>
+            <a:r>
+              <a:rPr lang="ja-JP" altLang="en-US" b="1"/>
+              <a:t>最近访问过的节点自动靠近根节点</a:t>
+            </a:r>
+            <a:r>
+              <a:rPr lang="ja-JP" altLang="en-US"/>
+              <a:t>。这样做的好处是：根据“</a:t>
+            </a:r>
+            <a:r>
+              <a:rPr lang="ja-JP" altLang="en-US" b="1"/>
+              <a:t>局部性原理（</a:t>
+            </a:r>
+            <a:r>
+              <a:rPr lang="en-US" b="1" dirty="0"/>
+              <a:t>principle of locality）</a:t>
+            </a:r>
+            <a:r>
+              <a:rPr lang="en-US" dirty="0"/>
+              <a:t>”，</a:t>
+            </a:r>
+            <a:br>
+              <a:rPr lang="en-US" dirty="0"/>
+            </a:br>
+            <a:r>
+              <a:rPr lang="ja-JP" altLang="en-US"/>
+              <a:t>我们经常访问的数据往往是最近访问过的那一部分。这就像“</a:t>
+            </a:r>
+            <a:r>
+              <a:rPr lang="en-US" altLang="ja-JP" b="1" dirty="0"/>
+              <a:t>80-20 </a:t>
+            </a:r>
+            <a:r>
+              <a:rPr lang="ja-JP" altLang="en-US" b="1"/>
+              <a:t>法则</a:t>
+            </a:r>
+            <a:r>
+              <a:rPr lang="ja-JP" altLang="en-US"/>
+              <a:t>”：大部分访问其实集中在少数节点上。所以，如果这些节点靠近根部，我们整体访问效率就能显著提升。</a:t>
+            </a:r>
+          </a:p>
+          <a:p>
+            <a:endParaRPr lang="en-US" dirty="0"/>
+          </a:p>
+          <a:p>
+            <a:r>
+              <a:rPr lang="ja-JP" altLang="en-US"/>
+              <a:t>再来说说它的</a:t>
+            </a:r>
+            <a:r>
+              <a:rPr lang="ja-JP" altLang="en-US" b="1"/>
+              <a:t>操作过程（</a:t>
+            </a:r>
+            <a:r>
+              <a:rPr lang="en-US" b="1" dirty="0"/>
+              <a:t>the procedure）</a:t>
+            </a:r>
+            <a:r>
+              <a:rPr lang="en-US" dirty="0"/>
+              <a:t>。</a:t>
+            </a:r>
+            <a:r>
+              <a:rPr lang="ja-JP" altLang="en-US"/>
+              <a:t>每当我们访问一个节点，比如节点 </a:t>
+            </a:r>
+            <a:r>
+              <a:rPr lang="en-US" dirty="0"/>
+              <a:t>X，</a:t>
+            </a:r>
+            <a:br>
+              <a:rPr lang="en-US" dirty="0"/>
+            </a:br>
+            <a:r>
+              <a:rPr lang="ja-JP" altLang="en-US"/>
+              <a:t>我们就会执行一种叫做 </a:t>
+            </a:r>
+            <a:r>
+              <a:rPr lang="ja-JP" altLang="en-US" b="1"/>
+              <a:t>“</a:t>
+            </a:r>
+            <a:r>
+              <a:rPr lang="en-US" b="1" dirty="0"/>
+              <a:t>splaying” </a:t>
+            </a:r>
+            <a:r>
+              <a:rPr lang="ja-JP" altLang="en-US" b="1"/>
+              <a:t>的操作</a:t>
+            </a:r>
+            <a:r>
+              <a:rPr lang="ja-JP" altLang="en-US"/>
+              <a:t>，也就是通过一系列旋转（</a:t>
+            </a:r>
+            <a:r>
+              <a:rPr lang="en-US" dirty="0" err="1"/>
+              <a:t>Zig、Zig-Zig、Zig-Zag</a:t>
+            </a:r>
+            <a:r>
+              <a:rPr lang="en-US" dirty="0"/>
+              <a:t>）</a:t>
+            </a:r>
+            <a:r>
+              <a:rPr lang="ja-JP" altLang="en-US"/>
+              <a:t>把这个节点 </a:t>
+            </a:r>
+            <a:r>
+              <a:rPr lang="ja-JP" altLang="en-US" b="1"/>
+              <a:t>移动到根的位置</a:t>
+            </a:r>
+            <a:r>
+              <a:rPr lang="ja-JP" altLang="en-US"/>
+              <a:t>。</a:t>
+            </a:r>
+          </a:p>
+          <a:p>
+            <a:endParaRPr lang="en-US" dirty="0"/>
+          </a:p>
+        </p:txBody>
+      </p:sp>
+      <p:sp>
+        <p:nvSpPr>
+          <p:cNvPr id="4" name="Slide Number Placeholder 3"/>
+          <p:cNvSpPr>
+            <a:spLocks noGrp="1"/>
+          </p:cNvSpPr>
+          <p:nvPr>
+            <p:ph type="sldNum" sz="quarter" idx="5"/>
+          </p:nvPr>
+        </p:nvSpPr>
+        <p:spPr/>
+        <p:txBody>
+          <a:bodyPr/>
+          <a:lstStyle/>
+          <a:p>
+            <a:fld id="{24009DEB-A5ED-49DA-809F-4D64373B3F6A}" type="slidenum">
+              <a:rPr lang="en-US" smtClean="0"/>
+              <a:pPr/>
+              <a:t>5</a:t>
+            </a:fld>
+            <a:endParaRPr lang="en-US" dirty="0"/>
+          </a:p>
+        </p:txBody>
+      </p:sp>
+    </p:spTree>
+    <p:extLst>
+      <p:ext uri="{BB962C8B-B14F-4D97-AF65-F5344CB8AC3E}">
+        <p14:creationId xmlns:p14="http://schemas.microsoft.com/office/powerpoint/2010/main" val="919901547"/>
+      </p:ext>
+    </p:extLst>
+  </p:cSld>
+  <p:clrMapOvr>
+    <a:masterClrMapping/>
+  </p:clrMapOvr>
+</p:notes>
+</file>
+
+<file path=ppt/notesSlides/notesSlide5.xml><?xml version="1.0" encoding="utf-8"?>
+<p:notes xmlns:a="http://schemas.openxmlformats.org/drawingml/2006/main" xmlns:r="http://schemas.openxmlformats.org/officeDocument/2006/relationships" xmlns:p="http://schemas.openxmlformats.org/presentationml/2006/main">
+  <p:cSld>
+    <p:spTree>
+      <p:nvGrpSpPr>
+        <p:cNvPr id="1" name=""/>
+        <p:cNvGrpSpPr/>
+        <p:nvPr/>
+      </p:nvGrpSpPr>
+      <p:grpSpPr>
+        <a:xfrm>
+          <a:off x="0" y="0"/>
+          <a:ext cx="0" cy="0"/>
+          <a:chOff x="0" y="0"/>
+          <a:chExt cx="0" cy="0"/>
+        </a:xfrm>
+      </p:grpSpPr>
+      <p:sp>
+        <p:nvSpPr>
+          <p:cNvPr id="2" name="Slide Image Placeholder 1"/>
+          <p:cNvSpPr>
+            <a:spLocks noGrp="1" noRot="1" noChangeAspect="1"/>
+          </p:cNvSpPr>
+          <p:nvPr>
+            <p:ph type="sldImg"/>
+          </p:nvPr>
+        </p:nvSpPr>
+        <p:spPr/>
+      </p:sp>
+      <p:sp>
+        <p:nvSpPr>
+          <p:cNvPr id="3" name="Notes Placeholder 2"/>
+          <p:cNvSpPr>
+            <a:spLocks noGrp="1"/>
+          </p:cNvSpPr>
+          <p:nvPr>
+            <p:ph type="body" idx="1"/>
+          </p:nvPr>
+        </p:nvSpPr>
+        <p:spPr/>
+        <p:txBody>
+          <a:bodyPr/>
+          <a:lstStyle/>
+          <a:p>
+            <a:r>
+              <a:rPr lang="ja-JP" altLang="en-US"/>
+              <a:t>第一种情况：</a:t>
+            </a:r>
+            <a:r>
+              <a:rPr lang="en-US" dirty="0"/>
+              <a:t>x </a:t>
+            </a:r>
+            <a:r>
+              <a:rPr lang="ja-JP" altLang="en-US"/>
+              <a:t>是根节点（</a:t>
+            </a:r>
+            <a:r>
+              <a:rPr lang="en-US" dirty="0"/>
+              <a:t>Root）</a:t>
+            </a:r>
+          </a:p>
+          <a:p>
+            <a:r>
+              <a:rPr lang="ja-JP" altLang="en-US"/>
+              <a:t>第二种情况：</a:t>
+            </a:r>
+            <a:r>
+              <a:rPr lang="en-US" dirty="0"/>
+              <a:t>x </a:t>
+            </a:r>
+            <a:r>
+              <a:rPr lang="ja-JP" altLang="en-US"/>
+              <a:t>是根的直接子节点（</a:t>
+            </a:r>
+            <a:r>
+              <a:rPr lang="en-US" dirty="0"/>
+              <a:t>Child of root）</a:t>
+            </a:r>
+          </a:p>
+          <a:p>
+            <a:r>
+              <a:rPr lang="ja-JP" altLang="en-US"/>
+              <a:t>第三种情况：</a:t>
+            </a:r>
+            <a:r>
+              <a:rPr lang="en-US" dirty="0"/>
+              <a:t>x </a:t>
+            </a:r>
+            <a:r>
+              <a:rPr lang="ja-JP" altLang="en-US"/>
+              <a:t>既有父节点 </a:t>
+            </a:r>
+            <a:r>
+              <a:rPr lang="en-US" altLang="ja-JP" dirty="0"/>
+              <a:t>(</a:t>
+            </a:r>
+            <a:r>
+              <a:rPr lang="en-US" dirty="0"/>
+              <a:t>p)，</a:t>
+            </a:r>
+            <a:r>
+              <a:rPr lang="ja-JP" altLang="en-US"/>
+              <a:t>也有祖父节点 </a:t>
+            </a:r>
+            <a:r>
+              <a:rPr lang="en-US" altLang="ja-JP" dirty="0"/>
+              <a:t>(</a:t>
+            </a:r>
+            <a:r>
+              <a:rPr lang="en-US" dirty="0"/>
+              <a:t>g)</a:t>
+            </a:r>
+          </a:p>
+        </p:txBody>
+      </p:sp>
+      <p:sp>
+        <p:nvSpPr>
+          <p:cNvPr id="4" name="Slide Number Placeholder 3"/>
+          <p:cNvSpPr>
+            <a:spLocks noGrp="1"/>
+          </p:cNvSpPr>
+          <p:nvPr>
+            <p:ph type="sldNum" sz="quarter" idx="5"/>
+          </p:nvPr>
+        </p:nvSpPr>
+        <p:spPr/>
+        <p:txBody>
+          <a:bodyPr/>
+          <a:lstStyle/>
+          <a:p>
+            <a:fld id="{24009DEB-A5ED-49DA-809F-4D64373B3F6A}" type="slidenum">
+              <a:rPr lang="en-US" smtClean="0"/>
+              <a:pPr/>
+              <a:t>7</a:t>
+            </a:fld>
+            <a:endParaRPr lang="en-US" dirty="0"/>
+          </a:p>
+        </p:txBody>
+      </p:sp>
+    </p:spTree>
+    <p:extLst>
+      <p:ext uri="{BB962C8B-B14F-4D97-AF65-F5344CB8AC3E}">
+        <p14:creationId xmlns:p14="http://schemas.microsoft.com/office/powerpoint/2010/main" val="1878540107"/>
+      </p:ext>
+    </p:extLst>
+  </p:cSld>
+  <p:clrMapOvr>
+    <a:masterClrMapping/>
+  </p:clrMapOvr>
+</p:notes>
+</file>
+
+<file path=ppt/notesSlides/notesSlide6.xml><?xml version="1.0" encoding="utf-8"?>
+<p:notes xmlns:a="http://schemas.openxmlformats.org/drawingml/2006/main" xmlns:r="http://schemas.openxmlformats.org/officeDocument/2006/relationships" xmlns:p="http://schemas.openxmlformats.org/presentationml/2006/main">
+  <p:cSld>
+    <p:spTree>
+      <p:nvGrpSpPr>
+        <p:cNvPr id="1" name=""/>
+        <p:cNvGrpSpPr/>
+        <p:nvPr/>
+      </p:nvGrpSpPr>
+      <p:grpSpPr>
+        <a:xfrm>
+          <a:off x="0" y="0"/>
+          <a:ext cx="0" cy="0"/>
+          <a:chOff x="0" y="0"/>
+          <a:chExt cx="0" cy="0"/>
+        </a:xfrm>
+      </p:grpSpPr>
+      <p:sp>
+        <p:nvSpPr>
+          <p:cNvPr id="2" name="Slide Image Placeholder 1"/>
+          <p:cNvSpPr>
+            <a:spLocks noGrp="1" noRot="1" noChangeAspect="1"/>
+          </p:cNvSpPr>
+          <p:nvPr>
+            <p:ph type="sldImg"/>
+          </p:nvPr>
+        </p:nvSpPr>
+        <p:spPr/>
+      </p:sp>
+      <p:sp>
+        <p:nvSpPr>
+          <p:cNvPr id="3" name="Notes Placeholder 2"/>
+          <p:cNvSpPr>
+            <a:spLocks noGrp="1"/>
+          </p:cNvSpPr>
+          <p:nvPr>
+            <p:ph type="body" idx="1"/>
+          </p:nvPr>
+        </p:nvSpPr>
+        <p:spPr/>
+        <p:txBody>
+          <a:bodyPr/>
+          <a:lstStyle/>
+          <a:p>
+            <a:r>
+              <a:rPr lang="ja-JP" altLang="en-US"/>
+              <a:t>当我们访问的节点 </a:t>
+            </a:r>
+            <a:r>
+              <a:rPr lang="en-US" b="1" dirty="0"/>
+              <a:t>x </a:t>
+            </a:r>
+            <a:r>
+              <a:rPr lang="ja-JP" altLang="en-US" b="1"/>
+              <a:t>本身就是根节点（</a:t>
+            </a:r>
+            <a:r>
+              <a:rPr lang="en-US" b="1" dirty="0"/>
+              <a:t>root）</a:t>
+            </a:r>
+            <a:r>
+              <a:rPr lang="en-US" dirty="0"/>
+              <a:t>。</a:t>
+            </a:r>
+          </a:p>
+          <a:p>
+            <a:endParaRPr lang="en-US" dirty="0"/>
+          </a:p>
+          <a:p>
+            <a:r>
+              <a:rPr lang="ja-JP" altLang="en-US"/>
+              <a:t>我们执行 </a:t>
+            </a:r>
+            <a:r>
+              <a:rPr lang="en-US" dirty="0"/>
+              <a:t>splay </a:t>
+            </a:r>
+            <a:r>
+              <a:rPr lang="ja-JP" altLang="en-US"/>
+              <a:t>操作的时候，要做什么呢？什么都不用做！因为 </a:t>
+            </a:r>
+            <a:r>
+              <a:rPr lang="en-US" dirty="0"/>
+              <a:t>splaying </a:t>
+            </a:r>
+            <a:r>
+              <a:rPr lang="ja-JP" altLang="en-US"/>
+              <a:t>的目标是“把被访问的节点移到根”，而它已经在那儿了，所以直接跳过。</a:t>
+            </a:r>
+          </a:p>
+          <a:p>
+            <a:endParaRPr lang="en-US" dirty="0"/>
+          </a:p>
+        </p:txBody>
+      </p:sp>
+      <p:sp>
+        <p:nvSpPr>
+          <p:cNvPr id="4" name="Slide Number Placeholder 3"/>
+          <p:cNvSpPr>
+            <a:spLocks noGrp="1"/>
+          </p:cNvSpPr>
+          <p:nvPr>
+            <p:ph type="sldNum" sz="quarter" idx="5"/>
+          </p:nvPr>
+        </p:nvSpPr>
+        <p:spPr/>
+        <p:txBody>
+          <a:bodyPr/>
+          <a:lstStyle/>
+          <a:p>
+            <a:fld id="{24009DEB-A5ED-49DA-809F-4D64373B3F6A}" type="slidenum">
+              <a:rPr lang="en-US" smtClean="0"/>
+              <a:pPr/>
+              <a:t>8</a:t>
+            </a:fld>
+            <a:endParaRPr lang="en-US" dirty="0"/>
+          </a:p>
+        </p:txBody>
+      </p:sp>
+    </p:spTree>
+    <p:extLst>
+      <p:ext uri="{BB962C8B-B14F-4D97-AF65-F5344CB8AC3E}">
+        <p14:creationId xmlns:p14="http://schemas.microsoft.com/office/powerpoint/2010/main" val="4071754580"/>
+      </p:ext>
+    </p:extLst>
+  </p:cSld>
+  <p:clrMapOvr>
+    <a:masterClrMapping/>
+  </p:clrMapOvr>
+</p:notes>
+</file>
+
+<file path=ppt/notesSlides/notesSlide7.xml><?xml version="1.0" encoding="utf-8"?>
+<p:notes xmlns:a="http://schemas.openxmlformats.org/drawingml/2006/main" xmlns:r="http://schemas.openxmlformats.org/officeDocument/2006/relationships" xmlns:p="http://schemas.openxmlformats.org/presentationml/2006/main">
+  <p:cSld>
+    <p:spTree>
+      <p:nvGrpSpPr>
+        <p:cNvPr id="1" name=""/>
+        <p:cNvGrpSpPr/>
+        <p:nvPr/>
+      </p:nvGrpSpPr>
+      <p:grpSpPr>
+        <a:xfrm>
+          <a:off x="0" y="0"/>
+          <a:ext cx="0" cy="0"/>
+          <a:chOff x="0" y="0"/>
+          <a:chExt cx="0" cy="0"/>
+        </a:xfrm>
+      </p:grpSpPr>
+      <p:sp>
+        <p:nvSpPr>
+          <p:cNvPr id="2" name="Slide Image Placeholder 1"/>
+          <p:cNvSpPr>
+            <a:spLocks noGrp="1" noRot="1" noChangeAspect="1"/>
+          </p:cNvSpPr>
+          <p:nvPr>
+            <p:ph type="sldImg"/>
+          </p:nvPr>
+        </p:nvSpPr>
+        <p:spPr/>
+      </p:sp>
+      <p:sp>
+        <p:nvSpPr>
+          <p:cNvPr id="3" name="Notes Placeholder 2"/>
+          <p:cNvSpPr>
+            <a:spLocks noGrp="1"/>
+          </p:cNvSpPr>
+          <p:nvPr>
+            <p:ph type="body" idx="1"/>
+          </p:nvPr>
+        </p:nvSpPr>
+        <p:spPr/>
+        <p:txBody>
+          <a:bodyPr/>
+          <a:lstStyle/>
+          <a:p>
+            <a:r>
+              <a:rPr lang="en-US" b="1" dirty="0"/>
+              <a:t>Zig</a:t>
+            </a:r>
+            <a:r>
+              <a:rPr lang="en-US" dirty="0"/>
+              <a:t> </a:t>
+            </a:r>
+            <a:r>
+              <a:rPr lang="ja-JP" altLang="en-US"/>
+              <a:t>的情况，也就是当要访问的节点 </a:t>
+            </a:r>
+            <a:r>
+              <a:rPr lang="en-US" b="1" dirty="0"/>
+              <a:t>x </a:t>
+            </a:r>
+            <a:r>
+              <a:rPr lang="ja-JP" altLang="en-US" b="1"/>
+              <a:t>是根的直接子节点</a:t>
+            </a:r>
+            <a:r>
+              <a:rPr lang="en-US" altLang="ja-JP" b="1" dirty="0"/>
+              <a:t>.</a:t>
+            </a:r>
+          </a:p>
+          <a:p>
+            <a:endParaRPr lang="en-US" altLang="ja-JP" b="1" dirty="0"/>
+          </a:p>
+          <a:p>
+            <a:r>
+              <a:rPr lang="ja-JP" altLang="en-US"/>
+              <a:t>我们看到，根节点是 </a:t>
+            </a:r>
+            <a:r>
+              <a:rPr lang="en-US" b="1" dirty="0"/>
+              <a:t>p</a:t>
+            </a:r>
+            <a:r>
+              <a:rPr lang="en-US" dirty="0"/>
+              <a:t>，</a:t>
+            </a:r>
+            <a:r>
+              <a:rPr lang="ja-JP" altLang="en-US"/>
+              <a:t>它的左孩子是 </a:t>
+            </a:r>
+            <a:r>
+              <a:rPr lang="en-US" b="1" dirty="0" err="1"/>
+              <a:t>x</a:t>
+            </a:r>
+            <a:r>
+              <a:rPr lang="en-US" dirty="0" err="1"/>
+              <a:t>。x</a:t>
+            </a:r>
+            <a:r>
+              <a:rPr lang="en-US" dirty="0"/>
+              <a:t> </a:t>
+            </a:r>
+            <a:r>
+              <a:rPr lang="ja-JP" altLang="en-US"/>
+              <a:t>的子树是 </a:t>
+            </a:r>
+            <a:r>
+              <a:rPr lang="en-US" dirty="0"/>
+              <a:t>A </a:t>
+            </a:r>
+            <a:r>
+              <a:rPr lang="ja-JP" altLang="en-US"/>
+              <a:t>和 </a:t>
+            </a:r>
+            <a:r>
+              <a:rPr lang="en-US" dirty="0" err="1"/>
+              <a:t>B，p</a:t>
+            </a:r>
+            <a:r>
+              <a:rPr lang="en-US" dirty="0"/>
+              <a:t> </a:t>
+            </a:r>
+            <a:r>
+              <a:rPr lang="ja-JP" altLang="en-US"/>
+              <a:t>的右子树是 </a:t>
+            </a:r>
+            <a:r>
+              <a:rPr lang="en-US" dirty="0"/>
+              <a:t>C。</a:t>
+            </a:r>
+          </a:p>
+          <a:p>
+            <a:r>
+              <a:rPr lang="ja-JP" altLang="en-US"/>
+              <a:t>此时我们访问节点 </a:t>
+            </a:r>
+            <a:r>
+              <a:rPr lang="en-US" b="1" dirty="0"/>
+              <a:t>x</a:t>
+            </a:r>
+            <a:r>
+              <a:rPr lang="en-US" dirty="0"/>
+              <a:t>，</a:t>
+            </a:r>
+            <a:r>
+              <a:rPr lang="ja-JP" altLang="en-US"/>
+              <a:t>根据 </a:t>
+            </a:r>
+            <a:r>
+              <a:rPr lang="en-US" dirty="0"/>
+              <a:t>splay </a:t>
+            </a:r>
+            <a:r>
+              <a:rPr lang="ja-JP" altLang="en-US"/>
+              <a:t>的规则，我们要把 </a:t>
+            </a:r>
+            <a:r>
+              <a:rPr lang="en-US" dirty="0"/>
+              <a:t>x “</a:t>
+            </a:r>
+            <a:r>
+              <a:rPr lang="ja-JP" altLang="en-US"/>
+              <a:t>伸展”到根的位置。怎么做呢？</a:t>
+            </a:r>
+            <a:r>
+              <a:rPr lang="en-US" altLang="ja-JP" dirty="0"/>
+              <a:t>——</a:t>
+            </a:r>
+            <a:r>
+              <a:rPr lang="ja-JP" altLang="en-US" b="1"/>
+              <a:t>单旋转（</a:t>
+            </a:r>
+            <a:r>
+              <a:rPr lang="en-US" b="1" dirty="0"/>
+              <a:t>single rotation）</a:t>
+            </a:r>
+            <a:r>
+              <a:rPr lang="en-US" dirty="0"/>
+              <a:t>。</a:t>
+            </a:r>
+          </a:p>
+          <a:p>
+            <a:endParaRPr lang="en-US" dirty="0"/>
+          </a:p>
+        </p:txBody>
+      </p:sp>
+      <p:sp>
+        <p:nvSpPr>
+          <p:cNvPr id="4" name="Slide Number Placeholder 3"/>
+          <p:cNvSpPr>
+            <a:spLocks noGrp="1"/>
+          </p:cNvSpPr>
+          <p:nvPr>
+            <p:ph type="sldNum" sz="quarter" idx="5"/>
+          </p:nvPr>
+        </p:nvSpPr>
+        <p:spPr/>
+        <p:txBody>
+          <a:bodyPr/>
+          <a:lstStyle/>
+          <a:p>
+            <a:fld id="{24009DEB-A5ED-49DA-809F-4D64373B3F6A}" type="slidenum">
+              <a:rPr lang="en-US" smtClean="0"/>
+              <a:pPr/>
+              <a:t>9</a:t>
+            </a:fld>
+            <a:endParaRPr lang="en-US" dirty="0"/>
+          </a:p>
+        </p:txBody>
+      </p:sp>
+    </p:spTree>
+    <p:extLst>
+      <p:ext uri="{BB962C8B-B14F-4D97-AF65-F5344CB8AC3E}">
+        <p14:creationId xmlns:p14="http://schemas.microsoft.com/office/powerpoint/2010/main" val="659247202"/>
       </p:ext>
     </p:extLst>
   </p:cSld>
@@ -4473,7 +5616,7 @@
         </p:blipFill>
         <p:spPr>
           <a:xfrm>
-            <a:off x="577214" y="1746175"/>
+            <a:off x="577214" y="2445422"/>
             <a:ext cx="7989570" cy="4033249"/>
           </a:xfrm>
           <a:prstGeom prst="rect">
@@ -4732,7 +5875,78 @@
                 <a:uFillTx/>
                 <a:latin typeface="Comic Sans MS" panose="030F0902030302020204" pitchFamily="66" charset="0"/>
               </a:rPr>
-              <a:t>Zig-Zag</a:t>
+              <a:t>Zig-Zig</a:t>
+            </a:r>
+          </a:p>
+          <a:p>
+            <a:pPr lvl="0" defTabSz="914400">
+              <a:lnSpc>
+                <a:spcPct val="120000"/>
+              </a:lnSpc>
+              <a:buFont typeface="Courier New" panose="02070309020205020404" pitchFamily="49" charset="0"/>
+              <a:buChar char="o"/>
+              <a:defRPr/>
+            </a:pPr>
+            <a:r>
+              <a:rPr lang="en-US" altLang="en-US" sz="2000" dirty="0">
+                <a:solidFill>
+                  <a:schemeClr val="tx1"/>
+                </a:solidFill>
+                <a:latin typeface="Comic Sans MS" panose="030F0902030302020204" pitchFamily="66" charset="0"/>
+              </a:rPr>
+              <a:t>Lef—left: two right rotations on x</a:t>
+            </a:r>
+          </a:p>
+          <a:p>
+            <a:pPr lvl="0" defTabSz="914400">
+              <a:lnSpc>
+                <a:spcPct val="120000"/>
+              </a:lnSpc>
+              <a:buFont typeface="Courier New" panose="02070309020205020404" pitchFamily="49" charset="0"/>
+              <a:buChar char="o"/>
+              <a:defRPr/>
+            </a:pPr>
+            <a:r>
+              <a:rPr lang="en-US" altLang="en-US" sz="2000" dirty="0">
+                <a:solidFill>
+                  <a:schemeClr val="tx1"/>
+                </a:solidFill>
+                <a:latin typeface="Comic Sans MS" panose="030F0902030302020204" pitchFamily="66" charset="0"/>
+              </a:rPr>
+              <a:t>Right-right: two left rotations on x</a:t>
+            </a:r>
+          </a:p>
+          <a:p>
+            <a:pPr marL="0" marR="0" lvl="0" indent="0" algn="l" defTabSz="914400" rtl="0" eaLnBrk="1" fontAlgn="base" latinLnBrk="0" hangingPunct="1">
+              <a:lnSpc>
+                <a:spcPct val="120000"/>
+              </a:lnSpc>
+              <a:spcBef>
+                <a:spcPct val="20000"/>
+              </a:spcBef>
+              <a:spcAft>
+                <a:spcPct val="0"/>
+              </a:spcAft>
+              <a:buClrTx/>
+              <a:buSzTx/>
+              <a:buNone/>
+              <a:tabLst/>
+              <a:defRPr/>
+            </a:pPr>
+            <a:r>
+              <a:rPr kumimoji="0" lang="en-US" altLang="en-US" sz="2400" u="none" strike="noStrike" kern="1200" cap="none" spc="0" normalizeH="0" baseline="0" noProof="0" dirty="0">
+                <a:ln>
+                  <a:noFill/>
+                </a:ln>
+                <a:solidFill>
+                  <a:schemeClr val="tx1"/>
+                </a:solidFill>
+                <a:effectLst/>
+                <a:uLnTx/>
+                <a:uFillTx/>
+                <a:latin typeface="Comic Sans MS" panose="030F0902030302020204" pitchFamily="66" charset="0"/>
+              </a:rPr>
+              <a:t>	</a:t>
             </a:r>
           </a:p>
         </p:txBody>
@@ -5122,6 +6336,89 @@
               <a:t>Zig-Zag</a:t>
             </a:r>
           </a:p>
+          <a:p>
+            <a:pPr marR="0" lvl="0" algn="l" defTabSz="914400" rtl="0" eaLnBrk="1" fontAlgn="base" latinLnBrk="0" hangingPunct="1">
+              <a:lnSpc>
+                <a:spcPct val="120000"/>
+              </a:lnSpc>
+              <a:spcBef>
+                <a:spcPct val="20000"/>
+              </a:spcBef>
+              <a:spcAft>
+                <a:spcPct val="0"/>
+              </a:spcAft>
+              <a:buClrTx/>
+              <a:buSzTx/>
+              <a:buFont typeface="Courier New" panose="02070309020205020404" pitchFamily="49" charset="0"/>
+              <a:buChar char="o"/>
+              <a:tabLst/>
+              <a:defRPr/>
+            </a:pPr>
+            <a:r>
+              <a:rPr lang="en-US" altLang="en-US" sz="2000" dirty="0">
+                <a:solidFill>
+                  <a:schemeClr val="tx1"/>
+                </a:solidFill>
+                <a:latin typeface="Comic Sans MS" panose="030F0902030302020204" pitchFamily="66" charset="0"/>
+              </a:rPr>
+              <a:t>Left-right: first left then right rotations on x</a:t>
+            </a:r>
+          </a:p>
+          <a:p>
+            <a:pPr marR="0" lvl="0" algn="l" defTabSz="914400" rtl="0" eaLnBrk="1" fontAlgn="base" latinLnBrk="0" hangingPunct="1">
+              <a:lnSpc>
+                <a:spcPct val="120000"/>
+              </a:lnSpc>
+              <a:spcBef>
+                <a:spcPct val="20000"/>
+              </a:spcBef>
+              <a:spcAft>
+                <a:spcPct val="0"/>
+              </a:spcAft>
+              <a:buClrTx/>
+              <a:buSzTx/>
+              <a:buFont typeface="Courier New" panose="02070309020205020404" pitchFamily="49" charset="0"/>
+              <a:buChar char="o"/>
+              <a:tabLst/>
+              <a:defRPr/>
+            </a:pPr>
+            <a:r>
+              <a:rPr kumimoji="0" lang="en-US" altLang="en-US" sz="2000" u="none" strike="noStrike" kern="1200" cap="none" spc="0" normalizeH="0" baseline="0" noProof="0" dirty="0">
+                <a:ln>
+                  <a:noFill/>
+                </a:ln>
+                <a:solidFill>
+                  <a:schemeClr val="tx1"/>
+                </a:solidFill>
+                <a:effectLst/>
+                <a:uLnTx/>
+                <a:uFillTx/>
+                <a:latin typeface="Comic Sans MS" panose="030F0902030302020204" pitchFamily="66" charset="0"/>
+              </a:rPr>
+              <a:t>Right-left: first right then left </a:t>
+            </a:r>
+            <a:r>
+              <a:rPr lang="en-US" altLang="en-US" sz="2000" dirty="0">
+                <a:solidFill>
+                  <a:schemeClr val="tx1"/>
+                </a:solidFill>
+                <a:latin typeface="Comic Sans MS" panose="030F0902030302020204" pitchFamily="66" charset="0"/>
+              </a:rPr>
+              <a:t>rotations on x</a:t>
+            </a:r>
+            <a:endParaRPr kumimoji="0" lang="en-US" altLang="en-US" sz="2000" u="none" strike="noStrike" kern="1200" cap="none" spc="0" normalizeH="0" baseline="0" noProof="0" dirty="0">
+              <a:ln>
+                <a:noFill/>
+              </a:ln>
+              <a:solidFill>
+                <a:schemeClr val="tx1"/>
+              </a:solidFill>
+              <a:effectLst/>
+              <a:uLnTx/>
+              <a:uFillTx/>
+              <a:latin typeface="Comic Sans MS" panose="030F0902030302020204" pitchFamily="66" charset="0"/>
+            </a:endParaRPr>
+          </a:p>
         </p:txBody>
       </p:sp>
       <p:pic>
@@ -5146,7 +6443,7 @@
         </p:blipFill>
         <p:spPr>
           <a:xfrm>
-            <a:off x="457200" y="1685346"/>
+            <a:off x="457199" y="2814900"/>
             <a:ext cx="8229599" cy="3480601"/>
           </a:xfrm>
           <a:prstGeom prst="rect">
@@ -5565,23 +6862,20 @@
                 <a:uFillTx/>
                 <a:latin typeface="Comic Sans MS" panose="030F0902030302020204" pitchFamily="66" charset="0"/>
               </a:rPr>
-              <a:t>Splay the node to the root </a:t>
-            </a:r>
-            <a:r>
-              <a:rPr kumimoji="0" lang="en-US" altLang="en-US" sz="2200" u="none" strike="noStrike" kern="1200" cap="none" spc="0" normalizeH="0" baseline="0" noProof="0" dirty="0">
-                <a:ln>
-                  <a:noFill/>
-                </a:ln>
-                <a:solidFill>
-                  <a:schemeClr val="tx1"/>
-                </a:solidFill>
-                <a:effectLst/>
-                <a:uLnTx/>
-                <a:uFillTx/>
-                <a:latin typeface="Comic Sans MS" panose="030F0902030302020204" pitchFamily="66" charset="0"/>
-              </a:rPr>
-              <a:t>Are not perfectly balanced all the time</a:t>
-            </a:r>
+              <a:t>Splay the node to the root</a:t>
+            </a:r>
+            <a:endParaRPr kumimoji="0" lang="en-US" altLang="en-US" sz="2200" u="none" strike="noStrike" kern="1200" cap="none" spc="0" normalizeH="0" baseline="0" noProof="0" dirty="0">
+              <a:ln>
+                <a:noFill/>
+              </a:ln>
+              <a:solidFill>
+                <a:schemeClr val="tx1"/>
+              </a:solidFill>
+              <a:effectLst/>
+              <a:uLnTx/>
+              <a:uFillTx/>
+              <a:latin typeface="Comic Sans MS" panose="030F0902030302020204" pitchFamily="66" charset="0"/>
+            </a:endParaRPr>
           </a:p>
         </p:txBody>
       </p:sp>
@@ -13461,7 +14755,7 @@
           <p:nvPr/>
         </p:nvPicPr>
         <p:blipFill>
-          <a:blip r:embed="rId2"/>
+          <a:blip r:embed="rId3"/>
           <a:stretch>
             <a:fillRect/>
           </a:stretch>
@@ -14228,7 +15522,7 @@
         </p:nvSpPr>
         <p:spPr bwMode="auto">
           <a:xfrm>
-            <a:off x="228600" y="1078627"/>
+            <a:off x="228600" y="1011392"/>
             <a:ext cx="8229600" cy="3104134"/>
           </a:xfrm>
           <a:prstGeom prst="rect">
@@ -14491,7 +15785,7 @@
                 </a:solidFill>
                 <a:latin typeface="Comic Sans MS" panose="030F0902030302020204" pitchFamily="66" charset="0"/>
               </a:rPr>
-              <a:t>Root</a:t>
+              <a:t>Root (no rotation)</a:t>
             </a:r>
           </a:p>
           <a:p>
@@ -14519,7 +15813,7 @@
                 </a:solidFill>
                 <a:latin typeface="Comic Sans MS" panose="030F0902030302020204" pitchFamily="66" charset="0"/>
               </a:rPr>
-              <a:t>Child of root</a:t>
+              <a:t>Child of root (single rotation)</a:t>
             </a:r>
           </a:p>
           <a:p>
@@ -14572,7 +15866,22 @@
                 <a:uFillTx/>
                 <a:latin typeface="Comic Sans MS" panose="030F0902030302020204" pitchFamily="66" charset="0"/>
               </a:rPr>
-              <a:t>Zig-zig pattern: g → p → x is left-left or right-right  </a:t>
+              <a:t>Zig-zig pattern: g → p → x is left-left or right-right (double rotations)</a:t>
+            </a:r>
+            <a:r>
+              <a:rPr kumimoji="0" lang="en-US" altLang="en-US" u="none" strike="noStrike" kern="1200" cap="none" spc="0" normalizeH="0" baseline="0" noProof="0" dirty="0">
+                <a:ln>
+                  <a:noFill/>
+                </a:ln>
+                <a:solidFill>
+                  <a:schemeClr val="tx1"/>
+                </a:solidFill>
+                <a:effectLst/>
+                <a:uLnTx/>
+                <a:uFillTx/>
+                <a:latin typeface="Comic Sans MS" panose="030F0902030302020204" pitchFamily="66" charset="0"/>
+              </a:rPr>
+              <a:t>  </a:t>
             </a:r>
           </a:p>
           <a:p>
@@ -14597,7 +15906,7 @@
                 <a:uFillTx/>
                 <a:latin typeface="Comic Sans MS" panose="030F0902030302020204" pitchFamily="66" charset="0"/>
               </a:rPr>
-              <a:t>Zig-zag pattern: g → p → x is left-right or right-left</a:t>
+              <a:t>Zig-zag pattern: g → p → x is left-right or right-left (double rotations)</a:t>
             </a:r>
           </a:p>
         </p:txBody>
@@ -14617,14 +15926,14 @@
           <p:nvPr/>
         </p:nvPicPr>
         <p:blipFill>
-          <a:blip r:embed="rId2"/>
+          <a:blip r:embed="rId3"/>
           <a:stretch>
             <a:fillRect/>
           </a:stretch>
         </p:blipFill>
         <p:spPr>
           <a:xfrm>
-            <a:off x="367863" y="3865527"/>
+            <a:off x="367863" y="4470642"/>
             <a:ext cx="1714501" cy="2039162"/>
           </a:xfrm>
           <a:prstGeom prst="rect">
@@ -14647,14 +15956,14 @@
           <p:nvPr/>
         </p:nvPicPr>
         <p:blipFill>
-          <a:blip r:embed="rId3"/>
+          <a:blip r:embed="rId4"/>
           <a:stretch>
             <a:fillRect/>
           </a:stretch>
         </p:blipFill>
         <p:spPr>
           <a:xfrm>
-            <a:off x="2696653" y="3917849"/>
+            <a:off x="2696653" y="4455729"/>
             <a:ext cx="1642659" cy="2039162"/>
           </a:xfrm>
           <a:prstGeom prst="rect">
@@ -14677,14 +15986,14 @@
           <p:nvPr/>
         </p:nvPicPr>
         <p:blipFill>
-          <a:blip r:embed="rId4"/>
+          <a:blip r:embed="rId5"/>
           <a:stretch>
             <a:fillRect/>
           </a:stretch>
         </p:blipFill>
         <p:spPr>
           <a:xfrm>
-            <a:off x="4953601" y="3917849"/>
+            <a:off x="4953601" y="4455729"/>
             <a:ext cx="1714501" cy="2045499"/>
           </a:xfrm>
           <a:prstGeom prst="rect">
@@ -14707,14 +16016,14 @@
           <p:nvPr/>
         </p:nvPicPr>
         <p:blipFill>
-          <a:blip r:embed="rId5"/>
+          <a:blip r:embed="rId6"/>
           <a:stretch>
             <a:fillRect/>
           </a:stretch>
         </p:blipFill>
         <p:spPr>
           <a:xfrm>
-            <a:off x="7282391" y="3880717"/>
+            <a:off x="7282391" y="4432044"/>
             <a:ext cx="1610706" cy="2068250"/>
           </a:xfrm>
           <a:prstGeom prst="rect">
@@ -15104,8 +16413,38 @@
                 <a:uFillTx/>
                 <a:latin typeface="Comic Sans MS" panose="030F0902030302020204" pitchFamily="66" charset="0"/>
               </a:rPr>
-              <a:t>Do nothing (that was easy!)</a:t>
-            </a:r>
+              <a:t>Do nothing (that was easy!) </a:t>
+            </a:r>
+          </a:p>
+          <a:p>
+            <a:pPr marL="0" marR="0" lvl="0" indent="0" algn="l" defTabSz="914400" rtl="0" eaLnBrk="1" fontAlgn="base" latinLnBrk="0" hangingPunct="1">
+              <a:lnSpc>
+                <a:spcPct val="120000"/>
+              </a:lnSpc>
+              <a:spcBef>
+                <a:spcPct val="20000"/>
+              </a:spcBef>
+              <a:spcAft>
+                <a:spcPct val="0"/>
+              </a:spcAft>
+              <a:buClrTx/>
+              <a:buSzTx/>
+              <a:buNone/>
+              <a:tabLst/>
+              <a:defRPr/>
+            </a:pPr>
+            <a:endParaRPr kumimoji="0" lang="en-US" altLang="en-US" sz="2400" u="none" strike="noStrike" kern="1200" cap="none" spc="0" normalizeH="0" baseline="0" noProof="0" dirty="0">
+              <a:ln>
+                <a:noFill/>
+              </a:ln>
+              <a:solidFill>
+                <a:schemeClr val="tx1"/>
+              </a:solidFill>
+              <a:effectLst/>
+              <a:uLnTx/>
+              <a:uFillTx/>
+              <a:latin typeface="Comic Sans MS" panose="030F0902030302020204" pitchFamily="66" charset="0"/>
+            </a:endParaRPr>
           </a:p>
         </p:txBody>
       </p:sp>
@@ -15124,7 +16463,7 @@
           <p:nvPr/>
         </p:nvPicPr>
         <p:blipFill>
-          <a:blip r:embed="rId2"/>
+          <a:blip r:embed="rId3"/>
           <a:stretch>
             <a:fillRect/>
           </a:stretch>
@@ -15524,6 +16863,89 @@
               <a:t>Zig (AVL single rotation)</a:t>
             </a:r>
           </a:p>
+          <a:p>
+            <a:pPr marR="0" lvl="0" algn="l" defTabSz="914400" rtl="0" eaLnBrk="1" fontAlgn="base" latinLnBrk="0" hangingPunct="1">
+              <a:lnSpc>
+                <a:spcPct val="120000"/>
+              </a:lnSpc>
+              <a:spcBef>
+                <a:spcPct val="20000"/>
+              </a:spcBef>
+              <a:spcAft>
+                <a:spcPct val="0"/>
+              </a:spcAft>
+              <a:buClrTx/>
+              <a:buSzTx/>
+              <a:buFont typeface="Courier New" panose="02070309020205020404" pitchFamily="49" charset="0"/>
+              <a:buChar char="o"/>
+              <a:tabLst/>
+              <a:defRPr/>
+            </a:pPr>
+            <a:r>
+              <a:rPr lang="en-US" altLang="en-US" sz="2000" dirty="0">
+                <a:solidFill>
+                  <a:schemeClr val="tx1"/>
+                </a:solidFill>
+                <a:latin typeface="Comic Sans MS" panose="030F0902030302020204" pitchFamily="66" charset="0"/>
+              </a:rPr>
+              <a:t>If </a:t>
+            </a:r>
+            <a:r>
+              <a:rPr kumimoji="0" lang="en-US" altLang="en-US" sz="2000" u="none" strike="noStrike" kern="1200" cap="none" spc="0" normalizeH="0" baseline="0" noProof="0" dirty="0">
+                <a:ln>
+                  <a:noFill/>
+                </a:ln>
+                <a:solidFill>
+                  <a:schemeClr val="tx1"/>
+                </a:solidFill>
+                <a:effectLst/>
+                <a:uLnTx/>
+                <a:uFillTx/>
+                <a:latin typeface="Comic Sans MS" panose="030F0902030302020204" pitchFamily="66" charset="0"/>
+              </a:rPr>
+              <a:t>x is the right child: single left rotation</a:t>
+            </a:r>
+          </a:p>
+          <a:p>
+            <a:pPr marR="0" lvl="0" algn="l" defTabSz="914400" rtl="0" eaLnBrk="1" fontAlgn="base" latinLnBrk="0" hangingPunct="1">
+              <a:lnSpc>
+                <a:spcPct val="120000"/>
+              </a:lnSpc>
+              <a:spcBef>
+                <a:spcPct val="20000"/>
+              </a:spcBef>
+              <a:spcAft>
+                <a:spcPct val="0"/>
+              </a:spcAft>
+              <a:buClrTx/>
+              <a:buSzTx/>
+              <a:buFont typeface="Courier New" panose="02070309020205020404" pitchFamily="49" charset="0"/>
+              <a:buChar char="o"/>
+              <a:tabLst/>
+              <a:defRPr/>
+            </a:pPr>
+            <a:r>
+              <a:rPr lang="en-US" altLang="en-US" sz="2000" dirty="0">
+                <a:solidFill>
+                  <a:schemeClr val="tx1"/>
+                </a:solidFill>
+                <a:latin typeface="Comic Sans MS" panose="030F0902030302020204" pitchFamily="66" charset="0"/>
+              </a:rPr>
+              <a:t>If x is the left child: single right rotation</a:t>
+            </a:r>
+            <a:endParaRPr kumimoji="0" lang="en-US" altLang="en-US" sz="2000" u="none" strike="noStrike" kern="1200" cap="none" spc="0" normalizeH="0" baseline="0" noProof="0" dirty="0">
+              <a:ln>
+                <a:noFill/>
+              </a:ln>
+              <a:solidFill>
+                <a:schemeClr val="tx1"/>
+              </a:solidFill>
+              <a:effectLst/>
+              <a:uLnTx/>
+              <a:uFillTx/>
+              <a:latin typeface="Comic Sans MS" panose="030F0902030302020204" pitchFamily="66" charset="0"/>
+            </a:endParaRPr>
+          </a:p>
         </p:txBody>
       </p:sp>
       <p:pic>
@@ -15541,14 +16963,14 @@
           <p:nvPr/>
         </p:nvPicPr>
         <p:blipFill>
-          <a:blip r:embed="rId2"/>
+          <a:blip r:embed="rId3"/>
           <a:stretch>
             <a:fillRect/>
           </a:stretch>
         </p:blipFill>
         <p:spPr>
           <a:xfrm>
-            <a:off x="556101" y="1794692"/>
+            <a:off x="556100" y="2704397"/>
             <a:ext cx="8031798" cy="3466611"/>
           </a:xfrm>
           <a:prstGeom prst="rect">
